--- a/2018-2019/C#/Compléments de cours.pptx
+++ b/2018-2019/C#/Compléments de cours.pptx
@@ -5,10 +5,10 @@
     <p:sldMasterId id="2147483711" r:id="rId1"/>
   </p:sldMasterIdLst>
   <p:notesMasterIdLst>
-    <p:notesMasterId r:id="rId35"/>
+    <p:notesMasterId r:id="rId41"/>
   </p:notesMasterIdLst>
   <p:handoutMasterIdLst>
-    <p:handoutMasterId r:id="rId36"/>
+    <p:handoutMasterId r:id="rId42"/>
   </p:handoutMasterIdLst>
   <p:sldIdLst>
     <p:sldId id="256" r:id="rId2"/>
@@ -17,33 +17,39 @@
     <p:sldId id="259" r:id="rId5"/>
     <p:sldId id="260" r:id="rId6"/>
     <p:sldId id="261" r:id="rId7"/>
-    <p:sldId id="262" r:id="rId8"/>
-    <p:sldId id="263" r:id="rId9"/>
-    <p:sldId id="264" r:id="rId10"/>
-    <p:sldId id="265" r:id="rId11"/>
+    <p:sldId id="290" r:id="rId8"/>
+    <p:sldId id="262" r:id="rId9"/>
+    <p:sldId id="263" r:id="rId10"/>
+    <p:sldId id="264" r:id="rId11"/>
     <p:sldId id="266" r:id="rId12"/>
-    <p:sldId id="268" r:id="rId13"/>
-    <p:sldId id="288" r:id="rId14"/>
-    <p:sldId id="269" r:id="rId15"/>
-    <p:sldId id="270" r:id="rId16"/>
-    <p:sldId id="271" r:id="rId17"/>
-    <p:sldId id="272" r:id="rId18"/>
-    <p:sldId id="273" r:id="rId19"/>
-    <p:sldId id="289" r:id="rId20"/>
-    <p:sldId id="274" r:id="rId21"/>
-    <p:sldId id="275" r:id="rId22"/>
-    <p:sldId id="276" r:id="rId23"/>
-    <p:sldId id="279" r:id="rId24"/>
-    <p:sldId id="277" r:id="rId25"/>
-    <p:sldId id="278" r:id="rId26"/>
-    <p:sldId id="280" r:id="rId27"/>
-    <p:sldId id="281" r:id="rId28"/>
-    <p:sldId id="282" r:id="rId29"/>
-    <p:sldId id="283" r:id="rId30"/>
-    <p:sldId id="284" r:id="rId31"/>
-    <p:sldId id="285" r:id="rId32"/>
-    <p:sldId id="286" r:id="rId33"/>
-    <p:sldId id="287" r:id="rId34"/>
+    <p:sldId id="288" r:id="rId13"/>
+    <p:sldId id="265" r:id="rId14"/>
+    <p:sldId id="268" r:id="rId15"/>
+    <p:sldId id="269" r:id="rId16"/>
+    <p:sldId id="270" r:id="rId17"/>
+    <p:sldId id="271" r:id="rId18"/>
+    <p:sldId id="272" r:id="rId19"/>
+    <p:sldId id="273" r:id="rId20"/>
+    <p:sldId id="289" r:id="rId21"/>
+    <p:sldId id="274" r:id="rId22"/>
+    <p:sldId id="275" r:id="rId23"/>
+    <p:sldId id="276" r:id="rId24"/>
+    <p:sldId id="279" r:id="rId25"/>
+    <p:sldId id="277" r:id="rId26"/>
+    <p:sldId id="278" r:id="rId27"/>
+    <p:sldId id="280" r:id="rId28"/>
+    <p:sldId id="281" r:id="rId29"/>
+    <p:sldId id="282" r:id="rId30"/>
+    <p:sldId id="283" r:id="rId31"/>
+    <p:sldId id="284" r:id="rId32"/>
+    <p:sldId id="285" r:id="rId33"/>
+    <p:sldId id="286" r:id="rId34"/>
+    <p:sldId id="287" r:id="rId35"/>
+    <p:sldId id="291" r:id="rId36"/>
+    <p:sldId id="292" r:id="rId37"/>
+    <p:sldId id="293" r:id="rId38"/>
+    <p:sldId id="294" r:id="rId39"/>
+    <p:sldId id="295" r:id="rId40"/>
   </p:sldIdLst>
   <p:sldSz cx="12192000" cy="6858000"/>
   <p:notesSz cx="6858000" cy="9945688"/>
@@ -258,7 +264,7 @@
           <a:p>
             <a:fld id="{AD8E0108-7974-4ECB-93ED-813DD6E524BF}" type="datetimeFigureOut">
               <a:rPr lang="fr-FR" smtClean="0"/>
-              <a:t>05/03/2019</a:t>
+              <a:t>06/03/2019</a:t>
             </a:fld>
             <a:endParaRPr lang="fr-FR"/>
           </a:p>
@@ -423,7 +429,7 @@
           <a:p>
             <a:fld id="{8A48E71D-2E5D-4F6E-A0DB-84CFC51B72F4}" type="datetimeFigureOut">
               <a:rPr lang="fr-FR" smtClean="0"/>
-              <a:t>05/03/2019</a:t>
+              <a:t>06/03/2019</a:t>
             </a:fld>
             <a:endParaRPr lang="fr-FR"/>
           </a:p>
@@ -869,7 +875,7 @@
           <a:effectLst/>
           <a:extLst>
             <a:ext uri="{91240B29-F687-4f45-9708-019B960494DF}">
-              <a14:hiddenLine xmlns:a14="http://schemas.microsoft.com/office/drawing/2010/main" xmlns="" w="9525">
+              <a14:hiddenLine xmlns="" xmlns:a14="http://schemas.microsoft.com/office/drawing/2010/main" w="9525">
                 <a:solidFill>
                   <a:srgbClr val="000000"/>
                 </a:solidFill>
@@ -1061,7 +1067,7 @@
           <a:p>
             <a:fld id="{B59687DF-E585-4C00-9CD3-38FCEA957542}" type="datetime1">
               <a:rPr lang="fr-FR" smtClean="0"/>
-              <a:t>05/03/2019</a:t>
+              <a:t>06/03/2019</a:t>
             </a:fld>
             <a:endParaRPr lang="fr-FR"/>
           </a:p>
@@ -1379,7 +1385,7 @@
           <a:p>
             <a:fld id="{D18F7F0D-2DAE-4AF0-BD70-ECD5138DCE5D}" type="datetime1">
               <a:rPr lang="fr-FR" smtClean="0"/>
-              <a:t>05/03/2019</a:t>
+              <a:t>06/03/2019</a:t>
             </a:fld>
             <a:endParaRPr lang="fr-FR"/>
           </a:p>
@@ -1867,7 +1873,7 @@
           <a:p>
             <a:fld id="{31E2BA6A-AB8B-401F-BF43-7CCA825E1B11}" type="datetime1">
               <a:rPr lang="fr-FR" smtClean="0"/>
-              <a:t>05/03/2019</a:t>
+              <a:t>06/03/2019</a:t>
             </a:fld>
             <a:endParaRPr lang="fr-FR"/>
           </a:p>
@@ -2236,7 +2242,7 @@
           <a:p>
             <a:fld id="{C79190D3-33D1-499A-88FD-0964A4F7BB86}" type="datetime1">
               <a:rPr lang="fr-FR" smtClean="0"/>
-              <a:t>05/03/2019</a:t>
+              <a:t>06/03/2019</a:t>
             </a:fld>
             <a:endParaRPr lang="fr-FR"/>
           </a:p>
@@ -2391,7 +2397,7 @@
           <a:ln/>
           <a:extLst>
             <a:ext uri="{91240B29-F687-4f45-9708-019B960494DF}">
-              <a14:hiddenLine xmlns:a14="http://schemas.microsoft.com/office/drawing/2010/main" xmlns="" w="9525">
+              <a14:hiddenLine xmlns="" xmlns:a14="http://schemas.microsoft.com/office/drawing/2010/main" w="9525">
                 <a:solidFill>
                   <a:srgbClr val="000000"/>
                 </a:solidFill>
@@ -2509,7 +2515,7 @@
           <a:p>
             <a:fld id="{06D6B756-8A55-427B-BB16-4F69F1DFDEC3}" type="datetime1">
               <a:rPr lang="fr-FR" smtClean="0"/>
-              <a:t>05/03/2019</a:t>
+              <a:t>06/03/2019</a:t>
             </a:fld>
             <a:endParaRPr lang="fr-FR"/>
           </a:p>
@@ -2666,7 +2672,7 @@
           <a:ln/>
           <a:extLst>
             <a:ext uri="{91240B29-F687-4f45-9708-019B960494DF}">
-              <a14:hiddenLine xmlns:a14="http://schemas.microsoft.com/office/drawing/2010/main" xmlns="" w="9525">
+              <a14:hiddenLine xmlns="" xmlns:a14="http://schemas.microsoft.com/office/drawing/2010/main" w="9525">
                 <a:solidFill>
                   <a:srgbClr val="000000"/>
                 </a:solidFill>
@@ -2794,7 +2800,7 @@
           <a:p>
             <a:fld id="{2924B7F3-EE86-4B89-A590-A25894AB6013}" type="datetime1">
               <a:rPr lang="fr-FR" smtClean="0"/>
-              <a:t>05/03/2019</a:t>
+              <a:t>06/03/2019</a:t>
             </a:fld>
             <a:endParaRPr lang="fr-FR"/>
           </a:p>
@@ -2949,7 +2955,7 @@
           <a:ln/>
           <a:extLst>
             <a:ext uri="{91240B29-F687-4f45-9708-019B960494DF}">
-              <a14:hiddenLine xmlns:a14="http://schemas.microsoft.com/office/drawing/2010/main" xmlns="" w="9525">
+              <a14:hiddenLine xmlns="" xmlns:a14="http://schemas.microsoft.com/office/drawing/2010/main" w="9525">
                 <a:solidFill>
                   <a:srgbClr val="000000"/>
                 </a:solidFill>
@@ -3383,7 +3389,7 @@
           <a:p>
             <a:fld id="{7C914A9B-8000-43D2-A631-9E8CCEE130EB}" type="datetime1">
               <a:rPr lang="fr-FR" smtClean="0"/>
-              <a:t>05/03/2019</a:t>
+              <a:t>06/03/2019</a:t>
             </a:fld>
             <a:endParaRPr lang="fr-FR"/>
           </a:p>
@@ -3538,7 +3544,7 @@
           <a:ln/>
           <a:extLst>
             <a:ext uri="{91240B29-F687-4f45-9708-019B960494DF}">
-              <a14:hiddenLine xmlns:a14="http://schemas.microsoft.com/office/drawing/2010/main" xmlns="" w="9525">
+              <a14:hiddenLine xmlns="" xmlns:a14="http://schemas.microsoft.com/office/drawing/2010/main" w="9525">
                 <a:solidFill>
                   <a:srgbClr val="000000"/>
                 </a:solidFill>
@@ -3722,7 +3728,7 @@
           <a:p>
             <a:fld id="{C06449E6-FA10-486F-9947-9B995442604E}" type="datetime1">
               <a:rPr lang="fr-FR" smtClean="0"/>
-              <a:t>05/03/2019</a:t>
+              <a:t>06/03/2019</a:t>
             </a:fld>
             <a:endParaRPr lang="fr-FR"/>
           </a:p>
@@ -3877,7 +3883,7 @@
           <a:ln/>
           <a:extLst>
             <a:ext uri="{91240B29-F687-4f45-9708-019B960494DF}">
-              <a14:hiddenLine xmlns:a14="http://schemas.microsoft.com/office/drawing/2010/main" xmlns="" w="9525">
+              <a14:hiddenLine xmlns="" xmlns:a14="http://schemas.microsoft.com/office/drawing/2010/main" w="9525">
                 <a:solidFill>
                   <a:srgbClr val="000000"/>
                 </a:solidFill>
@@ -4199,7 +4205,7 @@
           <a:p>
             <a:fld id="{CF845764-79E9-49B8-ABB2-BCA8901563F8}" type="datetime1">
               <a:rPr lang="fr-FR" smtClean="0"/>
-              <a:t>05/03/2019</a:t>
+              <a:t>06/03/2019</a:t>
             </a:fld>
             <a:endParaRPr lang="fr-FR"/>
           </a:p>
@@ -4354,7 +4360,7 @@
           <a:ln/>
           <a:extLst>
             <a:ext uri="{91240B29-F687-4f45-9708-019B960494DF}">
-              <a14:hiddenLine xmlns:a14="http://schemas.microsoft.com/office/drawing/2010/main" xmlns="" w="9525">
+              <a14:hiddenLine xmlns="" xmlns:a14="http://schemas.microsoft.com/office/drawing/2010/main" w="9525">
                 <a:solidFill>
                   <a:srgbClr val="000000"/>
                 </a:solidFill>
@@ -4420,7 +4426,7 @@
           <a:p>
             <a:fld id="{95008846-AA4C-4F54-AE82-4F7C2FA02BA7}" type="datetime1">
               <a:rPr lang="fr-FR" smtClean="0"/>
-              <a:t>05/03/2019</a:t>
+              <a:t>06/03/2019</a:t>
             </a:fld>
             <a:endParaRPr lang="fr-FR"/>
           </a:p>
@@ -4515,7 +4521,7 @@
           <a:p>
             <a:fld id="{69B2E184-DBD7-4549-9DE8-745F82C35770}" type="datetime1">
               <a:rPr lang="fr-FR" smtClean="0"/>
-              <a:t>05/03/2019</a:t>
+              <a:t>06/03/2019</a:t>
             </a:fld>
             <a:endParaRPr lang="fr-FR"/>
           </a:p>
@@ -4783,7 +4789,7 @@
           <a:ln/>
           <a:extLst>
             <a:ext uri="{91240B29-F687-4f45-9708-019B960494DF}">
-              <a14:hiddenLine xmlns:a14="http://schemas.microsoft.com/office/drawing/2010/main" xmlns="" w="9525">
+              <a14:hiddenLine xmlns="" xmlns:a14="http://schemas.microsoft.com/office/drawing/2010/main" w="9525">
                 <a:solidFill>
                   <a:srgbClr val="000000"/>
                 </a:solidFill>
@@ -4982,7 +4988,7 @@
           <a:p>
             <a:fld id="{E120388D-7709-4338-8275-1486D5196712}" type="datetime1">
               <a:rPr lang="fr-FR" smtClean="0"/>
-              <a:t>05/03/2019</a:t>
+              <a:t>06/03/2019</a:t>
             </a:fld>
             <a:endParaRPr lang="fr-FR"/>
           </a:p>
@@ -5295,7 +5301,7 @@
           <a:p>
             <a:fld id="{3B6E3DE8-ECAF-43C1-991E-7A233A4CDCA2}" type="datetime1">
               <a:rPr lang="fr-FR" smtClean="0"/>
-              <a:t>05/03/2019</a:t>
+              <a:t>06/03/2019</a:t>
             </a:fld>
             <a:endParaRPr lang="fr-FR"/>
           </a:p>
@@ -5565,7 +5571,7 @@
           <a:p>
             <a:fld id="{AB7B15F7-8D1B-4734-86F4-E6D97566F7CC}" type="datetime1">
               <a:rPr lang="fr-FR" smtClean="0"/>
-              <a:t>05/03/2019</a:t>
+              <a:t>06/03/2019</a:t>
             </a:fld>
             <a:endParaRPr lang="fr-FR"/>
           </a:p>
@@ -6128,7 +6134,7 @@
           <p:cNvPr id="2" name="Titre 1">
             <a:extLst>
               <a:ext uri="{FF2B5EF4-FFF2-40B4-BE49-F238E27FC236}">
-                <a16:creationId xmlns:a16="http://schemas.microsoft.com/office/drawing/2014/main" id="{16864CB3-A7A8-4687-B3DE-2848DFFC3621}"/>
+                <a16:creationId xmlns:a16="http://schemas.microsoft.com/office/drawing/2014/main" id="{A3D18DA1-A27C-4892-BBDE-ABA880DC17CD}"/>
               </a:ext>
             </a:extLst>
           </p:cNvPr>
@@ -6146,7 +6152,7 @@
           <a:p>
             <a:r>
               <a:rPr lang="fr-FR" dirty="0"/>
-              <a:t>Exercices</a:t>
+              <a:t>Les instances en C#</a:t>
             </a:r>
           </a:p>
         </p:txBody>
@@ -6156,7 +6162,7 @@
           <p:cNvPr id="3" name="Espace réservé du contenu 2">
             <a:extLst>
               <a:ext uri="{FF2B5EF4-FFF2-40B4-BE49-F238E27FC236}">
-                <a16:creationId xmlns:a16="http://schemas.microsoft.com/office/drawing/2014/main" id="{43D80954-2481-4B91-BEA3-EA168A799F1C}"/>
+                <a16:creationId xmlns:a16="http://schemas.microsoft.com/office/drawing/2014/main" id="{580FB6D7-E6CC-4FA8-84EE-AE20AAECF772}"/>
               </a:ext>
             </a:extLst>
           </p:cNvPr>
@@ -6172,7 +6178,7 @@
           <a:bodyPr/>
           <a:lstStyle/>
           <a:p>
-            <a:endParaRPr lang="fr-FR"/>
+            <a:endParaRPr lang="fr-FR" dirty="0"/>
           </a:p>
         </p:txBody>
       </p:sp>
@@ -6181,7 +6187,7 @@
           <p:cNvPr id="4" name="Espace réservé du numéro de diapositive 3">
             <a:extLst>
               <a:ext uri="{FF2B5EF4-FFF2-40B4-BE49-F238E27FC236}">
-                <a16:creationId xmlns:a16="http://schemas.microsoft.com/office/drawing/2014/main" id="{5CF56CB7-948A-4D92-8C74-38D638D9358A}"/>
+                <a16:creationId xmlns:a16="http://schemas.microsoft.com/office/drawing/2014/main" id="{A77574B6-3C40-4C3C-8C8E-7DC3F401FD1E}"/>
               </a:ext>
             </a:extLst>
           </p:cNvPr>
@@ -6205,10 +6211,39 @@
           </a:p>
         </p:txBody>
       </p:sp>
+      <p:pic>
+        <p:nvPicPr>
+          <p:cNvPr id="5" name="Image 4">
+            <a:extLst>
+              <a:ext uri="{FF2B5EF4-FFF2-40B4-BE49-F238E27FC236}">
+                <a16:creationId xmlns:a16="http://schemas.microsoft.com/office/drawing/2014/main" id="{6B4E6436-0DED-4897-9219-7B7D36B8AB1B}"/>
+              </a:ext>
+            </a:extLst>
+          </p:cNvPr>
+          <p:cNvPicPr/>
+          <p:nvPr/>
+        </p:nvPicPr>
+        <p:blipFill>
+          <a:blip r:embed="rId2"/>
+          <a:stretch/>
+        </p:blipFill>
+        <p:spPr>
+          <a:xfrm>
+            <a:off x="1071720" y="1910520"/>
+            <a:ext cx="9554040" cy="3137760"/>
+          </a:xfrm>
+          <a:prstGeom prst="rect">
+            <a:avLst/>
+          </a:prstGeom>
+          <a:ln>
+            <a:noFill/>
+          </a:ln>
+        </p:spPr>
+      </p:pic>
     </p:spTree>
     <p:extLst>
       <p:ext uri="{BB962C8B-B14F-4D97-AF65-F5344CB8AC3E}">
-        <p14:creationId xmlns:p14="http://schemas.microsoft.com/office/powerpoint/2010/main" val="882502845"/>
+        <p14:creationId xmlns:p14="http://schemas.microsoft.com/office/powerpoint/2010/main" val="4132875239"/>
       </p:ext>
     </p:extLst>
   </p:cSld>
@@ -6482,786 +6517,6 @@
       </p:grpSpPr>
       <p:sp>
         <p:nvSpPr>
-          <p:cNvPr id="127" name="TextShape 1"/>
-          <p:cNvSpPr txBox="1"/>
-          <p:nvPr/>
-        </p:nvSpPr>
-        <p:spPr>
-          <a:xfrm>
-            <a:off x="810000" y="-182520"/>
-            <a:ext cx="10571760" cy="970200"/>
-          </a:xfrm>
-          <a:prstGeom prst="rect">
-            <a:avLst/>
-          </a:prstGeom>
-          <a:noFill/>
-          <a:ln>
-            <a:noFill/>
-          </a:ln>
-        </p:spPr>
-        <p:txBody>
-          <a:bodyPr anchor="b"/>
-          <a:lstStyle/>
-          <a:p>
-            <a:pPr>
-              <a:lnSpc>
-                <a:spcPct val="100000"/>
-              </a:lnSpc>
-            </a:pPr>
-            <a:r>
-              <a:rPr lang="en-US" sz="4000" b="1" strike="noStrike" spc="-1">
-                <a:solidFill>
-                  <a:srgbClr val="FEFEFE"/>
-                </a:solidFill>
-                <a:uFill>
-                  <a:solidFill>
-                    <a:srgbClr val="FFFFFF"/>
-                  </a:solidFill>
-                </a:uFill>
-                <a:latin typeface="Century Gothic"/>
-              </a:rPr>
-              <a:t>Où en sommes-nous ?</a:t>
-            </a:r>
-            <a:endParaRPr lang="en-US" sz="1800" b="0" strike="noStrike" spc="-1">
-              <a:solidFill>
-                <a:srgbClr val="000000"/>
-              </a:solidFill>
-              <a:uFill>
-                <a:solidFill>
-                  <a:srgbClr val="FFFFFF"/>
-                </a:solidFill>
-              </a:uFill>
-              <a:latin typeface="Century Gothic"/>
-            </a:endParaRPr>
-          </a:p>
-        </p:txBody>
-      </p:sp>
-      <p:sp>
-        <p:nvSpPr>
-          <p:cNvPr id="129" name="TextShape 3"/>
-          <p:cNvSpPr txBox="1"/>
-          <p:nvPr/>
-        </p:nvSpPr>
-        <p:spPr>
-          <a:xfrm>
-            <a:off x="11028600" y="6289920"/>
-            <a:ext cx="1061640" cy="490320"/>
-          </a:xfrm>
-          <a:prstGeom prst="rect">
-            <a:avLst/>
-          </a:prstGeom>
-          <a:noFill/>
-          <a:ln>
-            <a:noFill/>
-          </a:ln>
-        </p:spPr>
-        <p:txBody>
-          <a:bodyPr bIns="10800" anchor="b"/>
-          <a:lstStyle/>
-          <a:p>
-            <a:pPr algn="r">
-              <a:lnSpc>
-                <a:spcPct val="100000"/>
-              </a:lnSpc>
-            </a:pPr>
-            <a:fld id="{9F90F780-B9FC-4F05-919C-35A93E25D758}" type="slidenum">
-              <a:rPr lang="en-US" sz="2000" b="0" strike="noStrike" spc="-1">
-                <a:solidFill>
-                  <a:srgbClr val="00C6BB"/>
-                </a:solidFill>
-                <a:uFill>
-                  <a:solidFill>
-                    <a:srgbClr val="FFFFFF"/>
-                  </a:solidFill>
-                </a:uFill>
-                <a:latin typeface="Century Gothic"/>
-              </a:rPr>
-              <a:t>12</a:t>
-            </a:fld>
-            <a:endParaRPr lang="en-US" sz="2000" b="0" strike="noStrike" spc="-1">
-              <a:solidFill>
-                <a:srgbClr val="000000"/>
-              </a:solidFill>
-              <a:uFill>
-                <a:solidFill>
-                  <a:srgbClr val="FFFFFF"/>
-                </a:solidFill>
-              </a:uFill>
-              <a:latin typeface="Times New Roman"/>
-            </a:endParaRPr>
-          </a:p>
-        </p:txBody>
-      </p:sp>
-      <p:sp>
-        <p:nvSpPr>
-          <p:cNvPr id="2" name="Titre 1">
-            <a:extLst>
-              <a:ext uri="{FF2B5EF4-FFF2-40B4-BE49-F238E27FC236}">
-                <a16:creationId xmlns:a16="http://schemas.microsoft.com/office/drawing/2014/main" id="{0E7A1EF6-491F-424D-AF3D-A4958EF3CB5E}"/>
-              </a:ext>
-            </a:extLst>
-          </p:cNvPr>
-          <p:cNvSpPr>
-            <a:spLocks noGrp="1"/>
-          </p:cNvSpPr>
-          <p:nvPr>
-            <p:ph type="title"/>
-          </p:nvPr>
-        </p:nvSpPr>
-        <p:spPr/>
-        <p:txBody>
-          <a:bodyPr/>
-          <a:lstStyle/>
-          <a:p>
-            <a:r>
-              <a:rPr lang="fr-FR" dirty="0"/>
-              <a:t>Où</a:t>
-            </a:r>
-            <a:r>
-              <a:rPr lang="fr-FR" baseline="0" dirty="0"/>
-              <a:t> en sommes-nous ?</a:t>
-            </a:r>
-            <a:endParaRPr lang="fr-FR" dirty="0"/>
-          </a:p>
-        </p:txBody>
-      </p:sp>
-      <p:sp>
-        <p:nvSpPr>
-          <p:cNvPr id="4" name="Espace réservé du contenu 3">
-            <a:extLst>
-              <a:ext uri="{FF2B5EF4-FFF2-40B4-BE49-F238E27FC236}">
-                <a16:creationId xmlns:a16="http://schemas.microsoft.com/office/drawing/2014/main" id="{9ED717D6-E794-4533-96D9-663C285B94FC}"/>
-              </a:ext>
-            </a:extLst>
-          </p:cNvPr>
-          <p:cNvSpPr>
-            <a:spLocks noGrp="1"/>
-          </p:cNvSpPr>
-          <p:nvPr>
-            <p:ph idx="1"/>
-          </p:nvPr>
-        </p:nvSpPr>
-        <p:spPr/>
-        <p:txBody>
-          <a:bodyPr/>
-          <a:lstStyle/>
-          <a:p>
-            <a:pPr rtl="0" eaLnBrk="1" latinLnBrk="0" hangingPunct="1"/>
-            <a:r>
-              <a:rPr lang="en-US" sz="1800" b="0" kern="1200" dirty="0" err="1">
-                <a:solidFill>
-                  <a:schemeClr val="tx1"/>
-                </a:solidFill>
-                <a:effectLst/>
-                <a:latin typeface="+mn-lt"/>
-                <a:ea typeface="+mn-ea"/>
-                <a:cs typeface="+mn-cs"/>
-              </a:rPr>
-              <a:t>Approche</a:t>
-            </a:r>
-            <a:r>
-              <a:rPr lang="en-US" sz="1800" b="0" kern="1200" dirty="0">
-                <a:solidFill>
-                  <a:schemeClr val="tx1"/>
-                </a:solidFill>
-                <a:effectLst/>
-                <a:latin typeface="+mn-lt"/>
-                <a:ea typeface="+mn-ea"/>
-                <a:cs typeface="+mn-cs"/>
-              </a:rPr>
-              <a:t> </a:t>
-            </a:r>
-            <a:r>
-              <a:rPr lang="en-US" sz="1800" b="0" kern="1200" dirty="0" err="1">
-                <a:solidFill>
-                  <a:schemeClr val="tx1"/>
-                </a:solidFill>
-                <a:effectLst/>
-                <a:latin typeface="+mn-lt"/>
-                <a:ea typeface="+mn-ea"/>
-                <a:cs typeface="+mn-cs"/>
-              </a:rPr>
-              <a:t>objet</a:t>
-            </a:r>
-            <a:endParaRPr lang="fr-FR" sz="1800" dirty="0">
-              <a:effectLst/>
-            </a:endParaRPr>
-          </a:p>
-          <a:p>
-            <a:pPr rtl="0" eaLnBrk="1" latinLnBrk="0" hangingPunct="1"/>
-            <a:r>
-              <a:rPr lang="en-US" sz="1800" b="0" kern="1200" dirty="0" err="1">
-                <a:solidFill>
-                  <a:schemeClr val="tx1"/>
-                </a:solidFill>
-                <a:effectLst/>
-                <a:latin typeface="+mn-lt"/>
-                <a:ea typeface="+mn-ea"/>
-                <a:cs typeface="+mn-cs"/>
-              </a:rPr>
-              <a:t>Objets</a:t>
-            </a:r>
-            <a:r>
-              <a:rPr lang="en-US" sz="1800" b="0" kern="1200" dirty="0">
-                <a:solidFill>
-                  <a:schemeClr val="tx1"/>
-                </a:solidFill>
-                <a:effectLst/>
-                <a:latin typeface="+mn-lt"/>
-                <a:ea typeface="+mn-ea"/>
-                <a:cs typeface="+mn-cs"/>
-              </a:rPr>
-              <a:t> et classes </a:t>
-            </a:r>
-            <a:r>
-              <a:rPr lang="en-US" sz="1800" b="0" kern="1200" dirty="0" err="1">
-                <a:solidFill>
-                  <a:schemeClr val="tx1"/>
-                </a:solidFill>
-                <a:effectLst/>
-                <a:latin typeface="+mn-lt"/>
-                <a:ea typeface="+mn-ea"/>
-                <a:cs typeface="+mn-cs"/>
-              </a:rPr>
-              <a:t>en</a:t>
-            </a:r>
-            <a:r>
-              <a:rPr lang="en-US" sz="1800" b="0" kern="1200" dirty="0">
-                <a:solidFill>
-                  <a:schemeClr val="tx1"/>
-                </a:solidFill>
-                <a:effectLst/>
-                <a:latin typeface="+mn-lt"/>
-                <a:ea typeface="+mn-ea"/>
-                <a:cs typeface="+mn-cs"/>
-              </a:rPr>
-              <a:t> C#</a:t>
-            </a:r>
-            <a:endParaRPr lang="fr-FR" dirty="0">
-              <a:effectLst/>
-            </a:endParaRPr>
-          </a:p>
-          <a:p>
-            <a:pPr lvl="1" rtl="0" eaLnBrk="1" latinLnBrk="0" hangingPunct="1"/>
-            <a:r>
-              <a:rPr lang="en-US" sz="1600" b="0" kern="1200" dirty="0">
-                <a:solidFill>
-                  <a:schemeClr val="tx1"/>
-                </a:solidFill>
-                <a:effectLst/>
-                <a:latin typeface="+mn-lt"/>
-                <a:ea typeface="+mn-ea"/>
-                <a:cs typeface="+mn-cs"/>
-              </a:rPr>
-              <a:t>Une </a:t>
-            </a:r>
-            <a:r>
-              <a:rPr lang="en-US" sz="1600" b="0" kern="1200" dirty="0" err="1">
-                <a:solidFill>
-                  <a:schemeClr val="tx1"/>
-                </a:solidFill>
-                <a:effectLst/>
-                <a:latin typeface="+mn-lt"/>
-                <a:ea typeface="+mn-ea"/>
-                <a:cs typeface="+mn-cs"/>
-              </a:rPr>
-              <a:t>classe</a:t>
-            </a:r>
-            <a:r>
-              <a:rPr lang="en-US" sz="1600" b="0" kern="1200" dirty="0">
-                <a:solidFill>
-                  <a:schemeClr val="tx1"/>
-                </a:solidFill>
-                <a:effectLst/>
-                <a:latin typeface="+mn-lt"/>
-                <a:ea typeface="+mn-ea"/>
-                <a:cs typeface="+mn-cs"/>
-              </a:rPr>
-              <a:t> </a:t>
-            </a:r>
-            <a:r>
-              <a:rPr lang="en-US" sz="1600" b="0" kern="1200" dirty="0" err="1">
-                <a:solidFill>
-                  <a:schemeClr val="tx1"/>
-                </a:solidFill>
-                <a:effectLst/>
-                <a:latin typeface="+mn-lt"/>
-                <a:ea typeface="+mn-ea"/>
-                <a:cs typeface="+mn-cs"/>
-              </a:rPr>
-              <a:t>est</a:t>
-            </a:r>
-            <a:r>
-              <a:rPr lang="en-US" sz="1600" b="0" kern="1200" dirty="0">
-                <a:solidFill>
-                  <a:schemeClr val="tx1"/>
-                </a:solidFill>
-                <a:effectLst/>
-                <a:latin typeface="+mn-lt"/>
-                <a:ea typeface="+mn-ea"/>
-                <a:cs typeface="+mn-cs"/>
-              </a:rPr>
-              <a:t> un « patron » </a:t>
-            </a:r>
-            <a:r>
-              <a:rPr lang="en-US" sz="1600" b="0" kern="1200" dirty="0" err="1">
-                <a:solidFill>
-                  <a:schemeClr val="tx1"/>
-                </a:solidFill>
-                <a:effectLst/>
-                <a:latin typeface="+mn-lt"/>
-                <a:ea typeface="+mn-ea"/>
-                <a:cs typeface="+mn-cs"/>
-              </a:rPr>
-              <a:t>d’objet</a:t>
-            </a:r>
-            <a:endParaRPr lang="fr-FR" dirty="0">
-              <a:effectLst/>
-            </a:endParaRPr>
-          </a:p>
-          <a:p>
-            <a:pPr lvl="1" rtl="0" eaLnBrk="1" latinLnBrk="0" hangingPunct="1"/>
-            <a:r>
-              <a:rPr lang="en-US" sz="1600" b="0" kern="1200" dirty="0">
-                <a:solidFill>
-                  <a:schemeClr val="tx1"/>
-                </a:solidFill>
-                <a:effectLst/>
-                <a:latin typeface="+mn-lt"/>
-                <a:ea typeface="+mn-ea"/>
-                <a:cs typeface="+mn-cs"/>
-              </a:rPr>
-              <a:t>Un </a:t>
-            </a:r>
-            <a:r>
-              <a:rPr lang="en-US" sz="1600" b="0" kern="1200" dirty="0" err="1">
-                <a:solidFill>
-                  <a:schemeClr val="tx1"/>
-                </a:solidFill>
-                <a:effectLst/>
-                <a:latin typeface="+mn-lt"/>
-                <a:ea typeface="+mn-ea"/>
-                <a:cs typeface="+mn-cs"/>
-              </a:rPr>
-              <a:t>objet</a:t>
-            </a:r>
-            <a:r>
-              <a:rPr lang="en-US" sz="1600" b="0" kern="1200" dirty="0">
-                <a:solidFill>
-                  <a:schemeClr val="tx1"/>
-                </a:solidFill>
-                <a:effectLst/>
-                <a:latin typeface="+mn-lt"/>
-                <a:ea typeface="+mn-ea"/>
-                <a:cs typeface="+mn-cs"/>
-              </a:rPr>
-              <a:t> </a:t>
-            </a:r>
-            <a:r>
-              <a:rPr lang="en-US" sz="1600" b="0" kern="1200" dirty="0" err="1">
-                <a:solidFill>
-                  <a:schemeClr val="tx1"/>
-                </a:solidFill>
-                <a:effectLst/>
-                <a:latin typeface="+mn-lt"/>
-                <a:ea typeface="+mn-ea"/>
-                <a:cs typeface="+mn-cs"/>
-              </a:rPr>
-              <a:t>est</a:t>
-            </a:r>
-            <a:r>
-              <a:rPr lang="en-US" sz="1600" b="0" kern="1200" dirty="0">
-                <a:solidFill>
-                  <a:schemeClr val="tx1"/>
-                </a:solidFill>
-                <a:effectLst/>
-                <a:latin typeface="+mn-lt"/>
-                <a:ea typeface="+mn-ea"/>
-                <a:cs typeface="+mn-cs"/>
-              </a:rPr>
-              <a:t> </a:t>
-            </a:r>
-            <a:r>
-              <a:rPr lang="en-US" sz="1600" b="0" kern="1200" dirty="0" err="1">
-                <a:solidFill>
-                  <a:schemeClr val="tx1"/>
-                </a:solidFill>
-                <a:effectLst/>
-                <a:latin typeface="+mn-lt"/>
-                <a:ea typeface="+mn-ea"/>
-                <a:cs typeface="+mn-cs"/>
-              </a:rPr>
-              <a:t>une</a:t>
-            </a:r>
-            <a:r>
-              <a:rPr lang="en-US" sz="1600" b="0" kern="1200" dirty="0">
-                <a:solidFill>
-                  <a:schemeClr val="tx1"/>
-                </a:solidFill>
-                <a:effectLst/>
-                <a:latin typeface="+mn-lt"/>
-                <a:ea typeface="+mn-ea"/>
-                <a:cs typeface="+mn-cs"/>
-              </a:rPr>
-              <a:t> instance de </a:t>
-            </a:r>
-            <a:r>
-              <a:rPr lang="en-US" sz="1600" b="0" kern="1200" dirty="0" err="1">
-                <a:solidFill>
-                  <a:schemeClr val="tx1"/>
-                </a:solidFill>
-                <a:effectLst/>
-                <a:latin typeface="+mn-lt"/>
-                <a:ea typeface="+mn-ea"/>
-                <a:cs typeface="+mn-cs"/>
-              </a:rPr>
-              <a:t>classe</a:t>
-            </a:r>
-            <a:endParaRPr lang="fr-FR" dirty="0">
-              <a:effectLst/>
-            </a:endParaRPr>
-          </a:p>
-          <a:p>
-            <a:pPr lvl="2" rtl="0" eaLnBrk="1" latinLnBrk="0" hangingPunct="1"/>
-            <a:r>
-              <a:rPr lang="en-US" sz="1400" b="0" kern="1200" dirty="0" err="1">
-                <a:solidFill>
-                  <a:schemeClr val="tx1"/>
-                </a:solidFill>
-                <a:effectLst/>
-                <a:latin typeface="+mn-lt"/>
-                <a:ea typeface="+mn-ea"/>
-                <a:cs typeface="+mn-cs"/>
-              </a:rPr>
-              <a:t>Opérateur</a:t>
-            </a:r>
-            <a:r>
-              <a:rPr lang="en-US" sz="1400" b="0" kern="1200" dirty="0">
-                <a:solidFill>
-                  <a:schemeClr val="tx1"/>
-                </a:solidFill>
-                <a:effectLst/>
-                <a:latin typeface="+mn-lt"/>
-                <a:ea typeface="+mn-ea"/>
-                <a:cs typeface="+mn-cs"/>
-              </a:rPr>
-              <a:t> new</a:t>
-            </a:r>
-            <a:endParaRPr lang="fr-FR" dirty="0">
-              <a:effectLst/>
-            </a:endParaRPr>
-          </a:p>
-          <a:p>
-            <a:pPr lvl="1" rtl="0" eaLnBrk="1" latinLnBrk="0" hangingPunct="1"/>
-            <a:r>
-              <a:rPr lang="en-US" sz="1600" b="0" kern="1200" dirty="0">
-                <a:solidFill>
-                  <a:schemeClr val="tx1"/>
-                </a:solidFill>
-                <a:effectLst/>
-                <a:latin typeface="+mn-lt"/>
-                <a:ea typeface="+mn-ea"/>
-                <a:cs typeface="+mn-cs"/>
-              </a:rPr>
-              <a:t>Un </a:t>
-            </a:r>
-            <a:r>
-              <a:rPr lang="en-US" sz="1600" b="0" kern="1200" dirty="0" err="1">
-                <a:solidFill>
-                  <a:schemeClr val="tx1"/>
-                </a:solidFill>
-                <a:effectLst/>
-                <a:latin typeface="+mn-lt"/>
-                <a:ea typeface="+mn-ea"/>
-                <a:cs typeface="+mn-cs"/>
-              </a:rPr>
-              <a:t>objet</a:t>
-            </a:r>
-            <a:r>
-              <a:rPr lang="en-US" sz="1600" b="0" kern="1200" dirty="0">
-                <a:solidFill>
-                  <a:schemeClr val="tx1"/>
-                </a:solidFill>
-                <a:effectLst/>
-                <a:latin typeface="+mn-lt"/>
-                <a:ea typeface="+mn-ea"/>
-                <a:cs typeface="+mn-cs"/>
-              </a:rPr>
-              <a:t> </a:t>
-            </a:r>
-            <a:r>
-              <a:rPr lang="en-US" sz="1600" b="0" kern="1200" dirty="0" err="1">
-                <a:solidFill>
-                  <a:schemeClr val="tx1"/>
-                </a:solidFill>
-                <a:effectLst/>
-                <a:latin typeface="+mn-lt"/>
-                <a:ea typeface="+mn-ea"/>
-                <a:cs typeface="+mn-cs"/>
-              </a:rPr>
-              <a:t>peut</a:t>
-            </a:r>
-            <a:r>
-              <a:rPr lang="en-US" sz="1600" b="0" kern="1200" dirty="0">
-                <a:solidFill>
-                  <a:schemeClr val="tx1"/>
-                </a:solidFill>
-                <a:effectLst/>
-                <a:latin typeface="+mn-lt"/>
-                <a:ea typeface="+mn-ea"/>
-                <a:cs typeface="+mn-cs"/>
-              </a:rPr>
-              <a:t> </a:t>
-            </a:r>
-            <a:r>
-              <a:rPr lang="en-US" sz="1600" b="0" kern="1200" dirty="0" err="1">
-                <a:solidFill>
-                  <a:schemeClr val="tx1"/>
-                </a:solidFill>
-                <a:effectLst/>
-                <a:latin typeface="+mn-lt"/>
-                <a:ea typeface="+mn-ea"/>
-                <a:cs typeface="+mn-cs"/>
-              </a:rPr>
-              <a:t>être</a:t>
-            </a:r>
-            <a:r>
-              <a:rPr lang="en-US" sz="1600" b="0" kern="1200" dirty="0">
-                <a:solidFill>
-                  <a:schemeClr val="tx1"/>
-                </a:solidFill>
-                <a:effectLst/>
-                <a:latin typeface="+mn-lt"/>
-                <a:ea typeface="+mn-ea"/>
-                <a:cs typeface="+mn-cs"/>
-              </a:rPr>
-              <a:t> </a:t>
-            </a:r>
-            <a:r>
-              <a:rPr lang="en-US" sz="1600" b="0" kern="1200" dirty="0" err="1">
-                <a:solidFill>
-                  <a:schemeClr val="tx1"/>
-                </a:solidFill>
-                <a:effectLst/>
-                <a:latin typeface="+mn-lt"/>
-                <a:ea typeface="+mn-ea"/>
-                <a:cs typeface="+mn-cs"/>
-              </a:rPr>
-              <a:t>composé</a:t>
-            </a:r>
-            <a:r>
-              <a:rPr lang="en-US" sz="1600" b="0" kern="1200" dirty="0">
-                <a:solidFill>
-                  <a:schemeClr val="tx1"/>
-                </a:solidFill>
-                <a:effectLst/>
-                <a:latin typeface="+mn-lt"/>
-                <a:ea typeface="+mn-ea"/>
-                <a:cs typeface="+mn-cs"/>
-              </a:rPr>
-              <a:t> </a:t>
-            </a:r>
-            <a:r>
-              <a:rPr lang="en-US" sz="1600" b="0" kern="1200" dirty="0" err="1">
-                <a:solidFill>
-                  <a:schemeClr val="tx1"/>
-                </a:solidFill>
-                <a:effectLst/>
-                <a:latin typeface="+mn-lt"/>
-                <a:ea typeface="+mn-ea"/>
-                <a:cs typeface="+mn-cs"/>
-              </a:rPr>
-              <a:t>d’autres</a:t>
-            </a:r>
-            <a:r>
-              <a:rPr lang="en-US" sz="1600" b="0" kern="1200" dirty="0">
-                <a:solidFill>
-                  <a:schemeClr val="tx1"/>
-                </a:solidFill>
-                <a:effectLst/>
-                <a:latin typeface="+mn-lt"/>
-                <a:ea typeface="+mn-ea"/>
-                <a:cs typeface="+mn-cs"/>
-              </a:rPr>
-              <a:t> </a:t>
-            </a:r>
-            <a:r>
-              <a:rPr lang="en-US" sz="1600" b="0" kern="1200" dirty="0" err="1">
-                <a:solidFill>
-                  <a:schemeClr val="tx1"/>
-                </a:solidFill>
-                <a:effectLst/>
-                <a:latin typeface="+mn-lt"/>
-                <a:ea typeface="+mn-ea"/>
-                <a:cs typeface="+mn-cs"/>
-              </a:rPr>
-              <a:t>objets</a:t>
-            </a:r>
-            <a:endParaRPr lang="fr-FR" dirty="0">
-              <a:effectLst/>
-            </a:endParaRPr>
-          </a:p>
-          <a:p>
-            <a:pPr lvl="1"/>
-            <a:r>
-              <a:rPr lang="en-US" sz="1600" b="0" kern="1200" dirty="0">
-                <a:solidFill>
-                  <a:schemeClr val="tx1"/>
-                </a:solidFill>
-                <a:effectLst/>
-                <a:latin typeface="+mn-lt"/>
-                <a:ea typeface="+mn-ea"/>
-                <a:cs typeface="+mn-cs"/>
-              </a:rPr>
-              <a:t>Un </a:t>
-            </a:r>
-            <a:r>
-              <a:rPr lang="en-US" sz="1600" b="0" kern="1200" dirty="0" err="1">
-                <a:solidFill>
-                  <a:schemeClr val="tx1"/>
-                </a:solidFill>
-                <a:effectLst/>
-                <a:latin typeface="+mn-lt"/>
-                <a:ea typeface="+mn-ea"/>
-                <a:cs typeface="+mn-cs"/>
-              </a:rPr>
-              <a:t>objet</a:t>
-            </a:r>
-            <a:r>
-              <a:rPr lang="en-US" sz="1600" b="0" kern="1200" dirty="0">
-                <a:solidFill>
-                  <a:schemeClr val="tx1"/>
-                </a:solidFill>
-                <a:effectLst/>
-                <a:latin typeface="+mn-lt"/>
-                <a:ea typeface="+mn-ea"/>
-                <a:cs typeface="+mn-cs"/>
-              </a:rPr>
-              <a:t> </a:t>
-            </a:r>
-            <a:r>
-              <a:rPr lang="en-US" sz="1600" b="0" kern="1200" dirty="0" err="1">
-                <a:solidFill>
-                  <a:schemeClr val="tx1"/>
-                </a:solidFill>
-                <a:effectLst/>
-                <a:latin typeface="+mn-lt"/>
-                <a:ea typeface="+mn-ea"/>
-                <a:cs typeface="+mn-cs"/>
-              </a:rPr>
-              <a:t>peut</a:t>
-            </a:r>
-            <a:r>
-              <a:rPr lang="en-US" sz="1600" b="0" kern="1200" dirty="0">
-                <a:solidFill>
-                  <a:schemeClr val="tx1"/>
-                </a:solidFill>
-                <a:effectLst/>
-                <a:latin typeface="+mn-lt"/>
-                <a:ea typeface="+mn-ea"/>
-                <a:cs typeface="+mn-cs"/>
-              </a:rPr>
-              <a:t> </a:t>
-            </a:r>
-            <a:r>
-              <a:rPr lang="en-US" sz="1600" b="0" kern="1200" dirty="0" err="1">
-                <a:solidFill>
-                  <a:schemeClr val="tx1"/>
-                </a:solidFill>
-                <a:effectLst/>
-                <a:latin typeface="+mn-lt"/>
-                <a:ea typeface="+mn-ea"/>
-                <a:cs typeface="+mn-cs"/>
-              </a:rPr>
-              <a:t>communiquer</a:t>
-            </a:r>
-            <a:r>
-              <a:rPr lang="en-US" sz="1600" b="0" kern="1200" dirty="0">
-                <a:solidFill>
-                  <a:schemeClr val="tx1"/>
-                </a:solidFill>
-                <a:effectLst/>
-                <a:latin typeface="+mn-lt"/>
-                <a:ea typeface="+mn-ea"/>
-                <a:cs typeface="+mn-cs"/>
-              </a:rPr>
-              <a:t> </a:t>
-            </a:r>
-            <a:r>
-              <a:rPr lang="en-US" sz="1600" b="0" kern="1200" dirty="0" err="1">
-                <a:solidFill>
-                  <a:schemeClr val="tx1"/>
-                </a:solidFill>
-                <a:effectLst/>
-                <a:latin typeface="+mn-lt"/>
-                <a:ea typeface="+mn-ea"/>
-                <a:cs typeface="+mn-cs"/>
-              </a:rPr>
-              <a:t>d’autres</a:t>
-            </a:r>
-            <a:r>
-              <a:rPr lang="en-US" sz="1600" b="0" kern="1200" dirty="0">
-                <a:solidFill>
-                  <a:schemeClr val="tx1"/>
-                </a:solidFill>
-                <a:effectLst/>
-                <a:latin typeface="+mn-lt"/>
-                <a:ea typeface="+mn-ea"/>
-                <a:cs typeface="+mn-cs"/>
-              </a:rPr>
-              <a:t> </a:t>
-            </a:r>
-            <a:r>
-              <a:rPr lang="en-US" sz="1600" b="0" kern="1200" dirty="0" err="1">
-                <a:solidFill>
-                  <a:schemeClr val="tx1"/>
-                </a:solidFill>
-                <a:effectLst/>
-                <a:latin typeface="+mn-lt"/>
-                <a:ea typeface="+mn-ea"/>
-                <a:cs typeface="+mn-cs"/>
-              </a:rPr>
-              <a:t>objets</a:t>
-            </a:r>
-            <a:endParaRPr lang="en-US" sz="1600" b="0" kern="1200" dirty="0">
-              <a:solidFill>
-                <a:schemeClr val="tx1"/>
-              </a:solidFill>
-              <a:effectLst/>
-              <a:latin typeface="+mn-lt"/>
-              <a:ea typeface="+mn-ea"/>
-              <a:cs typeface="+mn-cs"/>
-            </a:endParaRPr>
-          </a:p>
-        </p:txBody>
-      </p:sp>
-    </p:spTree>
-  </p:cSld>
-  <p:clrMapOvr>
-    <a:masterClrMapping/>
-  </p:clrMapOvr>
-</p:sld>
-</file>
-
-<file path=ppt/slides/slide13.xml><?xml version="1.0" encoding="utf-8"?>
-<p:sld xmlns:a="http://schemas.openxmlformats.org/drawingml/2006/main" xmlns:r="http://schemas.openxmlformats.org/officeDocument/2006/relationships" xmlns:p="http://schemas.openxmlformats.org/presentationml/2006/main">
-  <p:cSld>
-    <p:spTree>
-      <p:nvGrpSpPr>
-        <p:cNvPr id="1" name=""/>
-        <p:cNvGrpSpPr/>
-        <p:nvPr/>
-      </p:nvGrpSpPr>
-      <p:grpSpPr>
-        <a:xfrm>
-          <a:off x="0" y="0"/>
-          <a:ext cx="0" cy="0"/>
-          <a:chOff x="0" y="0"/>
-          <a:chExt cx="0" cy="0"/>
-        </a:xfrm>
-      </p:grpSpPr>
-      <p:sp>
-        <p:nvSpPr>
           <p:cNvPr id="2" name="Titre 1">
             <a:extLst>
               <a:ext uri="{FF2B5EF4-FFF2-40B4-BE49-F238E27FC236}">
@@ -7703,7 +6958,7 @@
           <a:p>
             <a:fld id="{C4488D40-6A2B-42CD-9565-99D41B29C2DA}" type="slidenum">
               <a:rPr lang="fr-FR" smtClean="0"/>
-              <a:t>13</a:t>
+              <a:t>12</a:t>
             </a:fld>
             <a:endParaRPr lang="fr-FR"/>
           </a:p>
@@ -7788,7 +7043,899 @@
 </p:sld>
 </file>
 
+<file path=ppt/slides/slide13.xml><?xml version="1.0" encoding="utf-8"?>
+<p:sld xmlns:a="http://schemas.openxmlformats.org/drawingml/2006/main" xmlns:r="http://schemas.openxmlformats.org/officeDocument/2006/relationships" xmlns:p="http://schemas.openxmlformats.org/presentationml/2006/main">
+  <p:cSld>
+    <p:spTree>
+      <p:nvGrpSpPr>
+        <p:cNvPr id="1" name=""/>
+        <p:cNvGrpSpPr/>
+        <p:nvPr/>
+      </p:nvGrpSpPr>
+      <p:grpSpPr>
+        <a:xfrm>
+          <a:off x="0" y="0"/>
+          <a:ext cx="0" cy="0"/>
+          <a:chOff x="0" y="0"/>
+          <a:chExt cx="0" cy="0"/>
+        </a:xfrm>
+      </p:grpSpPr>
+      <p:sp>
+        <p:nvSpPr>
+          <p:cNvPr id="2" name="Titre 1">
+            <a:extLst>
+              <a:ext uri="{FF2B5EF4-FFF2-40B4-BE49-F238E27FC236}">
+                <a16:creationId xmlns:a16="http://schemas.microsoft.com/office/drawing/2014/main" id="{16864CB3-A7A8-4687-B3DE-2848DFFC3621}"/>
+              </a:ext>
+            </a:extLst>
+          </p:cNvPr>
+          <p:cNvSpPr>
+            <a:spLocks noGrp="1"/>
+          </p:cNvSpPr>
+          <p:nvPr>
+            <p:ph type="title"/>
+          </p:nvPr>
+        </p:nvSpPr>
+        <p:spPr/>
+        <p:txBody>
+          <a:bodyPr/>
+          <a:lstStyle/>
+          <a:p>
+            <a:r>
+              <a:rPr lang="fr-FR" dirty="0"/>
+              <a:t>Exercices</a:t>
+            </a:r>
+          </a:p>
+        </p:txBody>
+      </p:sp>
+      <p:sp>
+        <p:nvSpPr>
+          <p:cNvPr id="3" name="Espace réservé du contenu 2">
+            <a:extLst>
+              <a:ext uri="{FF2B5EF4-FFF2-40B4-BE49-F238E27FC236}">
+                <a16:creationId xmlns:a16="http://schemas.microsoft.com/office/drawing/2014/main" id="{43D80954-2481-4B91-BEA3-EA168A799F1C}"/>
+              </a:ext>
+            </a:extLst>
+          </p:cNvPr>
+          <p:cNvSpPr>
+            <a:spLocks noGrp="1"/>
+          </p:cNvSpPr>
+          <p:nvPr>
+            <p:ph idx="1"/>
+          </p:nvPr>
+        </p:nvSpPr>
+        <p:spPr/>
+        <p:txBody>
+          <a:bodyPr/>
+          <a:lstStyle/>
+          <a:p>
+            <a:endParaRPr lang="fr-FR" dirty="0"/>
+          </a:p>
+        </p:txBody>
+      </p:sp>
+      <p:sp>
+        <p:nvSpPr>
+          <p:cNvPr id="4" name="Espace réservé du numéro de diapositive 3">
+            <a:extLst>
+              <a:ext uri="{FF2B5EF4-FFF2-40B4-BE49-F238E27FC236}">
+                <a16:creationId xmlns:a16="http://schemas.microsoft.com/office/drawing/2014/main" id="{5CF56CB7-948A-4D92-8C74-38D638D9358A}"/>
+              </a:ext>
+            </a:extLst>
+          </p:cNvPr>
+          <p:cNvSpPr>
+            <a:spLocks noGrp="1"/>
+          </p:cNvSpPr>
+          <p:nvPr>
+            <p:ph type="sldNum" sz="quarter" idx="12"/>
+          </p:nvPr>
+        </p:nvSpPr>
+        <p:spPr/>
+        <p:txBody>
+          <a:bodyPr/>
+          <a:lstStyle/>
+          <a:p>
+            <a:fld id="{C4488D40-6A2B-42CD-9565-99D41B29C2DA}" type="slidenum">
+              <a:rPr lang="fr-FR" smtClean="0"/>
+              <a:t>13</a:t>
+            </a:fld>
+            <a:endParaRPr lang="fr-FR"/>
+          </a:p>
+        </p:txBody>
+      </p:sp>
+    </p:spTree>
+    <p:extLst>
+      <p:ext uri="{BB962C8B-B14F-4D97-AF65-F5344CB8AC3E}">
+        <p14:creationId xmlns:p14="http://schemas.microsoft.com/office/powerpoint/2010/main" val="882502845"/>
+      </p:ext>
+    </p:extLst>
+  </p:cSld>
+  <p:clrMapOvr>
+    <a:masterClrMapping/>
+  </p:clrMapOvr>
+</p:sld>
+</file>
+
 <file path=ppt/slides/slide14.xml><?xml version="1.0" encoding="utf-8"?>
+<p:sld xmlns:a="http://schemas.openxmlformats.org/drawingml/2006/main" xmlns:r="http://schemas.openxmlformats.org/officeDocument/2006/relationships" xmlns:p="http://schemas.openxmlformats.org/presentationml/2006/main">
+  <p:cSld>
+    <p:spTree>
+      <p:nvGrpSpPr>
+        <p:cNvPr id="1" name=""/>
+        <p:cNvGrpSpPr/>
+        <p:nvPr/>
+      </p:nvGrpSpPr>
+      <p:grpSpPr>
+        <a:xfrm>
+          <a:off x="0" y="0"/>
+          <a:ext cx="0" cy="0"/>
+          <a:chOff x="0" y="0"/>
+          <a:chExt cx="0" cy="0"/>
+        </a:xfrm>
+      </p:grpSpPr>
+      <p:sp>
+        <p:nvSpPr>
+          <p:cNvPr id="127" name="TextShape 1"/>
+          <p:cNvSpPr txBox="1"/>
+          <p:nvPr/>
+        </p:nvSpPr>
+        <p:spPr>
+          <a:xfrm>
+            <a:off x="810000" y="-182520"/>
+            <a:ext cx="10571760" cy="970200"/>
+          </a:xfrm>
+          <a:prstGeom prst="rect">
+            <a:avLst/>
+          </a:prstGeom>
+          <a:noFill/>
+          <a:ln>
+            <a:noFill/>
+          </a:ln>
+        </p:spPr>
+        <p:txBody>
+          <a:bodyPr anchor="b"/>
+          <a:lstStyle/>
+          <a:p>
+            <a:pPr>
+              <a:lnSpc>
+                <a:spcPct val="100000"/>
+              </a:lnSpc>
+            </a:pPr>
+            <a:r>
+              <a:rPr lang="en-US" sz="4000" b="1" strike="noStrike" spc="-1">
+                <a:solidFill>
+                  <a:srgbClr val="FEFEFE"/>
+                </a:solidFill>
+                <a:uFill>
+                  <a:solidFill>
+                    <a:srgbClr val="FFFFFF"/>
+                  </a:solidFill>
+                </a:uFill>
+                <a:latin typeface="Century Gothic"/>
+              </a:rPr>
+              <a:t>Où en sommes-nous ?</a:t>
+            </a:r>
+            <a:endParaRPr lang="en-US" sz="1800" b="0" strike="noStrike" spc="-1">
+              <a:solidFill>
+                <a:srgbClr val="000000"/>
+              </a:solidFill>
+              <a:uFill>
+                <a:solidFill>
+                  <a:srgbClr val="FFFFFF"/>
+                </a:solidFill>
+              </a:uFill>
+              <a:latin typeface="Century Gothic"/>
+            </a:endParaRPr>
+          </a:p>
+        </p:txBody>
+      </p:sp>
+      <p:sp>
+        <p:nvSpPr>
+          <p:cNvPr id="129" name="TextShape 3"/>
+          <p:cNvSpPr txBox="1"/>
+          <p:nvPr/>
+        </p:nvSpPr>
+        <p:spPr>
+          <a:xfrm>
+            <a:off x="11028600" y="6289920"/>
+            <a:ext cx="1061640" cy="490320"/>
+          </a:xfrm>
+          <a:prstGeom prst="rect">
+            <a:avLst/>
+          </a:prstGeom>
+          <a:noFill/>
+          <a:ln>
+            <a:noFill/>
+          </a:ln>
+        </p:spPr>
+        <p:txBody>
+          <a:bodyPr bIns="10800" anchor="b"/>
+          <a:lstStyle/>
+          <a:p>
+            <a:pPr algn="r">
+              <a:lnSpc>
+                <a:spcPct val="100000"/>
+              </a:lnSpc>
+            </a:pPr>
+            <a:fld id="{9F90F780-B9FC-4F05-919C-35A93E25D758}" type="slidenum">
+              <a:rPr lang="en-US" sz="2000" b="0" strike="noStrike" spc="-1">
+                <a:solidFill>
+                  <a:srgbClr val="00C6BB"/>
+                </a:solidFill>
+                <a:uFill>
+                  <a:solidFill>
+                    <a:srgbClr val="FFFFFF"/>
+                  </a:solidFill>
+                </a:uFill>
+                <a:latin typeface="Century Gothic"/>
+              </a:rPr>
+              <a:t>14</a:t>
+            </a:fld>
+            <a:endParaRPr lang="en-US" sz="2000" b="0" strike="noStrike" spc="-1">
+              <a:solidFill>
+                <a:srgbClr val="000000"/>
+              </a:solidFill>
+              <a:uFill>
+                <a:solidFill>
+                  <a:srgbClr val="FFFFFF"/>
+                </a:solidFill>
+              </a:uFill>
+              <a:latin typeface="Times New Roman"/>
+            </a:endParaRPr>
+          </a:p>
+        </p:txBody>
+      </p:sp>
+      <p:sp>
+        <p:nvSpPr>
+          <p:cNvPr id="2" name="Titre 1">
+            <a:extLst>
+              <a:ext uri="{FF2B5EF4-FFF2-40B4-BE49-F238E27FC236}">
+                <a16:creationId xmlns:a16="http://schemas.microsoft.com/office/drawing/2014/main" id="{0E7A1EF6-491F-424D-AF3D-A4958EF3CB5E}"/>
+              </a:ext>
+            </a:extLst>
+          </p:cNvPr>
+          <p:cNvSpPr>
+            <a:spLocks noGrp="1"/>
+          </p:cNvSpPr>
+          <p:nvPr>
+            <p:ph type="title"/>
+          </p:nvPr>
+        </p:nvSpPr>
+        <p:spPr/>
+        <p:txBody>
+          <a:bodyPr/>
+          <a:lstStyle/>
+          <a:p>
+            <a:r>
+              <a:rPr lang="fr-FR" dirty="0"/>
+              <a:t>Où</a:t>
+            </a:r>
+            <a:r>
+              <a:rPr lang="fr-FR" baseline="0" dirty="0"/>
+              <a:t> en sommes-nous ?</a:t>
+            </a:r>
+            <a:endParaRPr lang="fr-FR" dirty="0"/>
+          </a:p>
+        </p:txBody>
+      </p:sp>
+      <p:sp>
+        <p:nvSpPr>
+          <p:cNvPr id="4" name="Espace réservé du contenu 3">
+            <a:extLst>
+              <a:ext uri="{FF2B5EF4-FFF2-40B4-BE49-F238E27FC236}">
+                <a16:creationId xmlns:a16="http://schemas.microsoft.com/office/drawing/2014/main" id="{9ED717D6-E794-4533-96D9-663C285B94FC}"/>
+              </a:ext>
+            </a:extLst>
+          </p:cNvPr>
+          <p:cNvSpPr>
+            <a:spLocks noGrp="1"/>
+          </p:cNvSpPr>
+          <p:nvPr>
+            <p:ph idx="1"/>
+          </p:nvPr>
+        </p:nvSpPr>
+        <p:spPr/>
+        <p:txBody>
+          <a:bodyPr/>
+          <a:lstStyle/>
+          <a:p>
+            <a:pPr rtl="0" eaLnBrk="1" latinLnBrk="0" hangingPunct="1"/>
+            <a:r>
+              <a:rPr lang="en-US" sz="1800" b="0" kern="1200" dirty="0" err="1">
+                <a:solidFill>
+                  <a:schemeClr val="tx1"/>
+                </a:solidFill>
+                <a:effectLst/>
+                <a:latin typeface="+mn-lt"/>
+                <a:ea typeface="+mn-ea"/>
+                <a:cs typeface="+mn-cs"/>
+              </a:rPr>
+              <a:t>Approche</a:t>
+            </a:r>
+            <a:r>
+              <a:rPr lang="en-US" sz="1800" b="0" kern="1200" dirty="0">
+                <a:solidFill>
+                  <a:schemeClr val="tx1"/>
+                </a:solidFill>
+                <a:effectLst/>
+                <a:latin typeface="+mn-lt"/>
+                <a:ea typeface="+mn-ea"/>
+                <a:cs typeface="+mn-cs"/>
+              </a:rPr>
+              <a:t> </a:t>
+            </a:r>
+            <a:r>
+              <a:rPr lang="en-US" sz="1800" b="0" kern="1200" dirty="0" err="1">
+                <a:solidFill>
+                  <a:schemeClr val="tx1"/>
+                </a:solidFill>
+                <a:effectLst/>
+                <a:latin typeface="+mn-lt"/>
+                <a:ea typeface="+mn-ea"/>
+                <a:cs typeface="+mn-cs"/>
+              </a:rPr>
+              <a:t>objet</a:t>
+            </a:r>
+            <a:endParaRPr lang="fr-FR" sz="1800" dirty="0">
+              <a:effectLst/>
+            </a:endParaRPr>
+          </a:p>
+          <a:p>
+            <a:pPr rtl="0" eaLnBrk="1" latinLnBrk="0" hangingPunct="1"/>
+            <a:r>
+              <a:rPr lang="en-US" sz="1800" b="0" kern="1200" dirty="0" err="1">
+                <a:solidFill>
+                  <a:schemeClr val="tx1"/>
+                </a:solidFill>
+                <a:effectLst/>
+                <a:latin typeface="+mn-lt"/>
+                <a:ea typeface="+mn-ea"/>
+                <a:cs typeface="+mn-cs"/>
+              </a:rPr>
+              <a:t>Objets</a:t>
+            </a:r>
+            <a:r>
+              <a:rPr lang="en-US" sz="1800" b="0" kern="1200" dirty="0">
+                <a:solidFill>
+                  <a:schemeClr val="tx1"/>
+                </a:solidFill>
+                <a:effectLst/>
+                <a:latin typeface="+mn-lt"/>
+                <a:ea typeface="+mn-ea"/>
+                <a:cs typeface="+mn-cs"/>
+              </a:rPr>
+              <a:t> et classes </a:t>
+            </a:r>
+            <a:r>
+              <a:rPr lang="en-US" sz="1800" b="0" kern="1200" dirty="0" err="1">
+                <a:solidFill>
+                  <a:schemeClr val="tx1"/>
+                </a:solidFill>
+                <a:effectLst/>
+                <a:latin typeface="+mn-lt"/>
+                <a:ea typeface="+mn-ea"/>
+                <a:cs typeface="+mn-cs"/>
+              </a:rPr>
+              <a:t>en</a:t>
+            </a:r>
+            <a:r>
+              <a:rPr lang="en-US" sz="1800" b="0" kern="1200" dirty="0">
+                <a:solidFill>
+                  <a:schemeClr val="tx1"/>
+                </a:solidFill>
+                <a:effectLst/>
+                <a:latin typeface="+mn-lt"/>
+                <a:ea typeface="+mn-ea"/>
+                <a:cs typeface="+mn-cs"/>
+              </a:rPr>
+              <a:t> C#</a:t>
+            </a:r>
+            <a:endParaRPr lang="fr-FR" dirty="0">
+              <a:effectLst/>
+            </a:endParaRPr>
+          </a:p>
+          <a:p>
+            <a:pPr lvl="1" rtl="0" eaLnBrk="1" latinLnBrk="0" hangingPunct="1"/>
+            <a:r>
+              <a:rPr lang="en-US" sz="1600" b="0" kern="1200" dirty="0">
+                <a:solidFill>
+                  <a:schemeClr val="tx1"/>
+                </a:solidFill>
+                <a:effectLst/>
+                <a:latin typeface="+mn-lt"/>
+                <a:ea typeface="+mn-ea"/>
+                <a:cs typeface="+mn-cs"/>
+              </a:rPr>
+              <a:t>Une </a:t>
+            </a:r>
+            <a:r>
+              <a:rPr lang="en-US" sz="1600" b="0" kern="1200" dirty="0" err="1">
+                <a:solidFill>
+                  <a:schemeClr val="tx1"/>
+                </a:solidFill>
+                <a:effectLst/>
+                <a:latin typeface="+mn-lt"/>
+                <a:ea typeface="+mn-ea"/>
+                <a:cs typeface="+mn-cs"/>
+              </a:rPr>
+              <a:t>classe</a:t>
+            </a:r>
+            <a:r>
+              <a:rPr lang="en-US" sz="1600" b="0" kern="1200" dirty="0">
+                <a:solidFill>
+                  <a:schemeClr val="tx1"/>
+                </a:solidFill>
+                <a:effectLst/>
+                <a:latin typeface="+mn-lt"/>
+                <a:ea typeface="+mn-ea"/>
+                <a:cs typeface="+mn-cs"/>
+              </a:rPr>
+              <a:t> </a:t>
+            </a:r>
+            <a:r>
+              <a:rPr lang="en-US" sz="1600" b="0" kern="1200" dirty="0" err="1">
+                <a:solidFill>
+                  <a:schemeClr val="tx1"/>
+                </a:solidFill>
+                <a:effectLst/>
+                <a:latin typeface="+mn-lt"/>
+                <a:ea typeface="+mn-ea"/>
+                <a:cs typeface="+mn-cs"/>
+              </a:rPr>
+              <a:t>est</a:t>
+            </a:r>
+            <a:r>
+              <a:rPr lang="en-US" sz="1600" b="0" kern="1200" dirty="0">
+                <a:solidFill>
+                  <a:schemeClr val="tx1"/>
+                </a:solidFill>
+                <a:effectLst/>
+                <a:latin typeface="+mn-lt"/>
+                <a:ea typeface="+mn-ea"/>
+                <a:cs typeface="+mn-cs"/>
+              </a:rPr>
+              <a:t> un « patron » </a:t>
+            </a:r>
+            <a:r>
+              <a:rPr lang="en-US" sz="1600" b="0" kern="1200" dirty="0" err="1">
+                <a:solidFill>
+                  <a:schemeClr val="tx1"/>
+                </a:solidFill>
+                <a:effectLst/>
+                <a:latin typeface="+mn-lt"/>
+                <a:ea typeface="+mn-ea"/>
+                <a:cs typeface="+mn-cs"/>
+              </a:rPr>
+              <a:t>d’objet</a:t>
+            </a:r>
+            <a:endParaRPr lang="fr-FR" dirty="0">
+              <a:effectLst/>
+            </a:endParaRPr>
+          </a:p>
+          <a:p>
+            <a:pPr lvl="1" rtl="0" eaLnBrk="1" latinLnBrk="0" hangingPunct="1"/>
+            <a:r>
+              <a:rPr lang="en-US" sz="1600" b="0" kern="1200" dirty="0">
+                <a:solidFill>
+                  <a:schemeClr val="tx1"/>
+                </a:solidFill>
+                <a:effectLst/>
+                <a:latin typeface="+mn-lt"/>
+                <a:ea typeface="+mn-ea"/>
+                <a:cs typeface="+mn-cs"/>
+              </a:rPr>
+              <a:t>Un </a:t>
+            </a:r>
+            <a:r>
+              <a:rPr lang="en-US" sz="1600" b="0" kern="1200" dirty="0" err="1">
+                <a:solidFill>
+                  <a:schemeClr val="tx1"/>
+                </a:solidFill>
+                <a:effectLst/>
+                <a:latin typeface="+mn-lt"/>
+                <a:ea typeface="+mn-ea"/>
+                <a:cs typeface="+mn-cs"/>
+              </a:rPr>
+              <a:t>objet</a:t>
+            </a:r>
+            <a:r>
+              <a:rPr lang="en-US" sz="1600" b="0" kern="1200" dirty="0">
+                <a:solidFill>
+                  <a:schemeClr val="tx1"/>
+                </a:solidFill>
+                <a:effectLst/>
+                <a:latin typeface="+mn-lt"/>
+                <a:ea typeface="+mn-ea"/>
+                <a:cs typeface="+mn-cs"/>
+              </a:rPr>
+              <a:t> </a:t>
+            </a:r>
+            <a:r>
+              <a:rPr lang="en-US" sz="1600" b="0" kern="1200" dirty="0" err="1">
+                <a:solidFill>
+                  <a:schemeClr val="tx1"/>
+                </a:solidFill>
+                <a:effectLst/>
+                <a:latin typeface="+mn-lt"/>
+                <a:ea typeface="+mn-ea"/>
+                <a:cs typeface="+mn-cs"/>
+              </a:rPr>
+              <a:t>est</a:t>
+            </a:r>
+            <a:r>
+              <a:rPr lang="en-US" sz="1600" b="0" kern="1200" dirty="0">
+                <a:solidFill>
+                  <a:schemeClr val="tx1"/>
+                </a:solidFill>
+                <a:effectLst/>
+                <a:latin typeface="+mn-lt"/>
+                <a:ea typeface="+mn-ea"/>
+                <a:cs typeface="+mn-cs"/>
+              </a:rPr>
+              <a:t> </a:t>
+            </a:r>
+            <a:r>
+              <a:rPr lang="en-US" sz="1600" b="0" kern="1200" dirty="0" err="1">
+                <a:solidFill>
+                  <a:schemeClr val="tx1"/>
+                </a:solidFill>
+                <a:effectLst/>
+                <a:latin typeface="+mn-lt"/>
+                <a:ea typeface="+mn-ea"/>
+                <a:cs typeface="+mn-cs"/>
+              </a:rPr>
+              <a:t>une</a:t>
+            </a:r>
+            <a:r>
+              <a:rPr lang="en-US" sz="1600" b="0" kern="1200" dirty="0">
+                <a:solidFill>
+                  <a:schemeClr val="tx1"/>
+                </a:solidFill>
+                <a:effectLst/>
+                <a:latin typeface="+mn-lt"/>
+                <a:ea typeface="+mn-ea"/>
+                <a:cs typeface="+mn-cs"/>
+              </a:rPr>
+              <a:t> instance de </a:t>
+            </a:r>
+            <a:r>
+              <a:rPr lang="en-US" sz="1600" b="0" kern="1200" dirty="0" err="1">
+                <a:solidFill>
+                  <a:schemeClr val="tx1"/>
+                </a:solidFill>
+                <a:effectLst/>
+                <a:latin typeface="+mn-lt"/>
+                <a:ea typeface="+mn-ea"/>
+                <a:cs typeface="+mn-cs"/>
+              </a:rPr>
+              <a:t>classe</a:t>
+            </a:r>
+            <a:endParaRPr lang="fr-FR" dirty="0">
+              <a:effectLst/>
+            </a:endParaRPr>
+          </a:p>
+          <a:p>
+            <a:pPr lvl="2" rtl="0" eaLnBrk="1" latinLnBrk="0" hangingPunct="1"/>
+            <a:r>
+              <a:rPr lang="en-US" sz="1400" b="0" kern="1200" dirty="0" err="1">
+                <a:solidFill>
+                  <a:schemeClr val="tx1"/>
+                </a:solidFill>
+                <a:effectLst/>
+                <a:latin typeface="+mn-lt"/>
+                <a:ea typeface="+mn-ea"/>
+                <a:cs typeface="+mn-cs"/>
+              </a:rPr>
+              <a:t>Opérateur</a:t>
+            </a:r>
+            <a:r>
+              <a:rPr lang="en-US" sz="1400" b="0" kern="1200" dirty="0">
+                <a:solidFill>
+                  <a:schemeClr val="tx1"/>
+                </a:solidFill>
+                <a:effectLst/>
+                <a:latin typeface="+mn-lt"/>
+                <a:ea typeface="+mn-ea"/>
+                <a:cs typeface="+mn-cs"/>
+              </a:rPr>
+              <a:t> new</a:t>
+            </a:r>
+            <a:endParaRPr lang="fr-FR" dirty="0">
+              <a:effectLst/>
+            </a:endParaRPr>
+          </a:p>
+          <a:p>
+            <a:pPr lvl="1" rtl="0" eaLnBrk="1" latinLnBrk="0" hangingPunct="1"/>
+            <a:r>
+              <a:rPr lang="en-US" sz="1600" b="0" kern="1200" dirty="0">
+                <a:solidFill>
+                  <a:schemeClr val="tx1"/>
+                </a:solidFill>
+                <a:effectLst/>
+                <a:latin typeface="+mn-lt"/>
+                <a:ea typeface="+mn-ea"/>
+                <a:cs typeface="+mn-cs"/>
+              </a:rPr>
+              <a:t>Un </a:t>
+            </a:r>
+            <a:r>
+              <a:rPr lang="en-US" sz="1600" b="0" kern="1200" dirty="0" err="1">
+                <a:solidFill>
+                  <a:schemeClr val="tx1"/>
+                </a:solidFill>
+                <a:effectLst/>
+                <a:latin typeface="+mn-lt"/>
+                <a:ea typeface="+mn-ea"/>
+                <a:cs typeface="+mn-cs"/>
+              </a:rPr>
+              <a:t>objet</a:t>
+            </a:r>
+            <a:r>
+              <a:rPr lang="en-US" sz="1600" b="0" kern="1200" dirty="0">
+                <a:solidFill>
+                  <a:schemeClr val="tx1"/>
+                </a:solidFill>
+                <a:effectLst/>
+                <a:latin typeface="+mn-lt"/>
+                <a:ea typeface="+mn-ea"/>
+                <a:cs typeface="+mn-cs"/>
+              </a:rPr>
+              <a:t> </a:t>
+            </a:r>
+            <a:r>
+              <a:rPr lang="en-US" sz="1600" b="0" kern="1200" dirty="0" err="1">
+                <a:solidFill>
+                  <a:schemeClr val="tx1"/>
+                </a:solidFill>
+                <a:effectLst/>
+                <a:latin typeface="+mn-lt"/>
+                <a:ea typeface="+mn-ea"/>
+                <a:cs typeface="+mn-cs"/>
+              </a:rPr>
+              <a:t>peut</a:t>
+            </a:r>
+            <a:r>
+              <a:rPr lang="en-US" sz="1600" b="0" kern="1200" dirty="0">
+                <a:solidFill>
+                  <a:schemeClr val="tx1"/>
+                </a:solidFill>
+                <a:effectLst/>
+                <a:latin typeface="+mn-lt"/>
+                <a:ea typeface="+mn-ea"/>
+                <a:cs typeface="+mn-cs"/>
+              </a:rPr>
+              <a:t> </a:t>
+            </a:r>
+            <a:r>
+              <a:rPr lang="en-US" sz="1600" b="0" kern="1200" dirty="0" err="1">
+                <a:solidFill>
+                  <a:schemeClr val="tx1"/>
+                </a:solidFill>
+                <a:effectLst/>
+                <a:latin typeface="+mn-lt"/>
+                <a:ea typeface="+mn-ea"/>
+                <a:cs typeface="+mn-cs"/>
+              </a:rPr>
+              <a:t>être</a:t>
+            </a:r>
+            <a:r>
+              <a:rPr lang="en-US" sz="1600" b="0" kern="1200" dirty="0">
+                <a:solidFill>
+                  <a:schemeClr val="tx1"/>
+                </a:solidFill>
+                <a:effectLst/>
+                <a:latin typeface="+mn-lt"/>
+                <a:ea typeface="+mn-ea"/>
+                <a:cs typeface="+mn-cs"/>
+              </a:rPr>
+              <a:t> </a:t>
+            </a:r>
+            <a:r>
+              <a:rPr lang="en-US" sz="1600" b="0" kern="1200" dirty="0" err="1">
+                <a:solidFill>
+                  <a:schemeClr val="tx1"/>
+                </a:solidFill>
+                <a:effectLst/>
+                <a:latin typeface="+mn-lt"/>
+                <a:ea typeface="+mn-ea"/>
+                <a:cs typeface="+mn-cs"/>
+              </a:rPr>
+              <a:t>composé</a:t>
+            </a:r>
+            <a:r>
+              <a:rPr lang="en-US" sz="1600" b="0" kern="1200" dirty="0">
+                <a:solidFill>
+                  <a:schemeClr val="tx1"/>
+                </a:solidFill>
+                <a:effectLst/>
+                <a:latin typeface="+mn-lt"/>
+                <a:ea typeface="+mn-ea"/>
+                <a:cs typeface="+mn-cs"/>
+              </a:rPr>
+              <a:t> </a:t>
+            </a:r>
+            <a:r>
+              <a:rPr lang="en-US" sz="1600" b="0" kern="1200" dirty="0" err="1">
+                <a:solidFill>
+                  <a:schemeClr val="tx1"/>
+                </a:solidFill>
+                <a:effectLst/>
+                <a:latin typeface="+mn-lt"/>
+                <a:ea typeface="+mn-ea"/>
+                <a:cs typeface="+mn-cs"/>
+              </a:rPr>
+              <a:t>d’autres</a:t>
+            </a:r>
+            <a:r>
+              <a:rPr lang="en-US" sz="1600" b="0" kern="1200" dirty="0">
+                <a:solidFill>
+                  <a:schemeClr val="tx1"/>
+                </a:solidFill>
+                <a:effectLst/>
+                <a:latin typeface="+mn-lt"/>
+                <a:ea typeface="+mn-ea"/>
+                <a:cs typeface="+mn-cs"/>
+              </a:rPr>
+              <a:t> </a:t>
+            </a:r>
+            <a:r>
+              <a:rPr lang="en-US" sz="1600" b="0" kern="1200" dirty="0" err="1">
+                <a:solidFill>
+                  <a:schemeClr val="tx1"/>
+                </a:solidFill>
+                <a:effectLst/>
+                <a:latin typeface="+mn-lt"/>
+                <a:ea typeface="+mn-ea"/>
+                <a:cs typeface="+mn-cs"/>
+              </a:rPr>
+              <a:t>objets</a:t>
+            </a:r>
+            <a:endParaRPr lang="fr-FR" dirty="0">
+              <a:effectLst/>
+            </a:endParaRPr>
+          </a:p>
+          <a:p>
+            <a:pPr lvl="1"/>
+            <a:r>
+              <a:rPr lang="en-US" sz="1600" b="0" kern="1200" dirty="0">
+                <a:solidFill>
+                  <a:schemeClr val="tx1"/>
+                </a:solidFill>
+                <a:effectLst/>
+                <a:latin typeface="+mn-lt"/>
+                <a:ea typeface="+mn-ea"/>
+                <a:cs typeface="+mn-cs"/>
+              </a:rPr>
+              <a:t>Un </a:t>
+            </a:r>
+            <a:r>
+              <a:rPr lang="en-US" sz="1600" b="0" kern="1200" dirty="0" err="1">
+                <a:solidFill>
+                  <a:schemeClr val="tx1"/>
+                </a:solidFill>
+                <a:effectLst/>
+                <a:latin typeface="+mn-lt"/>
+                <a:ea typeface="+mn-ea"/>
+                <a:cs typeface="+mn-cs"/>
+              </a:rPr>
+              <a:t>objet</a:t>
+            </a:r>
+            <a:r>
+              <a:rPr lang="en-US" sz="1600" b="0" kern="1200" dirty="0">
+                <a:solidFill>
+                  <a:schemeClr val="tx1"/>
+                </a:solidFill>
+                <a:effectLst/>
+                <a:latin typeface="+mn-lt"/>
+                <a:ea typeface="+mn-ea"/>
+                <a:cs typeface="+mn-cs"/>
+              </a:rPr>
+              <a:t> </a:t>
+            </a:r>
+            <a:r>
+              <a:rPr lang="en-US" sz="1600" b="0" kern="1200" dirty="0" err="1">
+                <a:solidFill>
+                  <a:schemeClr val="tx1"/>
+                </a:solidFill>
+                <a:effectLst/>
+                <a:latin typeface="+mn-lt"/>
+                <a:ea typeface="+mn-ea"/>
+                <a:cs typeface="+mn-cs"/>
+              </a:rPr>
+              <a:t>peut</a:t>
+            </a:r>
+            <a:r>
+              <a:rPr lang="en-US" sz="1600" b="0" kern="1200" dirty="0">
+                <a:solidFill>
+                  <a:schemeClr val="tx1"/>
+                </a:solidFill>
+                <a:effectLst/>
+                <a:latin typeface="+mn-lt"/>
+                <a:ea typeface="+mn-ea"/>
+                <a:cs typeface="+mn-cs"/>
+              </a:rPr>
+              <a:t> </a:t>
+            </a:r>
+            <a:r>
+              <a:rPr lang="en-US" sz="1600" b="0" kern="1200" dirty="0" err="1">
+                <a:solidFill>
+                  <a:schemeClr val="tx1"/>
+                </a:solidFill>
+                <a:effectLst/>
+                <a:latin typeface="+mn-lt"/>
+                <a:ea typeface="+mn-ea"/>
+                <a:cs typeface="+mn-cs"/>
+              </a:rPr>
+              <a:t>communiquer</a:t>
+            </a:r>
+            <a:r>
+              <a:rPr lang="en-US" sz="1600" b="0" kern="1200" dirty="0">
+                <a:solidFill>
+                  <a:schemeClr val="tx1"/>
+                </a:solidFill>
+                <a:effectLst/>
+                <a:latin typeface="+mn-lt"/>
+                <a:ea typeface="+mn-ea"/>
+                <a:cs typeface="+mn-cs"/>
+              </a:rPr>
+              <a:t> </a:t>
+            </a:r>
+            <a:r>
+              <a:rPr lang="en-US" sz="1600" b="0" kern="1200" dirty="0" err="1">
+                <a:solidFill>
+                  <a:schemeClr val="tx1"/>
+                </a:solidFill>
+                <a:effectLst/>
+                <a:latin typeface="+mn-lt"/>
+                <a:ea typeface="+mn-ea"/>
+                <a:cs typeface="+mn-cs"/>
+              </a:rPr>
+              <a:t>d’autres</a:t>
+            </a:r>
+            <a:r>
+              <a:rPr lang="en-US" sz="1600" b="0" kern="1200" dirty="0">
+                <a:solidFill>
+                  <a:schemeClr val="tx1"/>
+                </a:solidFill>
+                <a:effectLst/>
+                <a:latin typeface="+mn-lt"/>
+                <a:ea typeface="+mn-ea"/>
+                <a:cs typeface="+mn-cs"/>
+              </a:rPr>
+              <a:t> </a:t>
+            </a:r>
+            <a:r>
+              <a:rPr lang="en-US" sz="1600" b="0" kern="1200" dirty="0" err="1">
+                <a:solidFill>
+                  <a:schemeClr val="tx1"/>
+                </a:solidFill>
+                <a:effectLst/>
+                <a:latin typeface="+mn-lt"/>
+                <a:ea typeface="+mn-ea"/>
+                <a:cs typeface="+mn-cs"/>
+              </a:rPr>
+              <a:t>objets</a:t>
+            </a:r>
+            <a:endParaRPr lang="en-US" sz="1600" b="0" kern="1200" dirty="0">
+              <a:solidFill>
+                <a:schemeClr val="tx1"/>
+              </a:solidFill>
+              <a:effectLst/>
+              <a:latin typeface="+mn-lt"/>
+              <a:ea typeface="+mn-ea"/>
+              <a:cs typeface="+mn-cs"/>
+            </a:endParaRPr>
+          </a:p>
+        </p:txBody>
+      </p:sp>
+    </p:spTree>
+  </p:cSld>
+  <p:clrMapOvr>
+    <a:masterClrMapping/>
+  </p:clrMapOvr>
+</p:sld>
+</file>
+
+<file path=ppt/slides/slide15.xml><?xml version="1.0" encoding="utf-8"?>
 <p:sld xmlns:a="http://schemas.openxmlformats.org/drawingml/2006/main" xmlns:r="http://schemas.openxmlformats.org/officeDocument/2006/relationships" xmlns:p="http://schemas.openxmlformats.org/presentationml/2006/main">
   <p:cSld>
     <p:spTree>
@@ -8639,7 +8786,7 @@
           <a:p>
             <a:fld id="{C4488D40-6A2B-42CD-9565-99D41B29C2DA}" type="slidenum">
               <a:rPr lang="fr-FR" smtClean="0"/>
-              <a:t>14</a:t>
+              <a:t>15</a:t>
             </a:fld>
             <a:endParaRPr lang="fr-FR"/>
           </a:p>
@@ -8658,7 +8805,7 @@
 </p:sld>
 </file>
 
-<file path=ppt/slides/slide15.xml><?xml version="1.0" encoding="utf-8"?>
+<file path=ppt/slides/slide16.xml><?xml version="1.0" encoding="utf-8"?>
 <p:sld xmlns:a="http://schemas.openxmlformats.org/drawingml/2006/main" xmlns:r="http://schemas.openxmlformats.org/officeDocument/2006/relationships" xmlns:p="http://schemas.openxmlformats.org/presentationml/2006/main">
   <p:cSld>
     <p:spTree>
@@ -9300,7 +9447,7 @@
           <a:p>
             <a:fld id="{C4488D40-6A2B-42CD-9565-99D41B29C2DA}" type="slidenum">
               <a:rPr lang="fr-FR" smtClean="0"/>
-              <a:t>15</a:t>
+              <a:t>16</a:t>
             </a:fld>
             <a:endParaRPr lang="fr-FR"/>
           </a:p>
@@ -9348,7 +9495,7 @@
 </p:sld>
 </file>
 
-<file path=ppt/slides/slide16.xml><?xml version="1.0" encoding="utf-8"?>
+<file path=ppt/slides/slide17.xml><?xml version="1.0" encoding="utf-8"?>
 <p:sld xmlns:a="http://schemas.openxmlformats.org/drawingml/2006/main" xmlns:r="http://schemas.openxmlformats.org/officeDocument/2006/relationships" xmlns:p="http://schemas.openxmlformats.org/presentationml/2006/main">
   <p:cSld>
     <p:spTree>
@@ -10017,7 +10164,7 @@
           <a:p>
             <a:fld id="{C4488D40-6A2B-42CD-9565-99D41B29C2DA}" type="slidenum">
               <a:rPr lang="fr-FR" smtClean="0"/>
-              <a:t>16</a:t>
+              <a:t>17</a:t>
             </a:fld>
             <a:endParaRPr lang="fr-FR"/>
           </a:p>
@@ -10169,7 +10316,7 @@
 </p:sld>
 </file>
 
-<file path=ppt/slides/slide17.xml><?xml version="1.0" encoding="utf-8"?>
+<file path=ppt/slides/slide18.xml><?xml version="1.0" encoding="utf-8"?>
 <p:sld xmlns:a="http://schemas.openxmlformats.org/drawingml/2006/main" xmlns:r="http://schemas.openxmlformats.org/officeDocument/2006/relationships" xmlns:p="http://schemas.openxmlformats.org/presentationml/2006/main">
   <p:cSld>
     <p:spTree>
@@ -11081,7 +11228,7 @@
           <a:p>
             <a:fld id="{C4488D40-6A2B-42CD-9565-99D41B29C2DA}" type="slidenum">
               <a:rPr lang="fr-FR" smtClean="0"/>
-              <a:t>17</a:t>
+              <a:t>18</a:t>
             </a:fld>
             <a:endParaRPr lang="fr-FR"/>
           </a:p>
@@ -11158,7 +11305,7 @@
 </p:sld>
 </file>
 
-<file path=ppt/slides/slide18.xml><?xml version="1.0" encoding="utf-8"?>
+<file path=ppt/slides/slide19.xml><?xml version="1.0" encoding="utf-8"?>
 <p:sld xmlns:a="http://schemas.openxmlformats.org/drawingml/2006/main" xmlns:r="http://schemas.openxmlformats.org/officeDocument/2006/relationships" xmlns:p="http://schemas.openxmlformats.org/presentationml/2006/main">
   <p:cSld>
     <p:spTree>
@@ -11928,7 +12075,7 @@
           <a:p>
             <a:fld id="{C4488D40-6A2B-42CD-9565-99D41B29C2DA}" type="slidenum">
               <a:rPr lang="fr-FR" smtClean="0"/>
-              <a:t>18</a:t>
+              <a:t>19</a:t>
             </a:fld>
             <a:endParaRPr lang="fr-FR"/>
           </a:p>
@@ -12005,7 +12152,168 @@
 </p:sld>
 </file>
 
-<file path=ppt/slides/slide19.xml><?xml version="1.0" encoding="utf-8"?>
+<file path=ppt/slides/slide2.xml><?xml version="1.0" encoding="utf-8"?>
+<p:sld xmlns:a="http://schemas.openxmlformats.org/drawingml/2006/main" xmlns:r="http://schemas.openxmlformats.org/officeDocument/2006/relationships" xmlns:p="http://schemas.openxmlformats.org/presentationml/2006/main">
+  <p:cSld>
+    <p:spTree>
+      <p:nvGrpSpPr>
+        <p:cNvPr id="1" name=""/>
+        <p:cNvGrpSpPr/>
+        <p:nvPr/>
+      </p:nvGrpSpPr>
+      <p:grpSpPr>
+        <a:xfrm>
+          <a:off x="0" y="0"/>
+          <a:ext cx="0" cy="0"/>
+          <a:chOff x="0" y="0"/>
+          <a:chExt cx="0" cy="0"/>
+        </a:xfrm>
+      </p:grpSpPr>
+      <p:sp>
+        <p:nvSpPr>
+          <p:cNvPr id="2" name="Titre 1">
+            <a:extLst>
+              <a:ext uri="{FF2B5EF4-FFF2-40B4-BE49-F238E27FC236}">
+                <a16:creationId xmlns:a16="http://schemas.microsoft.com/office/drawing/2014/main" id="{54B3EE32-3277-479A-87AA-60C58EA57951}"/>
+              </a:ext>
+            </a:extLst>
+          </p:cNvPr>
+          <p:cNvSpPr>
+            <a:spLocks noGrp="1"/>
+          </p:cNvSpPr>
+          <p:nvPr>
+            <p:ph type="title"/>
+          </p:nvPr>
+        </p:nvSpPr>
+        <p:spPr/>
+        <p:txBody>
+          <a:bodyPr/>
+          <a:lstStyle/>
+          <a:p>
+            <a:r>
+              <a:rPr lang="fr-FR" dirty="0"/>
+              <a:t>Plan du cours</a:t>
+            </a:r>
+          </a:p>
+        </p:txBody>
+      </p:sp>
+      <p:sp>
+        <p:nvSpPr>
+          <p:cNvPr id="3" name="Espace réservé du contenu 2">
+            <a:extLst>
+              <a:ext uri="{FF2B5EF4-FFF2-40B4-BE49-F238E27FC236}">
+                <a16:creationId xmlns:a16="http://schemas.microsoft.com/office/drawing/2014/main" id="{21702EDA-520A-4F02-A022-C797F8C0317E}"/>
+              </a:ext>
+            </a:extLst>
+          </p:cNvPr>
+          <p:cNvSpPr>
+            <a:spLocks noGrp="1"/>
+          </p:cNvSpPr>
+          <p:nvPr>
+            <p:ph idx="1"/>
+          </p:nvPr>
+        </p:nvSpPr>
+        <p:spPr/>
+        <p:txBody>
+          <a:bodyPr/>
+          <a:lstStyle/>
+          <a:p>
+            <a:r>
+              <a:rPr lang="fr-FR" dirty="0"/>
+              <a:t>Classes</a:t>
+            </a:r>
+            <a:r>
+              <a:rPr lang="fr-FR" baseline="0" dirty="0"/>
+              <a:t> et objets</a:t>
+            </a:r>
+          </a:p>
+          <a:p>
+            <a:pPr lvl="1"/>
+            <a:r>
+              <a:rPr lang="fr-FR" dirty="0"/>
+              <a:t>2 </a:t>
+            </a:r>
+            <a:r>
+              <a:rPr lang="fr-FR" dirty="0" err="1"/>
+              <a:t>appartés</a:t>
+            </a:r>
+            <a:r>
+              <a:rPr lang="fr-FR" dirty="0"/>
+              <a:t> :</a:t>
+            </a:r>
+          </a:p>
+          <a:p>
+            <a:pPr lvl="2"/>
+            <a:r>
+              <a:rPr lang="fr-FR" baseline="0" dirty="0" err="1"/>
+              <a:t>Enum</a:t>
+            </a:r>
+            <a:endParaRPr lang="fr-FR" baseline="0" dirty="0"/>
+          </a:p>
+          <a:p>
+            <a:pPr lvl="2" indent="-342900"/>
+            <a:r>
+              <a:rPr lang="fr-FR" kern="1200" baseline="0" dirty="0">
+                <a:solidFill>
+                  <a:schemeClr val="tx1"/>
+                </a:solidFill>
+                <a:effectLst/>
+                <a:latin typeface="+mn-lt"/>
+                <a:ea typeface="+mn-ea"/>
+                <a:cs typeface="+mn-cs"/>
+              </a:rPr>
+              <a:t>Type valeurs et types références</a:t>
+            </a:r>
+            <a:endParaRPr lang="fr-FR" baseline="0" dirty="0"/>
+          </a:p>
+          <a:p>
+            <a:endParaRPr lang="fr-FR" baseline="0" dirty="0"/>
+          </a:p>
+        </p:txBody>
+      </p:sp>
+      <p:sp>
+        <p:nvSpPr>
+          <p:cNvPr id="4" name="Espace réservé du numéro de diapositive 3">
+            <a:extLst>
+              <a:ext uri="{FF2B5EF4-FFF2-40B4-BE49-F238E27FC236}">
+                <a16:creationId xmlns:a16="http://schemas.microsoft.com/office/drawing/2014/main" id="{4910468A-0073-415F-8B3F-8779324B7883}"/>
+              </a:ext>
+            </a:extLst>
+          </p:cNvPr>
+          <p:cNvSpPr>
+            <a:spLocks noGrp="1"/>
+          </p:cNvSpPr>
+          <p:nvPr>
+            <p:ph type="sldNum" sz="quarter" idx="12"/>
+          </p:nvPr>
+        </p:nvSpPr>
+        <p:spPr/>
+        <p:txBody>
+          <a:bodyPr/>
+          <a:lstStyle/>
+          <a:p>
+            <a:fld id="{C4488D40-6A2B-42CD-9565-99D41B29C2DA}" type="slidenum">
+              <a:rPr lang="fr-FR" smtClean="0"/>
+              <a:t>2</a:t>
+            </a:fld>
+            <a:endParaRPr lang="fr-FR"/>
+          </a:p>
+        </p:txBody>
+      </p:sp>
+    </p:spTree>
+    <p:extLst>
+      <p:ext uri="{BB962C8B-B14F-4D97-AF65-F5344CB8AC3E}">
+        <p14:creationId xmlns:p14="http://schemas.microsoft.com/office/powerpoint/2010/main" val="3670040730"/>
+      </p:ext>
+    </p:extLst>
+  </p:cSld>
+  <p:clrMapOvr>
+    <a:masterClrMapping/>
+  </p:clrMapOvr>
+</p:sld>
+</file>
+
+<file path=ppt/slides/slide20.xml><?xml version="1.0" encoding="utf-8"?>
 <p:sld xmlns:a="http://schemas.openxmlformats.org/drawingml/2006/main" xmlns:r="http://schemas.openxmlformats.org/officeDocument/2006/relationships" xmlns:p="http://schemas.openxmlformats.org/presentationml/2006/main">
   <p:cSld>
     <p:spTree>
@@ -12098,7 +12406,7 @@
           <a:p>
             <a:fld id="{C4488D40-6A2B-42CD-9565-99D41B29C2DA}" type="slidenum">
               <a:rPr lang="fr-FR" smtClean="0"/>
-              <a:t>19</a:t>
+              <a:t>20</a:t>
             </a:fld>
             <a:endParaRPr lang="fr-FR"/>
           </a:p>
@@ -12147,168 +12455,7 @@
 </p:sld>
 </file>
 
-<file path=ppt/slides/slide2.xml><?xml version="1.0" encoding="utf-8"?>
-<p:sld xmlns:a="http://schemas.openxmlformats.org/drawingml/2006/main" xmlns:r="http://schemas.openxmlformats.org/officeDocument/2006/relationships" xmlns:p="http://schemas.openxmlformats.org/presentationml/2006/main">
-  <p:cSld>
-    <p:spTree>
-      <p:nvGrpSpPr>
-        <p:cNvPr id="1" name=""/>
-        <p:cNvGrpSpPr/>
-        <p:nvPr/>
-      </p:nvGrpSpPr>
-      <p:grpSpPr>
-        <a:xfrm>
-          <a:off x="0" y="0"/>
-          <a:ext cx="0" cy="0"/>
-          <a:chOff x="0" y="0"/>
-          <a:chExt cx="0" cy="0"/>
-        </a:xfrm>
-      </p:grpSpPr>
-      <p:sp>
-        <p:nvSpPr>
-          <p:cNvPr id="2" name="Titre 1">
-            <a:extLst>
-              <a:ext uri="{FF2B5EF4-FFF2-40B4-BE49-F238E27FC236}">
-                <a16:creationId xmlns:a16="http://schemas.microsoft.com/office/drawing/2014/main" id="{54B3EE32-3277-479A-87AA-60C58EA57951}"/>
-              </a:ext>
-            </a:extLst>
-          </p:cNvPr>
-          <p:cNvSpPr>
-            <a:spLocks noGrp="1"/>
-          </p:cNvSpPr>
-          <p:nvPr>
-            <p:ph type="title"/>
-          </p:nvPr>
-        </p:nvSpPr>
-        <p:spPr/>
-        <p:txBody>
-          <a:bodyPr/>
-          <a:lstStyle/>
-          <a:p>
-            <a:r>
-              <a:rPr lang="fr-FR" dirty="0"/>
-              <a:t>Plan du cours</a:t>
-            </a:r>
-          </a:p>
-        </p:txBody>
-      </p:sp>
-      <p:sp>
-        <p:nvSpPr>
-          <p:cNvPr id="3" name="Espace réservé du contenu 2">
-            <a:extLst>
-              <a:ext uri="{FF2B5EF4-FFF2-40B4-BE49-F238E27FC236}">
-                <a16:creationId xmlns:a16="http://schemas.microsoft.com/office/drawing/2014/main" id="{21702EDA-520A-4F02-A022-C797F8C0317E}"/>
-              </a:ext>
-            </a:extLst>
-          </p:cNvPr>
-          <p:cNvSpPr>
-            <a:spLocks noGrp="1"/>
-          </p:cNvSpPr>
-          <p:nvPr>
-            <p:ph idx="1"/>
-          </p:nvPr>
-        </p:nvSpPr>
-        <p:spPr/>
-        <p:txBody>
-          <a:bodyPr/>
-          <a:lstStyle/>
-          <a:p>
-            <a:r>
-              <a:rPr lang="fr-FR" dirty="0"/>
-              <a:t>Classes</a:t>
-            </a:r>
-            <a:r>
-              <a:rPr lang="fr-FR" baseline="0" dirty="0"/>
-              <a:t> et objets</a:t>
-            </a:r>
-          </a:p>
-          <a:p>
-            <a:pPr lvl="1"/>
-            <a:r>
-              <a:rPr lang="fr-FR" dirty="0"/>
-              <a:t>2 </a:t>
-            </a:r>
-            <a:r>
-              <a:rPr lang="fr-FR" dirty="0" err="1"/>
-              <a:t>appartés</a:t>
-            </a:r>
-            <a:r>
-              <a:rPr lang="fr-FR" dirty="0"/>
-              <a:t> :</a:t>
-            </a:r>
-          </a:p>
-          <a:p>
-            <a:pPr lvl="2"/>
-            <a:r>
-              <a:rPr lang="fr-FR" baseline="0" dirty="0" err="1"/>
-              <a:t>Enum</a:t>
-            </a:r>
-            <a:endParaRPr lang="fr-FR" baseline="0" dirty="0"/>
-          </a:p>
-          <a:p>
-            <a:pPr lvl="2" indent="-342900"/>
-            <a:r>
-              <a:rPr lang="fr-FR" kern="1200" baseline="0" dirty="0">
-                <a:solidFill>
-                  <a:schemeClr val="tx1"/>
-                </a:solidFill>
-                <a:effectLst/>
-                <a:latin typeface="+mn-lt"/>
-                <a:ea typeface="+mn-ea"/>
-                <a:cs typeface="+mn-cs"/>
-              </a:rPr>
-              <a:t>Type valeurs et types références</a:t>
-            </a:r>
-            <a:endParaRPr lang="fr-FR" baseline="0" dirty="0"/>
-          </a:p>
-          <a:p>
-            <a:endParaRPr lang="fr-FR" baseline="0" dirty="0"/>
-          </a:p>
-        </p:txBody>
-      </p:sp>
-      <p:sp>
-        <p:nvSpPr>
-          <p:cNvPr id="4" name="Espace réservé du numéro de diapositive 3">
-            <a:extLst>
-              <a:ext uri="{FF2B5EF4-FFF2-40B4-BE49-F238E27FC236}">
-                <a16:creationId xmlns:a16="http://schemas.microsoft.com/office/drawing/2014/main" id="{4910468A-0073-415F-8B3F-8779324B7883}"/>
-              </a:ext>
-            </a:extLst>
-          </p:cNvPr>
-          <p:cNvSpPr>
-            <a:spLocks noGrp="1"/>
-          </p:cNvSpPr>
-          <p:nvPr>
-            <p:ph type="sldNum" sz="quarter" idx="12"/>
-          </p:nvPr>
-        </p:nvSpPr>
-        <p:spPr/>
-        <p:txBody>
-          <a:bodyPr/>
-          <a:lstStyle/>
-          <a:p>
-            <a:fld id="{C4488D40-6A2B-42CD-9565-99D41B29C2DA}" type="slidenum">
-              <a:rPr lang="fr-FR" smtClean="0"/>
-              <a:t>2</a:t>
-            </a:fld>
-            <a:endParaRPr lang="fr-FR"/>
-          </a:p>
-        </p:txBody>
-      </p:sp>
-    </p:spTree>
-    <p:extLst>
-      <p:ext uri="{BB962C8B-B14F-4D97-AF65-F5344CB8AC3E}">
-        <p14:creationId xmlns:p14="http://schemas.microsoft.com/office/powerpoint/2010/main" val="3670040730"/>
-      </p:ext>
-    </p:extLst>
-  </p:cSld>
-  <p:clrMapOvr>
-    <a:masterClrMapping/>
-  </p:clrMapOvr>
-</p:sld>
-</file>
-
-<file path=ppt/slides/slide20.xml><?xml version="1.0" encoding="utf-8"?>
+<file path=ppt/slides/slide21.xml><?xml version="1.0" encoding="utf-8"?>
 <p:sld xmlns:a="http://schemas.openxmlformats.org/drawingml/2006/main" xmlns:r="http://schemas.openxmlformats.org/officeDocument/2006/relationships" xmlns:p="http://schemas.openxmlformats.org/presentationml/2006/main">
   <p:cSld>
     <p:spTree>
@@ -13502,7 +13649,7 @@
           <a:p>
             <a:fld id="{C4488D40-6A2B-42CD-9565-99D41B29C2DA}" type="slidenum">
               <a:rPr lang="fr-FR" smtClean="0"/>
-              <a:t>20</a:t>
+              <a:t>21</a:t>
             </a:fld>
             <a:endParaRPr lang="fr-FR"/>
           </a:p>
@@ -13550,7 +13697,7 @@
 </p:sld>
 </file>
 
-<file path=ppt/slides/slide21.xml><?xml version="1.0" encoding="utf-8"?>
+<file path=ppt/slides/slide22.xml><?xml version="1.0" encoding="utf-8"?>
 <p:sld xmlns:a="http://schemas.openxmlformats.org/drawingml/2006/main" xmlns:r="http://schemas.openxmlformats.org/officeDocument/2006/relationships" xmlns:p="http://schemas.openxmlformats.org/presentationml/2006/main">
   <p:cSld>
     <p:spTree>
@@ -13798,7 +13945,7 @@
           <a:p>
             <a:fld id="{C4488D40-6A2B-42CD-9565-99D41B29C2DA}" type="slidenum">
               <a:rPr lang="fr-FR" smtClean="0"/>
-              <a:t>21</a:t>
+              <a:t>22</a:t>
             </a:fld>
             <a:endParaRPr lang="fr-FR"/>
           </a:p>
@@ -13875,7 +14022,7 @@
 </p:sld>
 </file>
 
-<file path=ppt/slides/slide22.xml><?xml version="1.0" encoding="utf-8"?>
+<file path=ppt/slides/slide23.xml><?xml version="1.0" encoding="utf-8"?>
 <p:sld xmlns:a="http://schemas.openxmlformats.org/drawingml/2006/main" xmlns:r="http://schemas.openxmlformats.org/officeDocument/2006/relationships" xmlns:p="http://schemas.openxmlformats.org/presentationml/2006/main">
   <p:cSld>
     <p:spTree>
@@ -14130,7 +14277,7 @@
           <a:p>
             <a:fld id="{C4488D40-6A2B-42CD-9565-99D41B29C2DA}" type="slidenum">
               <a:rPr lang="fr-FR" smtClean="0"/>
-              <a:t>22</a:t>
+              <a:t>23</a:t>
             </a:fld>
             <a:endParaRPr lang="fr-FR"/>
           </a:p>
@@ -14207,7 +14354,7 @@
 </p:sld>
 </file>
 
-<file path=ppt/slides/slide23.xml><?xml version="1.0" encoding="utf-8"?>
+<file path=ppt/slides/slide24.xml><?xml version="1.0" encoding="utf-8"?>
 <p:sld xmlns:a="http://schemas.openxmlformats.org/drawingml/2006/main" xmlns:r="http://schemas.openxmlformats.org/officeDocument/2006/relationships" xmlns:p="http://schemas.openxmlformats.org/presentationml/2006/main">
   <p:cSld>
     <p:spTree>
@@ -14347,7 +14494,7 @@
           <a:p>
             <a:fld id="{C4488D40-6A2B-42CD-9565-99D41B29C2DA}" type="slidenum">
               <a:rPr lang="fr-FR" smtClean="0"/>
-              <a:t>23</a:t>
+              <a:t>24</a:t>
             </a:fld>
             <a:endParaRPr lang="fr-FR"/>
           </a:p>
@@ -14366,7 +14513,7 @@
 </p:sld>
 </file>
 
-<file path=ppt/slides/slide24.xml><?xml version="1.0" encoding="utf-8"?>
+<file path=ppt/slides/slide25.xml><?xml version="1.0" encoding="utf-8"?>
 <p:sld xmlns:a="http://schemas.openxmlformats.org/drawingml/2006/main" xmlns:r="http://schemas.openxmlformats.org/officeDocument/2006/relationships" xmlns:p="http://schemas.openxmlformats.org/presentationml/2006/main">
   <p:cSld>
     <p:spTree>
@@ -14459,7 +14606,7 @@
           <a:p>
             <a:fld id="{C4488D40-6A2B-42CD-9565-99D41B29C2DA}" type="slidenum">
               <a:rPr lang="fr-FR" smtClean="0"/>
-              <a:t>24</a:t>
+              <a:t>25</a:t>
             </a:fld>
             <a:endParaRPr lang="fr-FR"/>
           </a:p>
@@ -14478,7 +14625,7 @@
 </p:sld>
 </file>
 
-<file path=ppt/slides/slide25.xml><?xml version="1.0" encoding="utf-8"?>
+<file path=ppt/slides/slide26.xml><?xml version="1.0" encoding="utf-8"?>
 <p:sld xmlns:a="http://schemas.openxmlformats.org/drawingml/2006/main" xmlns:r="http://schemas.openxmlformats.org/officeDocument/2006/relationships" xmlns:p="http://schemas.openxmlformats.org/presentationml/2006/main">
   <p:cSld>
     <p:spTree>
@@ -14802,7 +14949,7 @@
           <a:p>
             <a:fld id="{C4488D40-6A2B-42CD-9565-99D41B29C2DA}" type="slidenum">
               <a:rPr lang="fr-FR" smtClean="0"/>
-              <a:t>25</a:t>
+              <a:t>26</a:t>
             </a:fld>
             <a:endParaRPr lang="fr-FR"/>
           </a:p>
@@ -14908,7 +15055,7 @@
 </p:sld>
 </file>
 
-<file path=ppt/slides/slide26.xml><?xml version="1.0" encoding="utf-8"?>
+<file path=ppt/slides/slide27.xml><?xml version="1.0" encoding="utf-8"?>
 <p:sld xmlns:a="http://schemas.openxmlformats.org/drawingml/2006/main" xmlns:r="http://schemas.openxmlformats.org/officeDocument/2006/relationships" xmlns:p="http://schemas.openxmlformats.org/presentationml/2006/main">
   <p:cSld>
     <p:spTree>
@@ -15001,7 +15148,7 @@
           <a:p>
             <a:fld id="{C4488D40-6A2B-42CD-9565-99D41B29C2DA}" type="slidenum">
               <a:rPr lang="fr-FR" smtClean="0"/>
-              <a:t>26</a:t>
+              <a:t>27</a:t>
             </a:fld>
             <a:endParaRPr lang="fr-FR"/>
           </a:p>
@@ -15020,7 +15167,7 @@
 </p:sld>
 </file>
 
-<file path=ppt/slides/slide27.xml><?xml version="1.0" encoding="utf-8"?>
+<file path=ppt/slides/slide28.xml><?xml version="1.0" encoding="utf-8"?>
 <p:sld xmlns:a="http://schemas.openxmlformats.org/drawingml/2006/main" xmlns:r="http://schemas.openxmlformats.org/officeDocument/2006/relationships" xmlns:p="http://schemas.openxmlformats.org/presentationml/2006/main">
   <p:cSld>
     <p:spTree>
@@ -16409,7 +16556,7 @@
           <a:p>
             <a:fld id="{C4488D40-6A2B-42CD-9565-99D41B29C2DA}" type="slidenum">
               <a:rPr lang="fr-FR" smtClean="0"/>
-              <a:t>27</a:t>
+              <a:t>28</a:t>
             </a:fld>
             <a:endParaRPr lang="fr-FR"/>
           </a:p>
@@ -16428,7 +16575,7 @@
 </p:sld>
 </file>
 
-<file path=ppt/slides/slide28.xml><?xml version="1.0" encoding="utf-8"?>
+<file path=ppt/slides/slide29.xml><?xml version="1.0" encoding="utf-8"?>
 <p:sld xmlns:a="http://schemas.openxmlformats.org/drawingml/2006/main" xmlns:r="http://schemas.openxmlformats.org/officeDocument/2006/relationships" xmlns:p="http://schemas.openxmlformats.org/presentationml/2006/main">
   <p:cSld>
     <p:spTree>
@@ -16530,7 +16677,7 @@
           <a:p>
             <a:fld id="{C4488D40-6A2B-42CD-9565-99D41B29C2DA}" type="slidenum">
               <a:rPr lang="fr-FR" smtClean="0"/>
-              <a:t>28</a:t>
+              <a:t>29</a:t>
             </a:fld>
             <a:endParaRPr lang="fr-FR"/>
           </a:p>
@@ -16756,588 +16903,6 @@
 </p:sld>
 </file>
 
-<file path=ppt/slides/slide29.xml><?xml version="1.0" encoding="utf-8"?>
-<p:sld xmlns:a="http://schemas.openxmlformats.org/drawingml/2006/main" xmlns:r="http://schemas.openxmlformats.org/officeDocument/2006/relationships" xmlns:p="http://schemas.openxmlformats.org/presentationml/2006/main">
-  <p:cSld>
-    <p:spTree>
-      <p:nvGrpSpPr>
-        <p:cNvPr id="1" name=""/>
-        <p:cNvGrpSpPr/>
-        <p:nvPr/>
-      </p:nvGrpSpPr>
-      <p:grpSpPr>
-        <a:xfrm>
-          <a:off x="0" y="0"/>
-          <a:ext cx="0" cy="0"/>
-          <a:chOff x="0" y="0"/>
-          <a:chExt cx="0" cy="0"/>
-        </a:xfrm>
-      </p:grpSpPr>
-      <p:sp>
-        <p:nvSpPr>
-          <p:cNvPr id="2" name="Titre 1">
-            <a:extLst>
-              <a:ext uri="{FF2B5EF4-FFF2-40B4-BE49-F238E27FC236}">
-                <a16:creationId xmlns:a16="http://schemas.microsoft.com/office/drawing/2014/main" id="{679BB4DD-89C3-4AA0-9FE3-8178E8F0151B}"/>
-              </a:ext>
-            </a:extLst>
-          </p:cNvPr>
-          <p:cNvSpPr>
-            <a:spLocks noGrp="1"/>
-          </p:cNvSpPr>
-          <p:nvPr>
-            <p:ph type="title"/>
-          </p:nvPr>
-        </p:nvSpPr>
-        <p:spPr/>
-        <p:txBody>
-          <a:bodyPr/>
-          <a:lstStyle/>
-          <a:p>
-            <a:r>
-              <a:rPr lang="fr-FR" sz="4000" b="1" kern="1200" dirty="0">
-                <a:solidFill>
-                  <a:srgbClr val="FEFEFE"/>
-                </a:solidFill>
-                <a:effectLst/>
-                <a:latin typeface="+mj-lt"/>
-                <a:ea typeface="+mj-ea"/>
-                <a:cs typeface="+mj-cs"/>
-              </a:rPr>
-              <a:t>Accessibilité</a:t>
-            </a:r>
-            <a:endParaRPr lang="fr-FR" dirty="0"/>
-          </a:p>
-        </p:txBody>
-      </p:sp>
-      <p:sp>
-        <p:nvSpPr>
-          <p:cNvPr id="3" name="Espace réservé du contenu 2">
-            <a:extLst>
-              <a:ext uri="{FF2B5EF4-FFF2-40B4-BE49-F238E27FC236}">
-                <a16:creationId xmlns:a16="http://schemas.microsoft.com/office/drawing/2014/main" id="{89092B86-6506-4EB6-AC7B-3D068C2DAAC2}"/>
-              </a:ext>
-            </a:extLst>
-          </p:cNvPr>
-          <p:cNvSpPr>
-            <a:spLocks noGrp="1"/>
-          </p:cNvSpPr>
-          <p:nvPr>
-            <p:ph idx="1"/>
-          </p:nvPr>
-        </p:nvSpPr>
-        <p:spPr/>
-        <p:txBody>
-          <a:bodyPr>
-            <a:normAutofit lnSpcReduction="10000"/>
-          </a:bodyPr>
-          <a:lstStyle/>
-          <a:p>
-            <a:pPr rtl="0" eaLnBrk="1" fontAlgn="auto" latinLnBrk="0" hangingPunct="1"/>
-            <a:r>
-              <a:rPr lang="en-US" sz="1800" b="0" kern="1200" dirty="0">
-                <a:solidFill>
-                  <a:schemeClr val="tx1"/>
-                </a:solidFill>
-                <a:effectLst/>
-                <a:latin typeface="+mn-lt"/>
-                <a:ea typeface="+mn-ea"/>
-                <a:cs typeface="+mn-cs"/>
-              </a:rPr>
-              <a:t>Sur </a:t>
-            </a:r>
-            <a:r>
-              <a:rPr lang="en-US" sz="1800" b="0" kern="1200" dirty="0" err="1">
-                <a:solidFill>
-                  <a:schemeClr val="tx1"/>
-                </a:solidFill>
-                <a:effectLst/>
-                <a:latin typeface="+mn-lt"/>
-                <a:ea typeface="+mn-ea"/>
-                <a:cs typeface="+mn-cs"/>
-              </a:rPr>
-              <a:t>classe</a:t>
-            </a:r>
-            <a:r>
-              <a:rPr lang="en-US" sz="1800" b="0" kern="1200" dirty="0">
-                <a:solidFill>
-                  <a:schemeClr val="tx1"/>
-                </a:solidFill>
-                <a:effectLst/>
-                <a:latin typeface="+mn-lt"/>
-                <a:ea typeface="+mn-ea"/>
-                <a:cs typeface="+mn-cs"/>
-              </a:rPr>
-              <a:t>, </a:t>
-            </a:r>
-            <a:r>
-              <a:rPr lang="en-US" sz="1800" b="0" kern="1200" dirty="0" err="1">
-                <a:solidFill>
-                  <a:schemeClr val="tx1"/>
-                </a:solidFill>
-                <a:effectLst/>
-                <a:latin typeface="+mn-lt"/>
-                <a:ea typeface="+mn-ea"/>
-                <a:cs typeface="+mn-cs"/>
-              </a:rPr>
-              <a:t>méthodes</a:t>
-            </a:r>
-            <a:r>
-              <a:rPr lang="en-US" sz="1800" b="0" kern="1200" dirty="0">
-                <a:solidFill>
-                  <a:schemeClr val="tx1"/>
-                </a:solidFill>
-                <a:effectLst/>
-                <a:latin typeface="+mn-lt"/>
-                <a:ea typeface="+mn-ea"/>
-                <a:cs typeface="+mn-cs"/>
-              </a:rPr>
-              <a:t>, champs, </a:t>
-            </a:r>
-            <a:r>
-              <a:rPr lang="en-US" sz="1800" b="0" kern="1200" dirty="0" err="1">
-                <a:solidFill>
-                  <a:schemeClr val="tx1"/>
-                </a:solidFill>
-                <a:effectLst/>
-                <a:latin typeface="+mn-lt"/>
-                <a:ea typeface="+mn-ea"/>
-                <a:cs typeface="+mn-cs"/>
-              </a:rPr>
-              <a:t>constructeurs</a:t>
-            </a:r>
-            <a:r>
-              <a:rPr lang="en-US" sz="1800" b="0" kern="1200" dirty="0">
-                <a:solidFill>
-                  <a:schemeClr val="tx1"/>
-                </a:solidFill>
-                <a:effectLst/>
-                <a:latin typeface="+mn-lt"/>
-                <a:ea typeface="+mn-ea"/>
-                <a:cs typeface="+mn-cs"/>
-              </a:rPr>
-              <a:t> etc.</a:t>
-            </a:r>
-            <a:endParaRPr lang="fr-FR" sz="1800" dirty="0">
-              <a:effectLst/>
-            </a:endParaRPr>
-          </a:p>
-          <a:p>
-            <a:pPr lvl="1" rtl="0" eaLnBrk="1" latinLnBrk="0" hangingPunct="1"/>
-            <a:r>
-              <a:rPr lang="fr-FR" sz="1600" kern="1200" dirty="0">
-                <a:solidFill>
-                  <a:schemeClr val="tx1"/>
-                </a:solidFill>
-                <a:effectLst/>
-                <a:latin typeface="+mn-lt"/>
-                <a:ea typeface="+mn-ea"/>
-                <a:cs typeface="+mn-cs"/>
-              </a:rPr>
-              <a:t>Dans bien des équipes,</a:t>
-            </a:r>
-            <a:r>
-              <a:rPr lang="fr-FR" sz="1600" kern="1200" baseline="0" dirty="0">
-                <a:solidFill>
-                  <a:schemeClr val="tx1"/>
-                </a:solidFill>
-                <a:effectLst/>
-                <a:latin typeface="+mn-lt"/>
-                <a:ea typeface="+mn-ea"/>
-                <a:cs typeface="+mn-cs"/>
-              </a:rPr>
-              <a:t> c’est une faute de ne pas mettre la bonne accessibilité</a:t>
-            </a:r>
-            <a:endParaRPr lang="fr-FR" dirty="0">
-              <a:effectLst/>
-            </a:endParaRPr>
-          </a:p>
-          <a:p>
-            <a:pPr rtl="0" eaLnBrk="1" latinLnBrk="0" hangingPunct="1"/>
-            <a:r>
-              <a:rPr lang="fr-FR" sz="1800" kern="1200" dirty="0">
-                <a:solidFill>
-                  <a:schemeClr val="tx1"/>
-                </a:solidFill>
-                <a:effectLst/>
-                <a:latin typeface="+mn-lt"/>
-                <a:ea typeface="+mn-ea"/>
-                <a:cs typeface="+mn-cs"/>
-              </a:rPr>
-              <a:t>On parle</a:t>
-            </a:r>
-            <a:r>
-              <a:rPr lang="fr-FR" sz="1800" kern="1200" baseline="0" dirty="0">
-                <a:solidFill>
-                  <a:schemeClr val="tx1"/>
-                </a:solidFill>
-                <a:effectLst/>
-                <a:latin typeface="+mn-lt"/>
-                <a:ea typeface="+mn-ea"/>
-                <a:cs typeface="+mn-cs"/>
-              </a:rPr>
-              <a:t> communément de portée (« portée de la classe », « portée de la méthode ») etc.</a:t>
-            </a:r>
-            <a:endParaRPr lang="fr-FR" dirty="0">
-              <a:effectLst/>
-            </a:endParaRPr>
-          </a:p>
-          <a:p>
-            <a:pPr rtl="0" eaLnBrk="1" latinLnBrk="0" hangingPunct="1"/>
-            <a:r>
-              <a:rPr lang="fr-FR" sz="1800" kern="1200" baseline="0" dirty="0">
-                <a:solidFill>
-                  <a:schemeClr val="tx1"/>
-                </a:solidFill>
-                <a:effectLst/>
-                <a:latin typeface="+mn-lt"/>
-                <a:ea typeface="+mn-ea"/>
-                <a:cs typeface="+mn-cs"/>
-              </a:rPr>
-              <a:t>Portée privée (par défaut)</a:t>
-            </a:r>
-            <a:endParaRPr lang="fr-FR" dirty="0">
-              <a:effectLst/>
-            </a:endParaRPr>
-          </a:p>
-          <a:p>
-            <a:pPr lvl="1" rtl="0" eaLnBrk="1" latinLnBrk="0" hangingPunct="1"/>
-            <a:r>
-              <a:rPr lang="fr-FR" sz="1600" kern="1200" baseline="0" dirty="0">
-                <a:solidFill>
-                  <a:schemeClr val="tx1"/>
-                </a:solidFill>
-                <a:effectLst/>
-                <a:latin typeface="+mn-lt"/>
-                <a:ea typeface="+mn-ea"/>
-                <a:cs typeface="+mn-cs"/>
-              </a:rPr>
-              <a:t>Mot clé « </a:t>
-            </a:r>
-            <a:r>
-              <a:rPr lang="fr-FR" sz="1600" kern="1200" baseline="0" dirty="0" err="1">
-                <a:solidFill>
-                  <a:schemeClr val="tx1"/>
-                </a:solidFill>
-                <a:effectLst/>
-                <a:latin typeface="+mn-lt"/>
-                <a:ea typeface="+mn-ea"/>
-                <a:cs typeface="+mn-cs"/>
-              </a:rPr>
-              <a:t>private</a:t>
-            </a:r>
-            <a:r>
-              <a:rPr lang="fr-FR" sz="1600" kern="1200" baseline="0" dirty="0">
-                <a:solidFill>
-                  <a:schemeClr val="tx1"/>
-                </a:solidFill>
-                <a:effectLst/>
-                <a:latin typeface="+mn-lt"/>
-                <a:ea typeface="+mn-ea"/>
-                <a:cs typeface="+mn-cs"/>
-              </a:rPr>
-              <a:t> »</a:t>
-            </a:r>
-            <a:endParaRPr lang="fr-FR" dirty="0">
-              <a:effectLst/>
-            </a:endParaRPr>
-          </a:p>
-          <a:p>
-            <a:pPr lvl="1" rtl="0" eaLnBrk="1" latinLnBrk="0" hangingPunct="1"/>
-            <a:r>
-              <a:rPr lang="fr-FR" sz="1600" kern="1200" baseline="0" dirty="0">
-                <a:solidFill>
-                  <a:schemeClr val="tx1"/>
-                </a:solidFill>
-                <a:effectLst/>
-                <a:latin typeface="+mn-lt"/>
-                <a:ea typeface="+mn-ea"/>
-                <a:cs typeface="+mn-cs"/>
-              </a:rPr>
-              <a:t>Seules les instances de la classe courante peuvent y accéder</a:t>
-            </a:r>
-            <a:endParaRPr lang="fr-FR" dirty="0">
-              <a:effectLst/>
-            </a:endParaRPr>
-          </a:p>
-          <a:p>
-            <a:pPr rtl="0" eaLnBrk="1" latinLnBrk="0" hangingPunct="1"/>
-            <a:r>
-              <a:rPr lang="fr-FR" sz="1800" kern="1200" baseline="0" dirty="0">
-                <a:solidFill>
-                  <a:schemeClr val="tx1"/>
-                </a:solidFill>
-                <a:effectLst/>
-                <a:latin typeface="+mn-lt"/>
-                <a:ea typeface="+mn-ea"/>
-                <a:cs typeface="+mn-cs"/>
-              </a:rPr>
-              <a:t>Portée publique (doit être explicite)</a:t>
-            </a:r>
-            <a:endParaRPr lang="fr-FR" dirty="0">
-              <a:effectLst/>
-            </a:endParaRPr>
-          </a:p>
-          <a:p>
-            <a:pPr lvl="1" rtl="0" eaLnBrk="1" latinLnBrk="0" hangingPunct="1"/>
-            <a:r>
-              <a:rPr lang="fr-FR" sz="1600" kern="1200" baseline="0" dirty="0">
-                <a:solidFill>
-                  <a:schemeClr val="tx1"/>
-                </a:solidFill>
-                <a:effectLst/>
-                <a:latin typeface="+mn-lt"/>
-                <a:ea typeface="+mn-ea"/>
-                <a:cs typeface="+mn-cs"/>
-              </a:rPr>
-              <a:t>Mot clé « public »</a:t>
-            </a:r>
-            <a:endParaRPr lang="fr-FR" dirty="0">
-              <a:effectLst/>
-            </a:endParaRPr>
-          </a:p>
-          <a:p>
-            <a:pPr lvl="1" rtl="0" eaLnBrk="1" latinLnBrk="0" hangingPunct="1"/>
-            <a:r>
-              <a:rPr lang="fr-FR" sz="1600" kern="1200" baseline="0" dirty="0">
-                <a:solidFill>
-                  <a:schemeClr val="tx1"/>
-                </a:solidFill>
-                <a:effectLst/>
-                <a:latin typeface="+mn-lt"/>
-                <a:ea typeface="+mn-ea"/>
-                <a:cs typeface="+mn-cs"/>
-              </a:rPr>
-              <a:t>Tout le monde peut y accéder</a:t>
-            </a:r>
-            <a:endParaRPr lang="fr-FR" dirty="0">
-              <a:effectLst/>
-            </a:endParaRPr>
-          </a:p>
-          <a:p>
-            <a:pPr rtl="0" eaLnBrk="1" latinLnBrk="0" hangingPunct="1"/>
-            <a:r>
-              <a:rPr lang="fr-FR" sz="1800" kern="1200" baseline="0" dirty="0">
-                <a:solidFill>
-                  <a:schemeClr val="tx1"/>
-                </a:solidFill>
-                <a:effectLst/>
-                <a:latin typeface="+mn-lt"/>
-                <a:ea typeface="+mn-ea"/>
-                <a:cs typeface="+mn-cs"/>
-              </a:rPr>
-              <a:t>Portée « protégée »</a:t>
-            </a:r>
-            <a:endParaRPr lang="fr-FR" dirty="0">
-              <a:effectLst/>
-            </a:endParaRPr>
-          </a:p>
-          <a:p>
-            <a:pPr lvl="1" rtl="0" eaLnBrk="1" latinLnBrk="0" hangingPunct="1"/>
-            <a:r>
-              <a:rPr lang="fr-FR" sz="1600" kern="1200" baseline="0" dirty="0">
-                <a:solidFill>
-                  <a:schemeClr val="tx1"/>
-                </a:solidFill>
-                <a:effectLst/>
-                <a:latin typeface="+mn-lt"/>
-                <a:ea typeface="+mn-ea"/>
-                <a:cs typeface="+mn-cs"/>
-              </a:rPr>
-              <a:t>Mot clé « </a:t>
-            </a:r>
-            <a:r>
-              <a:rPr lang="fr-FR" sz="1600" kern="1200" baseline="0" dirty="0" err="1">
-                <a:solidFill>
-                  <a:schemeClr val="tx1"/>
-                </a:solidFill>
-                <a:effectLst/>
-                <a:latin typeface="+mn-lt"/>
-                <a:ea typeface="+mn-ea"/>
-                <a:cs typeface="+mn-cs"/>
-              </a:rPr>
-              <a:t>protected</a:t>
-            </a:r>
-            <a:r>
-              <a:rPr lang="fr-FR" sz="1600" kern="1200" baseline="0" dirty="0">
-                <a:solidFill>
-                  <a:schemeClr val="tx1"/>
-                </a:solidFill>
-                <a:effectLst/>
-                <a:latin typeface="+mn-lt"/>
-                <a:ea typeface="+mn-ea"/>
-                <a:cs typeface="+mn-cs"/>
-              </a:rPr>
-              <a:t> »</a:t>
-            </a:r>
-            <a:endParaRPr lang="fr-FR" dirty="0">
-              <a:effectLst/>
-            </a:endParaRPr>
-          </a:p>
-          <a:p>
-            <a:pPr lvl="1" rtl="0" eaLnBrk="1" latinLnBrk="0" hangingPunct="1"/>
-            <a:r>
-              <a:rPr lang="fr-FR" sz="1600" kern="1200" baseline="0" dirty="0">
-                <a:solidFill>
-                  <a:schemeClr val="tx1"/>
-                </a:solidFill>
-                <a:effectLst/>
-                <a:latin typeface="+mn-lt"/>
-                <a:ea typeface="+mn-ea"/>
-                <a:cs typeface="+mn-cs"/>
-              </a:rPr>
-              <a:t>Seules les instances de la classe courante ainsi que ses héritages peuvent y accéder</a:t>
-            </a:r>
-            <a:endParaRPr lang="fr-FR" dirty="0">
-              <a:effectLst/>
-            </a:endParaRPr>
-          </a:p>
-          <a:p>
-            <a:pPr rtl="0" eaLnBrk="1" latinLnBrk="0" hangingPunct="1"/>
-            <a:r>
-              <a:rPr lang="fr-FR" sz="1800" kern="1200" baseline="0" dirty="0">
-                <a:solidFill>
-                  <a:schemeClr val="tx1"/>
-                </a:solidFill>
-                <a:effectLst/>
-                <a:latin typeface="+mn-lt"/>
-                <a:ea typeface="+mn-ea"/>
-                <a:cs typeface="+mn-cs"/>
-              </a:rPr>
-              <a:t>Portée « interne »</a:t>
-            </a:r>
-            <a:endParaRPr lang="fr-FR" dirty="0">
-              <a:effectLst/>
-            </a:endParaRPr>
-          </a:p>
-          <a:p>
-            <a:pPr lvl="1" rtl="0" eaLnBrk="1" latinLnBrk="0" hangingPunct="1"/>
-            <a:r>
-              <a:rPr lang="fr-FR" sz="1600" kern="1200" baseline="0" dirty="0">
-                <a:solidFill>
-                  <a:schemeClr val="tx1"/>
-                </a:solidFill>
-                <a:effectLst/>
-                <a:latin typeface="+mn-lt"/>
-                <a:ea typeface="+mn-ea"/>
-                <a:cs typeface="+mn-cs"/>
-              </a:rPr>
-              <a:t>Mot clé « </a:t>
-            </a:r>
-            <a:r>
-              <a:rPr lang="fr-FR" sz="1600" kern="1200" baseline="0" dirty="0" err="1">
-                <a:solidFill>
-                  <a:schemeClr val="tx1"/>
-                </a:solidFill>
-                <a:effectLst/>
-                <a:latin typeface="+mn-lt"/>
-                <a:ea typeface="+mn-ea"/>
-                <a:cs typeface="+mn-cs"/>
-              </a:rPr>
-              <a:t>internal</a:t>
-            </a:r>
-            <a:r>
-              <a:rPr lang="fr-FR" sz="1600" kern="1200" baseline="0" dirty="0">
-                <a:solidFill>
-                  <a:schemeClr val="tx1"/>
-                </a:solidFill>
-                <a:effectLst/>
-                <a:latin typeface="+mn-lt"/>
-                <a:ea typeface="+mn-ea"/>
-                <a:cs typeface="+mn-cs"/>
-              </a:rPr>
-              <a:t> »</a:t>
-            </a:r>
-            <a:endParaRPr lang="fr-FR" dirty="0">
-              <a:effectLst/>
-            </a:endParaRPr>
-          </a:p>
-          <a:p>
-            <a:pPr lvl="1" rtl="0" eaLnBrk="1" latinLnBrk="0" hangingPunct="1"/>
-            <a:r>
-              <a:rPr lang="fr-FR" sz="1600" kern="1200" baseline="0" dirty="0">
-                <a:solidFill>
-                  <a:schemeClr val="tx1"/>
-                </a:solidFill>
-                <a:effectLst/>
-                <a:latin typeface="+mn-lt"/>
-                <a:ea typeface="+mn-ea"/>
-                <a:cs typeface="+mn-cs"/>
-              </a:rPr>
-              <a:t>Classe/méthodes publiques dans l’</a:t>
-            </a:r>
-            <a:r>
-              <a:rPr lang="fr-FR" sz="1600" kern="1200" baseline="0" dirty="0" err="1">
-                <a:solidFill>
-                  <a:schemeClr val="tx1"/>
-                </a:solidFill>
-                <a:effectLst/>
-                <a:latin typeface="+mn-lt"/>
-                <a:ea typeface="+mn-ea"/>
-                <a:cs typeface="+mn-cs"/>
-              </a:rPr>
-              <a:t>Assembly</a:t>
-            </a:r>
-            <a:r>
-              <a:rPr lang="fr-FR" sz="1600" kern="1200" baseline="0" dirty="0">
-                <a:solidFill>
-                  <a:schemeClr val="tx1"/>
-                </a:solidFill>
-                <a:effectLst/>
-                <a:latin typeface="+mn-lt"/>
-                <a:ea typeface="+mn-ea"/>
-                <a:cs typeface="+mn-cs"/>
-              </a:rPr>
-              <a:t> courante, privée en dehors</a:t>
-            </a:r>
-            <a:endParaRPr lang="fr-FR" dirty="0">
-              <a:effectLst/>
-            </a:endParaRPr>
-          </a:p>
-        </p:txBody>
-      </p:sp>
-      <p:sp>
-        <p:nvSpPr>
-          <p:cNvPr id="4" name="Espace réservé du numéro de diapositive 3">
-            <a:extLst>
-              <a:ext uri="{FF2B5EF4-FFF2-40B4-BE49-F238E27FC236}">
-                <a16:creationId xmlns:a16="http://schemas.microsoft.com/office/drawing/2014/main" id="{A045C035-E109-4A11-8171-0F4A17F51698}"/>
-              </a:ext>
-            </a:extLst>
-          </p:cNvPr>
-          <p:cNvSpPr>
-            <a:spLocks noGrp="1"/>
-          </p:cNvSpPr>
-          <p:nvPr>
-            <p:ph type="sldNum" sz="quarter" idx="12"/>
-          </p:nvPr>
-        </p:nvSpPr>
-        <p:spPr/>
-        <p:txBody>
-          <a:bodyPr/>
-          <a:lstStyle/>
-          <a:p>
-            <a:fld id="{C4488D40-6A2B-42CD-9565-99D41B29C2DA}" type="slidenum">
-              <a:rPr lang="fr-FR" smtClean="0"/>
-              <a:t>29</a:t>
-            </a:fld>
-            <a:endParaRPr lang="fr-FR"/>
-          </a:p>
-        </p:txBody>
-      </p:sp>
-    </p:spTree>
-    <p:extLst>
-      <p:ext uri="{BB962C8B-B14F-4D97-AF65-F5344CB8AC3E}">
-        <p14:creationId xmlns:p14="http://schemas.microsoft.com/office/powerpoint/2010/main" val="2544361955"/>
-      </p:ext>
-    </p:extLst>
-  </p:cSld>
-  <p:clrMapOvr>
-    <a:masterClrMapping/>
-  </p:clrMapOvr>
-</p:sld>
-</file>
-
 <file path=ppt/slides/slide3.xml><?xml version="1.0" encoding="utf-8"?>
 <p:sld xmlns:a="http://schemas.openxmlformats.org/drawingml/2006/main" xmlns:r="http://schemas.openxmlformats.org/officeDocument/2006/relationships" xmlns:p="http://schemas.openxmlformats.org/presentationml/2006/main">
   <p:cSld>
@@ -17568,6 +17133,588 @@
           <p:cNvPr id="2" name="Titre 1">
             <a:extLst>
               <a:ext uri="{FF2B5EF4-FFF2-40B4-BE49-F238E27FC236}">
+                <a16:creationId xmlns:a16="http://schemas.microsoft.com/office/drawing/2014/main" id="{679BB4DD-89C3-4AA0-9FE3-8178E8F0151B}"/>
+              </a:ext>
+            </a:extLst>
+          </p:cNvPr>
+          <p:cNvSpPr>
+            <a:spLocks noGrp="1"/>
+          </p:cNvSpPr>
+          <p:nvPr>
+            <p:ph type="title"/>
+          </p:nvPr>
+        </p:nvSpPr>
+        <p:spPr/>
+        <p:txBody>
+          <a:bodyPr/>
+          <a:lstStyle/>
+          <a:p>
+            <a:r>
+              <a:rPr lang="fr-FR" sz="4000" b="1" kern="1200" dirty="0">
+                <a:solidFill>
+                  <a:srgbClr val="FEFEFE"/>
+                </a:solidFill>
+                <a:effectLst/>
+                <a:latin typeface="+mj-lt"/>
+                <a:ea typeface="+mj-ea"/>
+                <a:cs typeface="+mj-cs"/>
+              </a:rPr>
+              <a:t>Accessibilité</a:t>
+            </a:r>
+            <a:endParaRPr lang="fr-FR" dirty="0"/>
+          </a:p>
+        </p:txBody>
+      </p:sp>
+      <p:sp>
+        <p:nvSpPr>
+          <p:cNvPr id="3" name="Espace réservé du contenu 2">
+            <a:extLst>
+              <a:ext uri="{FF2B5EF4-FFF2-40B4-BE49-F238E27FC236}">
+                <a16:creationId xmlns:a16="http://schemas.microsoft.com/office/drawing/2014/main" id="{89092B86-6506-4EB6-AC7B-3D068C2DAAC2}"/>
+              </a:ext>
+            </a:extLst>
+          </p:cNvPr>
+          <p:cNvSpPr>
+            <a:spLocks noGrp="1"/>
+          </p:cNvSpPr>
+          <p:nvPr>
+            <p:ph idx="1"/>
+          </p:nvPr>
+        </p:nvSpPr>
+        <p:spPr/>
+        <p:txBody>
+          <a:bodyPr>
+            <a:normAutofit lnSpcReduction="10000"/>
+          </a:bodyPr>
+          <a:lstStyle/>
+          <a:p>
+            <a:pPr rtl="0" eaLnBrk="1" fontAlgn="auto" latinLnBrk="0" hangingPunct="1"/>
+            <a:r>
+              <a:rPr lang="en-US" sz="1800" b="0" kern="1200" dirty="0">
+                <a:solidFill>
+                  <a:schemeClr val="tx1"/>
+                </a:solidFill>
+                <a:effectLst/>
+                <a:latin typeface="+mn-lt"/>
+                <a:ea typeface="+mn-ea"/>
+                <a:cs typeface="+mn-cs"/>
+              </a:rPr>
+              <a:t>Sur </a:t>
+            </a:r>
+            <a:r>
+              <a:rPr lang="en-US" sz="1800" b="0" kern="1200" dirty="0" err="1">
+                <a:solidFill>
+                  <a:schemeClr val="tx1"/>
+                </a:solidFill>
+                <a:effectLst/>
+                <a:latin typeface="+mn-lt"/>
+                <a:ea typeface="+mn-ea"/>
+                <a:cs typeface="+mn-cs"/>
+              </a:rPr>
+              <a:t>classe</a:t>
+            </a:r>
+            <a:r>
+              <a:rPr lang="en-US" sz="1800" b="0" kern="1200" dirty="0">
+                <a:solidFill>
+                  <a:schemeClr val="tx1"/>
+                </a:solidFill>
+                <a:effectLst/>
+                <a:latin typeface="+mn-lt"/>
+                <a:ea typeface="+mn-ea"/>
+                <a:cs typeface="+mn-cs"/>
+              </a:rPr>
+              <a:t>, </a:t>
+            </a:r>
+            <a:r>
+              <a:rPr lang="en-US" sz="1800" b="0" kern="1200" dirty="0" err="1">
+                <a:solidFill>
+                  <a:schemeClr val="tx1"/>
+                </a:solidFill>
+                <a:effectLst/>
+                <a:latin typeface="+mn-lt"/>
+                <a:ea typeface="+mn-ea"/>
+                <a:cs typeface="+mn-cs"/>
+              </a:rPr>
+              <a:t>méthodes</a:t>
+            </a:r>
+            <a:r>
+              <a:rPr lang="en-US" sz="1800" b="0" kern="1200" dirty="0">
+                <a:solidFill>
+                  <a:schemeClr val="tx1"/>
+                </a:solidFill>
+                <a:effectLst/>
+                <a:latin typeface="+mn-lt"/>
+                <a:ea typeface="+mn-ea"/>
+                <a:cs typeface="+mn-cs"/>
+              </a:rPr>
+              <a:t>, champs, </a:t>
+            </a:r>
+            <a:r>
+              <a:rPr lang="en-US" sz="1800" b="0" kern="1200" dirty="0" err="1">
+                <a:solidFill>
+                  <a:schemeClr val="tx1"/>
+                </a:solidFill>
+                <a:effectLst/>
+                <a:latin typeface="+mn-lt"/>
+                <a:ea typeface="+mn-ea"/>
+                <a:cs typeface="+mn-cs"/>
+              </a:rPr>
+              <a:t>constructeurs</a:t>
+            </a:r>
+            <a:r>
+              <a:rPr lang="en-US" sz="1800" b="0" kern="1200" dirty="0">
+                <a:solidFill>
+                  <a:schemeClr val="tx1"/>
+                </a:solidFill>
+                <a:effectLst/>
+                <a:latin typeface="+mn-lt"/>
+                <a:ea typeface="+mn-ea"/>
+                <a:cs typeface="+mn-cs"/>
+              </a:rPr>
+              <a:t> etc.</a:t>
+            </a:r>
+            <a:endParaRPr lang="fr-FR" sz="1800" dirty="0">
+              <a:effectLst/>
+            </a:endParaRPr>
+          </a:p>
+          <a:p>
+            <a:pPr lvl="1" rtl="0" eaLnBrk="1" latinLnBrk="0" hangingPunct="1"/>
+            <a:r>
+              <a:rPr lang="fr-FR" sz="1600" kern="1200" dirty="0">
+                <a:solidFill>
+                  <a:schemeClr val="tx1"/>
+                </a:solidFill>
+                <a:effectLst/>
+                <a:latin typeface="+mn-lt"/>
+                <a:ea typeface="+mn-ea"/>
+                <a:cs typeface="+mn-cs"/>
+              </a:rPr>
+              <a:t>Dans bien des équipes,</a:t>
+            </a:r>
+            <a:r>
+              <a:rPr lang="fr-FR" sz="1600" kern="1200" baseline="0" dirty="0">
+                <a:solidFill>
+                  <a:schemeClr val="tx1"/>
+                </a:solidFill>
+                <a:effectLst/>
+                <a:latin typeface="+mn-lt"/>
+                <a:ea typeface="+mn-ea"/>
+                <a:cs typeface="+mn-cs"/>
+              </a:rPr>
+              <a:t> c’est une faute de ne pas mettre la bonne accessibilité</a:t>
+            </a:r>
+            <a:endParaRPr lang="fr-FR" dirty="0">
+              <a:effectLst/>
+            </a:endParaRPr>
+          </a:p>
+          <a:p>
+            <a:pPr rtl="0" eaLnBrk="1" latinLnBrk="0" hangingPunct="1"/>
+            <a:r>
+              <a:rPr lang="fr-FR" sz="1800" kern="1200" dirty="0">
+                <a:solidFill>
+                  <a:schemeClr val="tx1"/>
+                </a:solidFill>
+                <a:effectLst/>
+                <a:latin typeface="+mn-lt"/>
+                <a:ea typeface="+mn-ea"/>
+                <a:cs typeface="+mn-cs"/>
+              </a:rPr>
+              <a:t>On parle</a:t>
+            </a:r>
+            <a:r>
+              <a:rPr lang="fr-FR" sz="1800" kern="1200" baseline="0" dirty="0">
+                <a:solidFill>
+                  <a:schemeClr val="tx1"/>
+                </a:solidFill>
+                <a:effectLst/>
+                <a:latin typeface="+mn-lt"/>
+                <a:ea typeface="+mn-ea"/>
+                <a:cs typeface="+mn-cs"/>
+              </a:rPr>
+              <a:t> communément de portée (« portée de la classe », « portée de la méthode ») etc.</a:t>
+            </a:r>
+            <a:endParaRPr lang="fr-FR" dirty="0">
+              <a:effectLst/>
+            </a:endParaRPr>
+          </a:p>
+          <a:p>
+            <a:pPr rtl="0" eaLnBrk="1" latinLnBrk="0" hangingPunct="1"/>
+            <a:r>
+              <a:rPr lang="fr-FR" sz="1800" kern="1200" baseline="0" dirty="0">
+                <a:solidFill>
+                  <a:schemeClr val="tx1"/>
+                </a:solidFill>
+                <a:effectLst/>
+                <a:latin typeface="+mn-lt"/>
+                <a:ea typeface="+mn-ea"/>
+                <a:cs typeface="+mn-cs"/>
+              </a:rPr>
+              <a:t>Portée privée (par défaut)</a:t>
+            </a:r>
+            <a:endParaRPr lang="fr-FR" dirty="0">
+              <a:effectLst/>
+            </a:endParaRPr>
+          </a:p>
+          <a:p>
+            <a:pPr lvl="1" rtl="0" eaLnBrk="1" latinLnBrk="0" hangingPunct="1"/>
+            <a:r>
+              <a:rPr lang="fr-FR" sz="1600" kern="1200" baseline="0" dirty="0">
+                <a:solidFill>
+                  <a:schemeClr val="tx1"/>
+                </a:solidFill>
+                <a:effectLst/>
+                <a:latin typeface="+mn-lt"/>
+                <a:ea typeface="+mn-ea"/>
+                <a:cs typeface="+mn-cs"/>
+              </a:rPr>
+              <a:t>Mot clé « </a:t>
+            </a:r>
+            <a:r>
+              <a:rPr lang="fr-FR" sz="1600" kern="1200" baseline="0" dirty="0" err="1">
+                <a:solidFill>
+                  <a:schemeClr val="tx1"/>
+                </a:solidFill>
+                <a:effectLst/>
+                <a:latin typeface="+mn-lt"/>
+                <a:ea typeface="+mn-ea"/>
+                <a:cs typeface="+mn-cs"/>
+              </a:rPr>
+              <a:t>private</a:t>
+            </a:r>
+            <a:r>
+              <a:rPr lang="fr-FR" sz="1600" kern="1200" baseline="0" dirty="0">
+                <a:solidFill>
+                  <a:schemeClr val="tx1"/>
+                </a:solidFill>
+                <a:effectLst/>
+                <a:latin typeface="+mn-lt"/>
+                <a:ea typeface="+mn-ea"/>
+                <a:cs typeface="+mn-cs"/>
+              </a:rPr>
+              <a:t> »</a:t>
+            </a:r>
+            <a:endParaRPr lang="fr-FR" dirty="0">
+              <a:effectLst/>
+            </a:endParaRPr>
+          </a:p>
+          <a:p>
+            <a:pPr lvl="1" rtl="0" eaLnBrk="1" latinLnBrk="0" hangingPunct="1"/>
+            <a:r>
+              <a:rPr lang="fr-FR" sz="1600" kern="1200" baseline="0" dirty="0">
+                <a:solidFill>
+                  <a:schemeClr val="tx1"/>
+                </a:solidFill>
+                <a:effectLst/>
+                <a:latin typeface="+mn-lt"/>
+                <a:ea typeface="+mn-ea"/>
+                <a:cs typeface="+mn-cs"/>
+              </a:rPr>
+              <a:t>Seules les instances de la classe courante peuvent y accéder</a:t>
+            </a:r>
+            <a:endParaRPr lang="fr-FR" dirty="0">
+              <a:effectLst/>
+            </a:endParaRPr>
+          </a:p>
+          <a:p>
+            <a:pPr rtl="0" eaLnBrk="1" latinLnBrk="0" hangingPunct="1"/>
+            <a:r>
+              <a:rPr lang="fr-FR" sz="1800" kern="1200" baseline="0" dirty="0">
+                <a:solidFill>
+                  <a:schemeClr val="tx1"/>
+                </a:solidFill>
+                <a:effectLst/>
+                <a:latin typeface="+mn-lt"/>
+                <a:ea typeface="+mn-ea"/>
+                <a:cs typeface="+mn-cs"/>
+              </a:rPr>
+              <a:t>Portée publique (doit être explicite)</a:t>
+            </a:r>
+            <a:endParaRPr lang="fr-FR" dirty="0">
+              <a:effectLst/>
+            </a:endParaRPr>
+          </a:p>
+          <a:p>
+            <a:pPr lvl="1" rtl="0" eaLnBrk="1" latinLnBrk="0" hangingPunct="1"/>
+            <a:r>
+              <a:rPr lang="fr-FR" sz="1600" kern="1200" baseline="0" dirty="0">
+                <a:solidFill>
+                  <a:schemeClr val="tx1"/>
+                </a:solidFill>
+                <a:effectLst/>
+                <a:latin typeface="+mn-lt"/>
+                <a:ea typeface="+mn-ea"/>
+                <a:cs typeface="+mn-cs"/>
+              </a:rPr>
+              <a:t>Mot clé « public »</a:t>
+            </a:r>
+            <a:endParaRPr lang="fr-FR" dirty="0">
+              <a:effectLst/>
+            </a:endParaRPr>
+          </a:p>
+          <a:p>
+            <a:pPr lvl="1" rtl="0" eaLnBrk="1" latinLnBrk="0" hangingPunct="1"/>
+            <a:r>
+              <a:rPr lang="fr-FR" sz="1600" kern="1200" baseline="0" dirty="0">
+                <a:solidFill>
+                  <a:schemeClr val="tx1"/>
+                </a:solidFill>
+                <a:effectLst/>
+                <a:latin typeface="+mn-lt"/>
+                <a:ea typeface="+mn-ea"/>
+                <a:cs typeface="+mn-cs"/>
+              </a:rPr>
+              <a:t>Tout le monde peut y accéder</a:t>
+            </a:r>
+            <a:endParaRPr lang="fr-FR" dirty="0">
+              <a:effectLst/>
+            </a:endParaRPr>
+          </a:p>
+          <a:p>
+            <a:pPr rtl="0" eaLnBrk="1" latinLnBrk="0" hangingPunct="1"/>
+            <a:r>
+              <a:rPr lang="fr-FR" sz="1800" kern="1200" baseline="0" dirty="0">
+                <a:solidFill>
+                  <a:schemeClr val="tx1"/>
+                </a:solidFill>
+                <a:effectLst/>
+                <a:latin typeface="+mn-lt"/>
+                <a:ea typeface="+mn-ea"/>
+                <a:cs typeface="+mn-cs"/>
+              </a:rPr>
+              <a:t>Portée « protégée »</a:t>
+            </a:r>
+            <a:endParaRPr lang="fr-FR" dirty="0">
+              <a:effectLst/>
+            </a:endParaRPr>
+          </a:p>
+          <a:p>
+            <a:pPr lvl="1" rtl="0" eaLnBrk="1" latinLnBrk="0" hangingPunct="1"/>
+            <a:r>
+              <a:rPr lang="fr-FR" sz="1600" kern="1200" baseline="0" dirty="0">
+                <a:solidFill>
+                  <a:schemeClr val="tx1"/>
+                </a:solidFill>
+                <a:effectLst/>
+                <a:latin typeface="+mn-lt"/>
+                <a:ea typeface="+mn-ea"/>
+                <a:cs typeface="+mn-cs"/>
+              </a:rPr>
+              <a:t>Mot clé « </a:t>
+            </a:r>
+            <a:r>
+              <a:rPr lang="fr-FR" sz="1600" kern="1200" baseline="0" dirty="0" err="1">
+                <a:solidFill>
+                  <a:schemeClr val="tx1"/>
+                </a:solidFill>
+                <a:effectLst/>
+                <a:latin typeface="+mn-lt"/>
+                <a:ea typeface="+mn-ea"/>
+                <a:cs typeface="+mn-cs"/>
+              </a:rPr>
+              <a:t>protected</a:t>
+            </a:r>
+            <a:r>
+              <a:rPr lang="fr-FR" sz="1600" kern="1200" baseline="0" dirty="0">
+                <a:solidFill>
+                  <a:schemeClr val="tx1"/>
+                </a:solidFill>
+                <a:effectLst/>
+                <a:latin typeface="+mn-lt"/>
+                <a:ea typeface="+mn-ea"/>
+                <a:cs typeface="+mn-cs"/>
+              </a:rPr>
+              <a:t> »</a:t>
+            </a:r>
+            <a:endParaRPr lang="fr-FR" dirty="0">
+              <a:effectLst/>
+            </a:endParaRPr>
+          </a:p>
+          <a:p>
+            <a:pPr lvl="1" rtl="0" eaLnBrk="1" latinLnBrk="0" hangingPunct="1"/>
+            <a:r>
+              <a:rPr lang="fr-FR" sz="1600" kern="1200" baseline="0" dirty="0">
+                <a:solidFill>
+                  <a:schemeClr val="tx1"/>
+                </a:solidFill>
+                <a:effectLst/>
+                <a:latin typeface="+mn-lt"/>
+                <a:ea typeface="+mn-ea"/>
+                <a:cs typeface="+mn-cs"/>
+              </a:rPr>
+              <a:t>Seules les instances de la classe courante ainsi que ses héritages peuvent y accéder</a:t>
+            </a:r>
+            <a:endParaRPr lang="fr-FR" dirty="0">
+              <a:effectLst/>
+            </a:endParaRPr>
+          </a:p>
+          <a:p>
+            <a:pPr rtl="0" eaLnBrk="1" latinLnBrk="0" hangingPunct="1"/>
+            <a:r>
+              <a:rPr lang="fr-FR" sz="1800" kern="1200" baseline="0" dirty="0">
+                <a:solidFill>
+                  <a:schemeClr val="tx1"/>
+                </a:solidFill>
+                <a:effectLst/>
+                <a:latin typeface="+mn-lt"/>
+                <a:ea typeface="+mn-ea"/>
+                <a:cs typeface="+mn-cs"/>
+              </a:rPr>
+              <a:t>Portée « interne »</a:t>
+            </a:r>
+            <a:endParaRPr lang="fr-FR" dirty="0">
+              <a:effectLst/>
+            </a:endParaRPr>
+          </a:p>
+          <a:p>
+            <a:pPr lvl="1" rtl="0" eaLnBrk="1" latinLnBrk="0" hangingPunct="1"/>
+            <a:r>
+              <a:rPr lang="fr-FR" sz="1600" kern="1200" baseline="0" dirty="0">
+                <a:solidFill>
+                  <a:schemeClr val="tx1"/>
+                </a:solidFill>
+                <a:effectLst/>
+                <a:latin typeface="+mn-lt"/>
+                <a:ea typeface="+mn-ea"/>
+                <a:cs typeface="+mn-cs"/>
+              </a:rPr>
+              <a:t>Mot clé « </a:t>
+            </a:r>
+            <a:r>
+              <a:rPr lang="fr-FR" sz="1600" kern="1200" baseline="0" dirty="0" err="1">
+                <a:solidFill>
+                  <a:schemeClr val="tx1"/>
+                </a:solidFill>
+                <a:effectLst/>
+                <a:latin typeface="+mn-lt"/>
+                <a:ea typeface="+mn-ea"/>
+                <a:cs typeface="+mn-cs"/>
+              </a:rPr>
+              <a:t>internal</a:t>
+            </a:r>
+            <a:r>
+              <a:rPr lang="fr-FR" sz="1600" kern="1200" baseline="0" dirty="0">
+                <a:solidFill>
+                  <a:schemeClr val="tx1"/>
+                </a:solidFill>
+                <a:effectLst/>
+                <a:latin typeface="+mn-lt"/>
+                <a:ea typeface="+mn-ea"/>
+                <a:cs typeface="+mn-cs"/>
+              </a:rPr>
+              <a:t> »</a:t>
+            </a:r>
+            <a:endParaRPr lang="fr-FR" dirty="0">
+              <a:effectLst/>
+            </a:endParaRPr>
+          </a:p>
+          <a:p>
+            <a:pPr lvl="1" rtl="0" eaLnBrk="1" latinLnBrk="0" hangingPunct="1"/>
+            <a:r>
+              <a:rPr lang="fr-FR" sz="1600" kern="1200" baseline="0" dirty="0">
+                <a:solidFill>
+                  <a:schemeClr val="tx1"/>
+                </a:solidFill>
+                <a:effectLst/>
+                <a:latin typeface="+mn-lt"/>
+                <a:ea typeface="+mn-ea"/>
+                <a:cs typeface="+mn-cs"/>
+              </a:rPr>
+              <a:t>Classe/méthodes publiques dans l’</a:t>
+            </a:r>
+            <a:r>
+              <a:rPr lang="fr-FR" sz="1600" kern="1200" baseline="0" dirty="0" err="1">
+                <a:solidFill>
+                  <a:schemeClr val="tx1"/>
+                </a:solidFill>
+                <a:effectLst/>
+                <a:latin typeface="+mn-lt"/>
+                <a:ea typeface="+mn-ea"/>
+                <a:cs typeface="+mn-cs"/>
+              </a:rPr>
+              <a:t>Assembly</a:t>
+            </a:r>
+            <a:r>
+              <a:rPr lang="fr-FR" sz="1600" kern="1200" baseline="0" dirty="0">
+                <a:solidFill>
+                  <a:schemeClr val="tx1"/>
+                </a:solidFill>
+                <a:effectLst/>
+                <a:latin typeface="+mn-lt"/>
+                <a:ea typeface="+mn-ea"/>
+                <a:cs typeface="+mn-cs"/>
+              </a:rPr>
+              <a:t> courante, privée en dehors</a:t>
+            </a:r>
+            <a:endParaRPr lang="fr-FR" dirty="0">
+              <a:effectLst/>
+            </a:endParaRPr>
+          </a:p>
+        </p:txBody>
+      </p:sp>
+      <p:sp>
+        <p:nvSpPr>
+          <p:cNvPr id="4" name="Espace réservé du numéro de diapositive 3">
+            <a:extLst>
+              <a:ext uri="{FF2B5EF4-FFF2-40B4-BE49-F238E27FC236}">
+                <a16:creationId xmlns:a16="http://schemas.microsoft.com/office/drawing/2014/main" id="{A045C035-E109-4A11-8171-0F4A17F51698}"/>
+              </a:ext>
+            </a:extLst>
+          </p:cNvPr>
+          <p:cNvSpPr>
+            <a:spLocks noGrp="1"/>
+          </p:cNvSpPr>
+          <p:nvPr>
+            <p:ph type="sldNum" sz="quarter" idx="12"/>
+          </p:nvPr>
+        </p:nvSpPr>
+        <p:spPr/>
+        <p:txBody>
+          <a:bodyPr/>
+          <a:lstStyle/>
+          <a:p>
+            <a:fld id="{C4488D40-6A2B-42CD-9565-99D41B29C2DA}" type="slidenum">
+              <a:rPr lang="fr-FR" smtClean="0"/>
+              <a:t>30</a:t>
+            </a:fld>
+            <a:endParaRPr lang="fr-FR"/>
+          </a:p>
+        </p:txBody>
+      </p:sp>
+    </p:spTree>
+    <p:extLst>
+      <p:ext uri="{BB962C8B-B14F-4D97-AF65-F5344CB8AC3E}">
+        <p14:creationId xmlns:p14="http://schemas.microsoft.com/office/powerpoint/2010/main" val="2544361955"/>
+      </p:ext>
+    </p:extLst>
+  </p:cSld>
+  <p:clrMapOvr>
+    <a:masterClrMapping/>
+  </p:clrMapOvr>
+</p:sld>
+</file>
+
+<file path=ppt/slides/slide31.xml><?xml version="1.0" encoding="utf-8"?>
+<p:sld xmlns:a="http://schemas.openxmlformats.org/drawingml/2006/main" xmlns:r="http://schemas.openxmlformats.org/officeDocument/2006/relationships" xmlns:p="http://schemas.openxmlformats.org/presentationml/2006/main">
+  <p:cSld>
+    <p:spTree>
+      <p:nvGrpSpPr>
+        <p:cNvPr id="1" name=""/>
+        <p:cNvGrpSpPr/>
+        <p:nvPr/>
+      </p:nvGrpSpPr>
+      <p:grpSpPr>
+        <a:xfrm>
+          <a:off x="0" y="0"/>
+          <a:ext cx="0" cy="0"/>
+          <a:chOff x="0" y="0"/>
+          <a:chExt cx="0" cy="0"/>
+        </a:xfrm>
+      </p:grpSpPr>
+      <p:sp>
+        <p:nvSpPr>
+          <p:cNvPr id="2" name="Titre 1">
+            <a:extLst>
+              <a:ext uri="{FF2B5EF4-FFF2-40B4-BE49-F238E27FC236}">
                 <a16:creationId xmlns:a16="http://schemas.microsoft.com/office/drawing/2014/main" id="{B70F6BBB-0AAF-40D2-A936-A2DE713559FD}"/>
               </a:ext>
             </a:extLst>
@@ -17774,7 +17921,7 @@
           <a:p>
             <a:fld id="{C4488D40-6A2B-42CD-9565-99D41B29C2DA}" type="slidenum">
               <a:rPr lang="fr-FR" smtClean="0"/>
-              <a:t>30</a:t>
+              <a:t>31</a:t>
             </a:fld>
             <a:endParaRPr lang="fr-FR"/>
           </a:p>
@@ -17793,7 +17940,7 @@
 </p:sld>
 </file>
 
-<file path=ppt/slides/slide31.xml><?xml version="1.0" encoding="utf-8"?>
+<file path=ppt/slides/slide32.xml><?xml version="1.0" encoding="utf-8"?>
 <p:sld xmlns:a="http://schemas.openxmlformats.org/drawingml/2006/main" xmlns:r="http://schemas.openxmlformats.org/officeDocument/2006/relationships" xmlns:p="http://schemas.openxmlformats.org/presentationml/2006/main">
   <p:cSld>
     <p:spTree>
@@ -17895,7 +18042,7 @@
           <a:p>
             <a:fld id="{C4488D40-6A2B-42CD-9565-99D41B29C2DA}" type="slidenum">
               <a:rPr lang="fr-FR" smtClean="0"/>
-              <a:t>31</a:t>
+              <a:t>32</a:t>
             </a:fld>
             <a:endParaRPr lang="fr-FR"/>
           </a:p>
@@ -18267,7 +18414,7 @@
 </p:sld>
 </file>
 
-<file path=ppt/slides/slide32.xml><?xml version="1.0" encoding="utf-8"?>
+<file path=ppt/slides/slide33.xml><?xml version="1.0" encoding="utf-8"?>
 <p:sld xmlns:a="http://schemas.openxmlformats.org/drawingml/2006/main" xmlns:r="http://schemas.openxmlformats.org/officeDocument/2006/relationships" xmlns:p="http://schemas.openxmlformats.org/presentationml/2006/main">
   <p:cSld>
     <p:spTree>
@@ -18552,7 +18699,7 @@
           <a:p>
             <a:fld id="{C4488D40-6A2B-42CD-9565-99D41B29C2DA}" type="slidenum">
               <a:rPr lang="fr-FR" smtClean="0"/>
-              <a:t>32</a:t>
+              <a:t>33</a:t>
             </a:fld>
             <a:endParaRPr lang="fr-FR"/>
           </a:p>
@@ -18600,7 +18747,7 @@
 </p:sld>
 </file>
 
-<file path=ppt/slides/slide33.xml><?xml version="1.0" encoding="utf-8"?>
+<file path=ppt/slides/slide34.xml><?xml version="1.0" encoding="utf-8"?>
 <p:sld xmlns:a="http://schemas.openxmlformats.org/drawingml/2006/main" xmlns:r="http://schemas.openxmlformats.org/officeDocument/2006/relationships" xmlns:p="http://schemas.openxmlformats.org/presentationml/2006/main">
   <p:cSld>
     <p:spTree>
@@ -18693,7 +18840,7 @@
           <a:p>
             <a:fld id="{C4488D40-6A2B-42CD-9565-99D41B29C2DA}" type="slidenum">
               <a:rPr lang="fr-FR" smtClean="0"/>
-              <a:t>33</a:t>
+              <a:t>34</a:t>
             </a:fld>
             <a:endParaRPr lang="fr-FR"/>
           </a:p>
@@ -18703,6 +18850,1958 @@
     <p:extLst>
       <p:ext uri="{BB962C8B-B14F-4D97-AF65-F5344CB8AC3E}">
         <p14:creationId xmlns:p14="http://schemas.microsoft.com/office/powerpoint/2010/main" val="129963837"/>
+      </p:ext>
+    </p:extLst>
+  </p:cSld>
+  <p:clrMapOvr>
+    <a:masterClrMapping/>
+  </p:clrMapOvr>
+</p:sld>
+</file>
+
+<file path=ppt/slides/slide35.xml><?xml version="1.0" encoding="utf-8"?>
+<p:sld xmlns:a="http://schemas.openxmlformats.org/drawingml/2006/main" xmlns:r="http://schemas.openxmlformats.org/officeDocument/2006/relationships" xmlns:p="http://schemas.openxmlformats.org/presentationml/2006/main">
+  <p:cSld>
+    <p:spTree>
+      <p:nvGrpSpPr>
+        <p:cNvPr id="1" name=""/>
+        <p:cNvGrpSpPr/>
+        <p:nvPr/>
+      </p:nvGrpSpPr>
+      <p:grpSpPr>
+        <a:xfrm>
+          <a:off x="0" y="0"/>
+          <a:ext cx="0" cy="0"/>
+          <a:chOff x="0" y="0"/>
+          <a:chExt cx="0" cy="0"/>
+        </a:xfrm>
+      </p:grpSpPr>
+      <p:sp>
+        <p:nvSpPr>
+          <p:cNvPr id="2" name="Titre 1">
+            <a:extLst>
+              <a:ext uri="{FF2B5EF4-FFF2-40B4-BE49-F238E27FC236}">
+                <a16:creationId xmlns:a16="http://schemas.microsoft.com/office/drawing/2014/main" id="{9FEDBC61-72D3-48AF-9AD5-7AC12A1914F1}"/>
+              </a:ext>
+            </a:extLst>
+          </p:cNvPr>
+          <p:cNvSpPr>
+            <a:spLocks noGrp="1"/>
+          </p:cNvSpPr>
+          <p:nvPr>
+            <p:ph type="title"/>
+          </p:nvPr>
+        </p:nvSpPr>
+        <p:spPr/>
+        <p:txBody>
+          <a:bodyPr/>
+          <a:lstStyle/>
+          <a:p>
+            <a:r>
+              <a:rPr lang="fr-FR" dirty="0"/>
+              <a:t>Tableaux</a:t>
+            </a:r>
+          </a:p>
+        </p:txBody>
+      </p:sp>
+      <p:sp>
+        <p:nvSpPr>
+          <p:cNvPr id="3" name="Espace réservé du contenu 2">
+            <a:extLst>
+              <a:ext uri="{FF2B5EF4-FFF2-40B4-BE49-F238E27FC236}">
+                <a16:creationId xmlns:a16="http://schemas.microsoft.com/office/drawing/2014/main" id="{137CE9B6-D85E-45D3-A60D-8E1F3B66BA18}"/>
+              </a:ext>
+            </a:extLst>
+          </p:cNvPr>
+          <p:cNvSpPr>
+            <a:spLocks noGrp="1"/>
+          </p:cNvSpPr>
+          <p:nvPr>
+            <p:ph idx="1"/>
+          </p:nvPr>
+        </p:nvSpPr>
+        <p:spPr/>
+        <p:txBody>
+          <a:bodyPr/>
+          <a:lstStyle/>
+          <a:p>
+            <a:pPr marL="342900" marR="0" lvl="0" indent="-342900" algn="l" defTabSz="457200" rtl="0" eaLnBrk="1" fontAlgn="auto" latinLnBrk="0" hangingPunct="1">
+              <a:lnSpc>
+                <a:spcPct val="100000"/>
+              </a:lnSpc>
+              <a:spcBef>
+                <a:spcPct val="20000"/>
+              </a:spcBef>
+              <a:spcAft>
+                <a:spcPts val="600"/>
+              </a:spcAft>
+              <a:buClr>
+                <a:schemeClr val="accent1"/>
+              </a:buClr>
+              <a:buSzTx/>
+              <a:buFont typeface="Wingdings 2" charset="2"/>
+              <a:buChar char=""/>
+              <a:tabLst/>
+              <a:defRPr/>
+            </a:pPr>
+            <a:r>
+              <a:rPr lang="fr-FR" sz="1800" kern="1200" dirty="0">
+                <a:solidFill>
+                  <a:schemeClr val="tx1"/>
+                </a:solidFill>
+                <a:effectLst/>
+                <a:latin typeface="+mn-lt"/>
+                <a:ea typeface="+mn-ea"/>
+                <a:cs typeface="+mn-cs"/>
+              </a:rPr>
+              <a:t>Les tableaux ont une longueur fixe qui doit être spécifiée lors de l’affectation</a:t>
+            </a:r>
+          </a:p>
+          <a:p>
+            <a:pPr marL="342900" marR="0" lvl="0" indent="-342900" algn="l" defTabSz="457200" rtl="0" eaLnBrk="1" fontAlgn="auto" latinLnBrk="0" hangingPunct="1">
+              <a:lnSpc>
+                <a:spcPct val="100000"/>
+              </a:lnSpc>
+              <a:spcBef>
+                <a:spcPct val="20000"/>
+              </a:spcBef>
+              <a:spcAft>
+                <a:spcPts val="600"/>
+              </a:spcAft>
+              <a:buClr>
+                <a:schemeClr val="accent1"/>
+              </a:buClr>
+              <a:buSzTx/>
+              <a:buFont typeface="Wingdings 2" charset="2"/>
+              <a:buChar char=""/>
+              <a:tabLst/>
+              <a:defRPr/>
+            </a:pPr>
+            <a:endParaRPr lang="fr-FR" sz="1800" kern="1200" dirty="0">
+              <a:solidFill>
+                <a:schemeClr val="tx1"/>
+              </a:solidFill>
+              <a:effectLst/>
+              <a:latin typeface="+mn-lt"/>
+              <a:ea typeface="+mn-ea"/>
+              <a:cs typeface="+mn-cs"/>
+            </a:endParaRPr>
+          </a:p>
+          <a:p>
+            <a:pPr marL="342900" marR="0" lvl="0" indent="-342900" algn="l" defTabSz="457200" rtl="0" eaLnBrk="1" fontAlgn="auto" latinLnBrk="0" hangingPunct="1">
+              <a:lnSpc>
+                <a:spcPct val="100000"/>
+              </a:lnSpc>
+              <a:spcBef>
+                <a:spcPct val="20000"/>
+              </a:spcBef>
+              <a:spcAft>
+                <a:spcPts val="600"/>
+              </a:spcAft>
+              <a:buClr>
+                <a:schemeClr val="accent1"/>
+              </a:buClr>
+              <a:buSzTx/>
+              <a:buFont typeface="Wingdings 2" charset="2"/>
+              <a:buChar char=""/>
+              <a:tabLst/>
+              <a:defRPr/>
+            </a:pPr>
+            <a:endParaRPr lang="fr-FR" sz="1800" kern="1200" dirty="0">
+              <a:solidFill>
+                <a:schemeClr val="tx1"/>
+              </a:solidFill>
+              <a:effectLst/>
+              <a:latin typeface="+mn-lt"/>
+              <a:ea typeface="+mn-ea"/>
+              <a:cs typeface="+mn-cs"/>
+            </a:endParaRPr>
+          </a:p>
+          <a:p>
+            <a:pPr marL="342900" marR="0" lvl="0" indent="-342900" algn="l" defTabSz="457200" rtl="0" eaLnBrk="1" fontAlgn="auto" latinLnBrk="0" hangingPunct="1">
+              <a:lnSpc>
+                <a:spcPct val="100000"/>
+              </a:lnSpc>
+              <a:spcBef>
+                <a:spcPct val="20000"/>
+              </a:spcBef>
+              <a:spcAft>
+                <a:spcPts val="600"/>
+              </a:spcAft>
+              <a:buClr>
+                <a:schemeClr val="accent1"/>
+              </a:buClr>
+              <a:buSzTx/>
+              <a:buFont typeface="Wingdings 2" charset="2"/>
+              <a:buChar char=""/>
+              <a:tabLst/>
+              <a:defRPr/>
+            </a:pPr>
+            <a:endParaRPr lang="fr-FR" sz="1800" dirty="0">
+              <a:effectLst/>
+            </a:endParaRPr>
+          </a:p>
+          <a:p>
+            <a:pPr marL="342900" marR="0" lvl="0" indent="-342900" algn="l" defTabSz="457200" rtl="0" eaLnBrk="1" fontAlgn="auto" latinLnBrk="0" hangingPunct="1">
+              <a:lnSpc>
+                <a:spcPct val="100000"/>
+              </a:lnSpc>
+              <a:spcBef>
+                <a:spcPct val="20000"/>
+              </a:spcBef>
+              <a:spcAft>
+                <a:spcPts val="600"/>
+              </a:spcAft>
+              <a:buClr>
+                <a:schemeClr val="accent1"/>
+              </a:buClr>
+              <a:buSzTx/>
+              <a:buFont typeface="Wingdings 2" charset="2"/>
+              <a:buChar char=""/>
+              <a:tabLst/>
+              <a:defRPr/>
+            </a:pPr>
+            <a:r>
+              <a:rPr lang="fr-FR" sz="1800" kern="1200" dirty="0">
+                <a:solidFill>
+                  <a:schemeClr val="tx1"/>
+                </a:solidFill>
+                <a:effectLst/>
+                <a:latin typeface="+mn-lt"/>
+                <a:ea typeface="+mn-ea"/>
+                <a:cs typeface="+mn-cs"/>
+              </a:rPr>
+              <a:t>Peuvent être multidimensionnels</a:t>
+            </a:r>
+          </a:p>
+          <a:p>
+            <a:pPr marL="342900" marR="0" lvl="0" indent="-342900" algn="l" defTabSz="457200" rtl="0" eaLnBrk="1" fontAlgn="auto" latinLnBrk="0" hangingPunct="1">
+              <a:lnSpc>
+                <a:spcPct val="100000"/>
+              </a:lnSpc>
+              <a:spcBef>
+                <a:spcPct val="20000"/>
+              </a:spcBef>
+              <a:spcAft>
+                <a:spcPts val="600"/>
+              </a:spcAft>
+              <a:buClr>
+                <a:schemeClr val="accent1"/>
+              </a:buClr>
+              <a:buSzTx/>
+              <a:buFont typeface="Wingdings 2" charset="2"/>
+              <a:buChar char=""/>
+              <a:tabLst/>
+              <a:defRPr/>
+            </a:pPr>
+            <a:endParaRPr lang="fr-FR" sz="1800" dirty="0">
+              <a:effectLst/>
+            </a:endParaRPr>
+          </a:p>
+          <a:p>
+            <a:pPr marL="342900" marR="0" lvl="0" indent="-342900" algn="l" defTabSz="457200" rtl="0" eaLnBrk="1" fontAlgn="auto" latinLnBrk="0" hangingPunct="1">
+              <a:lnSpc>
+                <a:spcPct val="100000"/>
+              </a:lnSpc>
+              <a:spcBef>
+                <a:spcPct val="20000"/>
+              </a:spcBef>
+              <a:spcAft>
+                <a:spcPts val="600"/>
+              </a:spcAft>
+              <a:buClr>
+                <a:schemeClr val="accent1"/>
+              </a:buClr>
+              <a:buSzTx/>
+              <a:buFont typeface="Wingdings 2" charset="2"/>
+              <a:buChar char=""/>
+              <a:tabLst/>
+              <a:defRPr/>
+            </a:pPr>
+            <a:r>
+              <a:rPr lang="fr-FR" sz="1800" kern="1200" dirty="0">
+                <a:solidFill>
+                  <a:schemeClr val="tx1"/>
+                </a:solidFill>
+                <a:effectLst/>
+                <a:latin typeface="+mn-lt"/>
+                <a:ea typeface="+mn-ea"/>
+                <a:cs typeface="+mn-cs"/>
+              </a:rPr>
+              <a:t>On accède aux cellules du tableau par index</a:t>
+            </a:r>
+          </a:p>
+          <a:p>
+            <a:pPr marL="342900" marR="0" lvl="0" indent="-342900" algn="l" defTabSz="457200" rtl="0" eaLnBrk="1" fontAlgn="auto" latinLnBrk="0" hangingPunct="1">
+              <a:lnSpc>
+                <a:spcPct val="100000"/>
+              </a:lnSpc>
+              <a:spcBef>
+                <a:spcPct val="20000"/>
+              </a:spcBef>
+              <a:spcAft>
+                <a:spcPts val="600"/>
+              </a:spcAft>
+              <a:buClr>
+                <a:schemeClr val="accent1"/>
+              </a:buClr>
+              <a:buSzTx/>
+              <a:buFont typeface="Wingdings 2" charset="2"/>
+              <a:buChar char=""/>
+              <a:tabLst/>
+              <a:defRPr/>
+            </a:pPr>
+            <a:endParaRPr lang="fr-FR" sz="1800" dirty="0">
+              <a:effectLst/>
+            </a:endParaRPr>
+          </a:p>
+          <a:p>
+            <a:pPr rtl="0" eaLnBrk="1" latinLnBrk="0" hangingPunct="1"/>
+            <a:r>
+              <a:rPr lang="fr-FR" sz="1800" kern="1200" dirty="0">
+                <a:solidFill>
+                  <a:schemeClr val="tx1"/>
+                </a:solidFill>
+                <a:effectLst/>
+                <a:latin typeface="+mn-lt"/>
+                <a:ea typeface="+mn-ea"/>
+                <a:cs typeface="+mn-cs"/>
+              </a:rPr>
+              <a:t>On ne peut modifier la longueur d’un tableau. On ne peut que modifier le contenu des cellules !</a:t>
+            </a:r>
+            <a:endParaRPr lang="fr-FR" sz="1800" dirty="0">
+              <a:effectLst/>
+            </a:endParaRPr>
+          </a:p>
+          <a:p>
+            <a:pPr lvl="1" rtl="0" eaLnBrk="1" latinLnBrk="0" hangingPunct="1"/>
+            <a:r>
+              <a:rPr lang="fr-FR" sz="1600" kern="1200" dirty="0">
+                <a:solidFill>
+                  <a:schemeClr val="tx1"/>
+                </a:solidFill>
+                <a:effectLst/>
+                <a:latin typeface="+mn-lt"/>
+                <a:ea typeface="+mn-ea"/>
+                <a:cs typeface="+mn-cs"/>
+              </a:rPr>
+              <a:t>Toute opération pour ajouter/supprimer</a:t>
+            </a:r>
+            <a:r>
+              <a:rPr lang="fr-FR" sz="1600" kern="1200" baseline="0" dirty="0">
+                <a:solidFill>
+                  <a:schemeClr val="tx1"/>
+                </a:solidFill>
+                <a:effectLst/>
+                <a:latin typeface="+mn-lt"/>
+                <a:ea typeface="+mn-ea"/>
+                <a:cs typeface="+mn-cs"/>
+              </a:rPr>
+              <a:t> une cellule doit passer par une copie du tableau</a:t>
+            </a:r>
+            <a:endParaRPr lang="fr-FR" dirty="0">
+              <a:effectLst/>
+            </a:endParaRPr>
+          </a:p>
+          <a:p>
+            <a:pPr rtl="0" eaLnBrk="1" latinLnBrk="0" hangingPunct="1"/>
+            <a:r>
+              <a:rPr lang="fr-FR" sz="1800" kern="1200" baseline="0" dirty="0">
+                <a:solidFill>
+                  <a:schemeClr val="tx1"/>
+                </a:solidFill>
+                <a:effectLst/>
+                <a:latin typeface="+mn-lt"/>
+                <a:ea typeface="+mn-ea"/>
+                <a:cs typeface="+mn-cs"/>
+              </a:rPr>
+              <a:t>La taille du tableau est accessible via </a:t>
+            </a:r>
+            <a:r>
+              <a:rPr lang="fr-FR" sz="1800" kern="1200" baseline="0" dirty="0" err="1">
+                <a:solidFill>
+                  <a:schemeClr val="tx1"/>
+                </a:solidFill>
+                <a:effectLst/>
+                <a:latin typeface="+mn-lt"/>
+                <a:ea typeface="+mn-ea"/>
+                <a:cs typeface="+mn-cs"/>
+              </a:rPr>
+              <a:t>Length</a:t>
+            </a:r>
+            <a:endParaRPr lang="fr-FR" sz="1800" kern="1200" baseline="0" dirty="0">
+              <a:solidFill>
+                <a:schemeClr val="tx1"/>
+              </a:solidFill>
+              <a:effectLst/>
+              <a:latin typeface="+mn-lt"/>
+              <a:ea typeface="+mn-ea"/>
+              <a:cs typeface="+mn-cs"/>
+            </a:endParaRPr>
+          </a:p>
+        </p:txBody>
+      </p:sp>
+      <p:sp>
+        <p:nvSpPr>
+          <p:cNvPr id="4" name="Espace réservé du numéro de diapositive 3">
+            <a:extLst>
+              <a:ext uri="{FF2B5EF4-FFF2-40B4-BE49-F238E27FC236}">
+                <a16:creationId xmlns:a16="http://schemas.microsoft.com/office/drawing/2014/main" id="{E80E5463-7666-4274-9EBF-5608885582F4}"/>
+              </a:ext>
+            </a:extLst>
+          </p:cNvPr>
+          <p:cNvSpPr>
+            <a:spLocks noGrp="1"/>
+          </p:cNvSpPr>
+          <p:nvPr>
+            <p:ph type="sldNum" sz="quarter" idx="12"/>
+          </p:nvPr>
+        </p:nvSpPr>
+        <p:spPr/>
+        <p:txBody>
+          <a:bodyPr/>
+          <a:lstStyle/>
+          <a:p>
+            <a:fld id="{C4488D40-6A2B-42CD-9565-99D41B29C2DA}" type="slidenum">
+              <a:rPr lang="fr-FR" smtClean="0"/>
+              <a:t>35</a:t>
+            </a:fld>
+            <a:endParaRPr lang="fr-FR"/>
+          </a:p>
+        </p:txBody>
+      </p:sp>
+      <p:pic>
+        <p:nvPicPr>
+          <p:cNvPr id="5" name="Image 4">
+            <a:extLst>
+              <a:ext uri="{FF2B5EF4-FFF2-40B4-BE49-F238E27FC236}">
+                <a16:creationId xmlns:a16="http://schemas.microsoft.com/office/drawing/2014/main" id="{5CEF07FC-336E-43AD-9F8F-C599E0768729}"/>
+              </a:ext>
+            </a:extLst>
+          </p:cNvPr>
+          <p:cNvPicPr>
+            <a:picLocks noChangeAspect="1"/>
+          </p:cNvPicPr>
+          <p:nvPr/>
+        </p:nvPicPr>
+        <p:blipFill>
+          <a:blip r:embed="rId2">
+            <a:extLst>
+              <a:ext uri="{28A0092B-C50C-407E-A947-70E740481C1C}">
+                <a14:useLocalDpi xmlns:a14="http://schemas.microsoft.com/office/drawing/2010/main" val="0"/>
+              </a:ext>
+            </a:extLst>
+          </a:blip>
+          <a:stretch>
+            <a:fillRect/>
+          </a:stretch>
+        </p:blipFill>
+        <p:spPr>
+          <a:xfrm>
+            <a:off x="927897" y="1380288"/>
+            <a:ext cx="10336204" cy="1280928"/>
+          </a:xfrm>
+          <a:prstGeom prst="rect">
+            <a:avLst/>
+          </a:prstGeom>
+        </p:spPr>
+      </p:pic>
+      <p:pic>
+        <p:nvPicPr>
+          <p:cNvPr id="6" name="Image 5">
+            <a:extLst>
+              <a:ext uri="{FF2B5EF4-FFF2-40B4-BE49-F238E27FC236}">
+                <a16:creationId xmlns:a16="http://schemas.microsoft.com/office/drawing/2014/main" id="{CAE3267C-170C-464C-95D6-3FC4F3769402}"/>
+              </a:ext>
+            </a:extLst>
+          </p:cNvPr>
+          <p:cNvPicPr>
+            <a:picLocks noChangeAspect="1"/>
+          </p:cNvPicPr>
+          <p:nvPr/>
+        </p:nvPicPr>
+        <p:blipFill>
+          <a:blip r:embed="rId3"/>
+          <a:stretch>
+            <a:fillRect/>
+          </a:stretch>
+        </p:blipFill>
+        <p:spPr>
+          <a:xfrm>
+            <a:off x="2122929" y="2948176"/>
+            <a:ext cx="7946140" cy="245757"/>
+          </a:xfrm>
+          <a:prstGeom prst="rect">
+            <a:avLst/>
+          </a:prstGeom>
+        </p:spPr>
+      </p:pic>
+      <p:pic>
+        <p:nvPicPr>
+          <p:cNvPr id="7" name="Image 6">
+            <a:extLst>
+              <a:ext uri="{FF2B5EF4-FFF2-40B4-BE49-F238E27FC236}">
+                <a16:creationId xmlns:a16="http://schemas.microsoft.com/office/drawing/2014/main" id="{06A3BBE9-B79B-4C7A-BA7D-956128C435CF}"/>
+              </a:ext>
+            </a:extLst>
+          </p:cNvPr>
+          <p:cNvPicPr>
+            <a:picLocks noChangeAspect="1"/>
+          </p:cNvPicPr>
+          <p:nvPr/>
+        </p:nvPicPr>
+        <p:blipFill>
+          <a:blip r:embed="rId4"/>
+          <a:stretch>
+            <a:fillRect/>
+          </a:stretch>
+        </p:blipFill>
+        <p:spPr>
+          <a:xfrm>
+            <a:off x="1719476" y="3731094"/>
+            <a:ext cx="8753046" cy="570122"/>
+          </a:xfrm>
+          <a:prstGeom prst="rect">
+            <a:avLst/>
+          </a:prstGeom>
+        </p:spPr>
+      </p:pic>
+      <p:pic>
+        <p:nvPicPr>
+          <p:cNvPr id="8" name="Image 7">
+            <a:extLst>
+              <a:ext uri="{FF2B5EF4-FFF2-40B4-BE49-F238E27FC236}">
+                <a16:creationId xmlns:a16="http://schemas.microsoft.com/office/drawing/2014/main" id="{350BF5FF-D17F-4D10-96BB-8459FAD332FE}"/>
+              </a:ext>
+            </a:extLst>
+          </p:cNvPr>
+          <p:cNvPicPr>
+            <a:picLocks noChangeAspect="1"/>
+          </p:cNvPicPr>
+          <p:nvPr/>
+        </p:nvPicPr>
+        <p:blipFill>
+          <a:blip r:embed="rId5"/>
+          <a:stretch>
+            <a:fillRect/>
+          </a:stretch>
+        </p:blipFill>
+        <p:spPr>
+          <a:xfrm>
+            <a:off x="2793017" y="5789099"/>
+            <a:ext cx="6605964" cy="500862"/>
+          </a:xfrm>
+          <a:prstGeom prst="rect">
+            <a:avLst/>
+          </a:prstGeom>
+        </p:spPr>
+      </p:pic>
+    </p:spTree>
+    <p:extLst>
+      <p:ext uri="{BB962C8B-B14F-4D97-AF65-F5344CB8AC3E}">
+        <p14:creationId xmlns:p14="http://schemas.microsoft.com/office/powerpoint/2010/main" val="1995623544"/>
+      </p:ext>
+    </p:extLst>
+  </p:cSld>
+  <p:clrMapOvr>
+    <a:masterClrMapping/>
+  </p:clrMapOvr>
+</p:sld>
+</file>
+
+<file path=ppt/slides/slide36.xml><?xml version="1.0" encoding="utf-8"?>
+<p:sld xmlns:a="http://schemas.openxmlformats.org/drawingml/2006/main" xmlns:r="http://schemas.openxmlformats.org/officeDocument/2006/relationships" xmlns:p="http://schemas.openxmlformats.org/presentationml/2006/main">
+  <p:cSld>
+    <p:spTree>
+      <p:nvGrpSpPr>
+        <p:cNvPr id="1" name=""/>
+        <p:cNvGrpSpPr/>
+        <p:nvPr/>
+      </p:nvGrpSpPr>
+      <p:grpSpPr>
+        <a:xfrm>
+          <a:off x="0" y="0"/>
+          <a:ext cx="0" cy="0"/>
+          <a:chOff x="0" y="0"/>
+          <a:chExt cx="0" cy="0"/>
+        </a:xfrm>
+      </p:grpSpPr>
+      <p:sp>
+        <p:nvSpPr>
+          <p:cNvPr id="2" name="Titre 1">
+            <a:extLst>
+              <a:ext uri="{FF2B5EF4-FFF2-40B4-BE49-F238E27FC236}">
+                <a16:creationId xmlns:a16="http://schemas.microsoft.com/office/drawing/2014/main" id="{FD29D141-581A-40AA-9B74-43DCB38C8B61}"/>
+              </a:ext>
+            </a:extLst>
+          </p:cNvPr>
+          <p:cNvSpPr>
+            <a:spLocks noGrp="1"/>
+          </p:cNvSpPr>
+          <p:nvPr>
+            <p:ph type="title"/>
+          </p:nvPr>
+        </p:nvSpPr>
+        <p:spPr/>
+        <p:txBody>
+          <a:bodyPr/>
+          <a:lstStyle/>
+          <a:p>
+            <a:r>
+              <a:rPr lang="fr-FR" sz="4000" b="1" kern="1200" dirty="0">
+                <a:solidFill>
+                  <a:srgbClr val="FEFEFE"/>
+                </a:solidFill>
+                <a:effectLst/>
+                <a:latin typeface="+mj-lt"/>
+                <a:ea typeface="+mj-ea"/>
+                <a:cs typeface="+mj-cs"/>
+              </a:rPr>
+              <a:t>Liste</a:t>
+            </a:r>
+            <a:endParaRPr lang="fr-FR" dirty="0"/>
+          </a:p>
+        </p:txBody>
+      </p:sp>
+      <p:sp>
+        <p:nvSpPr>
+          <p:cNvPr id="3" name="Espace réservé du contenu 2">
+            <a:extLst>
+              <a:ext uri="{FF2B5EF4-FFF2-40B4-BE49-F238E27FC236}">
+                <a16:creationId xmlns:a16="http://schemas.microsoft.com/office/drawing/2014/main" id="{E2C9AEE8-16EA-49F8-AE9D-9797D8B01DB7}"/>
+              </a:ext>
+            </a:extLst>
+          </p:cNvPr>
+          <p:cNvSpPr>
+            <a:spLocks noGrp="1"/>
+          </p:cNvSpPr>
+          <p:nvPr>
+            <p:ph idx="1"/>
+          </p:nvPr>
+        </p:nvSpPr>
+        <p:spPr/>
+        <p:txBody>
+          <a:bodyPr/>
+          <a:lstStyle/>
+          <a:p>
+            <a:pPr marL="342900" marR="0" lvl="0" indent="-342900" algn="l" defTabSz="457200" rtl="0" eaLnBrk="1" fontAlgn="auto" latinLnBrk="0" hangingPunct="1">
+              <a:lnSpc>
+                <a:spcPct val="100000"/>
+              </a:lnSpc>
+              <a:spcBef>
+                <a:spcPct val="20000"/>
+              </a:spcBef>
+              <a:spcAft>
+                <a:spcPts val="600"/>
+              </a:spcAft>
+              <a:buClr>
+                <a:schemeClr val="accent1"/>
+              </a:buClr>
+              <a:buSzTx/>
+              <a:buFont typeface="Wingdings 2" charset="2"/>
+              <a:buChar char=""/>
+              <a:tabLst/>
+              <a:defRPr/>
+            </a:pPr>
+            <a:r>
+              <a:rPr lang="fr-FR" sz="1800" kern="1200" dirty="0">
+                <a:solidFill>
+                  <a:schemeClr val="tx1"/>
+                </a:solidFill>
+                <a:effectLst/>
+                <a:latin typeface="+mn-lt"/>
+                <a:ea typeface="+mn-ea"/>
+                <a:cs typeface="+mn-cs"/>
+              </a:rPr>
+              <a:t>Les listes</a:t>
+            </a:r>
+            <a:r>
+              <a:rPr lang="fr-FR" sz="1800" kern="1200" baseline="0" dirty="0">
+                <a:solidFill>
+                  <a:schemeClr val="tx1"/>
+                </a:solidFill>
+                <a:effectLst/>
+                <a:latin typeface="+mn-lt"/>
+                <a:ea typeface="+mn-ea"/>
+                <a:cs typeface="+mn-cs"/>
+              </a:rPr>
+              <a:t> sont pensées pour être modifiées sans recopie (insertion d’une cellule, suppression</a:t>
+            </a:r>
+            <a:r>
+              <a:rPr lang="fr-FR" sz="1800" kern="1200" dirty="0">
+                <a:solidFill>
+                  <a:schemeClr val="tx1"/>
+                </a:solidFill>
+                <a:effectLst/>
+                <a:latin typeface="+mn-lt"/>
+                <a:ea typeface="+mn-ea"/>
+                <a:cs typeface="+mn-cs"/>
+              </a:rPr>
+              <a:t> notamment</a:t>
+            </a:r>
+            <a:r>
+              <a:rPr lang="fr-FR" sz="1800" kern="1200" baseline="0" dirty="0">
+                <a:solidFill>
+                  <a:schemeClr val="tx1"/>
+                </a:solidFill>
+                <a:effectLst/>
+                <a:latin typeface="+mn-lt"/>
+                <a:ea typeface="+mn-ea"/>
+                <a:cs typeface="+mn-cs"/>
+              </a:rPr>
+              <a:t>)</a:t>
+            </a:r>
+          </a:p>
+          <a:p>
+            <a:pPr marL="342900" marR="0" lvl="0" indent="-342900" algn="l" defTabSz="457200" rtl="0" eaLnBrk="1" fontAlgn="auto" latinLnBrk="0" hangingPunct="1">
+              <a:lnSpc>
+                <a:spcPct val="100000"/>
+              </a:lnSpc>
+              <a:spcBef>
+                <a:spcPct val="20000"/>
+              </a:spcBef>
+              <a:spcAft>
+                <a:spcPts val="600"/>
+              </a:spcAft>
+              <a:buClr>
+                <a:schemeClr val="accent1"/>
+              </a:buClr>
+              <a:buSzTx/>
+              <a:buFont typeface="Wingdings 2" charset="2"/>
+              <a:buChar char=""/>
+              <a:tabLst/>
+              <a:defRPr/>
+            </a:pPr>
+            <a:endParaRPr lang="fr-FR" sz="1800" kern="1200" baseline="0" dirty="0">
+              <a:solidFill>
+                <a:schemeClr val="tx1"/>
+              </a:solidFill>
+              <a:effectLst/>
+              <a:latin typeface="+mn-lt"/>
+              <a:ea typeface="+mn-ea"/>
+              <a:cs typeface="+mn-cs"/>
+            </a:endParaRPr>
+          </a:p>
+          <a:p>
+            <a:pPr marL="342900" marR="0" lvl="0" indent="-342900" algn="l" defTabSz="457200" rtl="0" eaLnBrk="1" fontAlgn="auto" latinLnBrk="0" hangingPunct="1">
+              <a:lnSpc>
+                <a:spcPct val="100000"/>
+              </a:lnSpc>
+              <a:spcBef>
+                <a:spcPct val="20000"/>
+              </a:spcBef>
+              <a:spcAft>
+                <a:spcPts val="600"/>
+              </a:spcAft>
+              <a:buClr>
+                <a:schemeClr val="accent1"/>
+              </a:buClr>
+              <a:buSzTx/>
+              <a:buFont typeface="Wingdings 2" charset="2"/>
+              <a:buChar char=""/>
+              <a:tabLst/>
+              <a:defRPr/>
+            </a:pPr>
+            <a:endParaRPr lang="fr-FR" sz="1800" kern="1200" baseline="0" dirty="0">
+              <a:solidFill>
+                <a:schemeClr val="tx1"/>
+              </a:solidFill>
+              <a:effectLst/>
+              <a:latin typeface="+mn-lt"/>
+              <a:ea typeface="+mn-ea"/>
+              <a:cs typeface="+mn-cs"/>
+            </a:endParaRPr>
+          </a:p>
+          <a:p>
+            <a:pPr marL="342900" marR="0" lvl="0" indent="-342900" algn="l" defTabSz="457200" rtl="0" eaLnBrk="1" fontAlgn="auto" latinLnBrk="0" hangingPunct="1">
+              <a:lnSpc>
+                <a:spcPct val="100000"/>
+              </a:lnSpc>
+              <a:spcBef>
+                <a:spcPct val="20000"/>
+              </a:spcBef>
+              <a:spcAft>
+                <a:spcPts val="600"/>
+              </a:spcAft>
+              <a:buClr>
+                <a:schemeClr val="accent1"/>
+              </a:buClr>
+              <a:buSzTx/>
+              <a:buFont typeface="Wingdings 2" charset="2"/>
+              <a:buChar char=""/>
+              <a:tabLst/>
+              <a:defRPr/>
+            </a:pPr>
+            <a:endParaRPr lang="fr-FR" sz="1800" kern="1200" baseline="0" dirty="0">
+              <a:solidFill>
+                <a:schemeClr val="tx1"/>
+              </a:solidFill>
+              <a:effectLst/>
+              <a:latin typeface="+mn-lt"/>
+              <a:ea typeface="+mn-ea"/>
+              <a:cs typeface="+mn-cs"/>
+            </a:endParaRPr>
+          </a:p>
+          <a:p>
+            <a:pPr marL="342900" marR="0" lvl="0" indent="-342900" algn="l" defTabSz="457200" rtl="0" eaLnBrk="1" fontAlgn="auto" latinLnBrk="0" hangingPunct="1">
+              <a:lnSpc>
+                <a:spcPct val="100000"/>
+              </a:lnSpc>
+              <a:spcBef>
+                <a:spcPct val="20000"/>
+              </a:spcBef>
+              <a:spcAft>
+                <a:spcPts val="600"/>
+              </a:spcAft>
+              <a:buClr>
+                <a:schemeClr val="accent1"/>
+              </a:buClr>
+              <a:buSzTx/>
+              <a:buFont typeface="Wingdings 2" charset="2"/>
+              <a:buChar char=""/>
+              <a:tabLst/>
+              <a:defRPr/>
+            </a:pPr>
+            <a:endParaRPr lang="fr-FR" sz="1800" kern="1200" baseline="0" dirty="0">
+              <a:solidFill>
+                <a:schemeClr val="tx1"/>
+              </a:solidFill>
+              <a:effectLst/>
+              <a:latin typeface="+mn-lt"/>
+              <a:ea typeface="+mn-ea"/>
+              <a:cs typeface="+mn-cs"/>
+            </a:endParaRPr>
+          </a:p>
+          <a:p>
+            <a:pPr rtl="0" eaLnBrk="1" latinLnBrk="0" hangingPunct="1"/>
+            <a:r>
+              <a:rPr lang="fr-FR" sz="1800" kern="1200" baseline="0" dirty="0">
+                <a:solidFill>
+                  <a:schemeClr val="tx1"/>
+                </a:solidFill>
+                <a:effectLst/>
+                <a:latin typeface="+mn-lt"/>
+                <a:ea typeface="+mn-ea"/>
+                <a:cs typeface="+mn-cs"/>
+              </a:rPr>
+              <a:t>Les opérations sur les tableaux sont possibles (accès via index, tri, copie etc.)</a:t>
+            </a:r>
+            <a:endParaRPr lang="fr-FR" sz="1800" dirty="0">
+              <a:effectLst/>
+            </a:endParaRPr>
+          </a:p>
+          <a:p>
+            <a:pPr rtl="0" eaLnBrk="1" latinLnBrk="0" hangingPunct="1"/>
+            <a:r>
+              <a:rPr lang="fr-FR" sz="1800" kern="1200" baseline="0" dirty="0">
+                <a:solidFill>
+                  <a:schemeClr val="tx1"/>
+                </a:solidFill>
+                <a:effectLst/>
+                <a:latin typeface="+mn-lt"/>
+                <a:ea typeface="+mn-ea"/>
+                <a:cs typeface="+mn-cs"/>
+              </a:rPr>
+              <a:t>Il est possible de récupérer la taille de la liste via Count</a:t>
+            </a:r>
+            <a:endParaRPr lang="fr-FR" dirty="0">
+              <a:effectLst/>
+            </a:endParaRPr>
+          </a:p>
+          <a:p>
+            <a:pPr marL="342900" marR="0" lvl="0" indent="-342900" algn="l" defTabSz="457200" rtl="0" eaLnBrk="1" fontAlgn="auto" latinLnBrk="0" hangingPunct="1">
+              <a:lnSpc>
+                <a:spcPct val="100000"/>
+              </a:lnSpc>
+              <a:spcBef>
+                <a:spcPct val="20000"/>
+              </a:spcBef>
+              <a:spcAft>
+                <a:spcPts val="600"/>
+              </a:spcAft>
+              <a:buClr>
+                <a:schemeClr val="accent1"/>
+              </a:buClr>
+              <a:buSzTx/>
+              <a:buFont typeface="Wingdings 2" charset="2"/>
+              <a:buChar char=""/>
+              <a:tabLst/>
+              <a:defRPr/>
+            </a:pPr>
+            <a:endParaRPr lang="fr-FR" sz="1800" dirty="0">
+              <a:effectLst/>
+            </a:endParaRPr>
+          </a:p>
+        </p:txBody>
+      </p:sp>
+      <p:sp>
+        <p:nvSpPr>
+          <p:cNvPr id="4" name="Espace réservé du numéro de diapositive 3">
+            <a:extLst>
+              <a:ext uri="{FF2B5EF4-FFF2-40B4-BE49-F238E27FC236}">
+                <a16:creationId xmlns:a16="http://schemas.microsoft.com/office/drawing/2014/main" id="{E9825EA2-1B45-4386-83F3-9980DE339F6E}"/>
+              </a:ext>
+            </a:extLst>
+          </p:cNvPr>
+          <p:cNvSpPr>
+            <a:spLocks noGrp="1"/>
+          </p:cNvSpPr>
+          <p:nvPr>
+            <p:ph type="sldNum" sz="quarter" idx="12"/>
+          </p:nvPr>
+        </p:nvSpPr>
+        <p:spPr/>
+        <p:txBody>
+          <a:bodyPr/>
+          <a:lstStyle/>
+          <a:p>
+            <a:fld id="{C4488D40-6A2B-42CD-9565-99D41B29C2DA}" type="slidenum">
+              <a:rPr lang="fr-FR" smtClean="0"/>
+              <a:t>36</a:t>
+            </a:fld>
+            <a:endParaRPr lang="fr-FR"/>
+          </a:p>
+        </p:txBody>
+      </p:sp>
+      <p:pic>
+        <p:nvPicPr>
+          <p:cNvPr id="5" name="Image 4">
+            <a:extLst>
+              <a:ext uri="{FF2B5EF4-FFF2-40B4-BE49-F238E27FC236}">
+                <a16:creationId xmlns:a16="http://schemas.microsoft.com/office/drawing/2014/main" id="{8B9A8C1F-3257-4CD6-A165-05235637266B}"/>
+              </a:ext>
+            </a:extLst>
+          </p:cNvPr>
+          <p:cNvPicPr>
+            <a:picLocks noChangeAspect="1"/>
+          </p:cNvPicPr>
+          <p:nvPr/>
+        </p:nvPicPr>
+        <p:blipFill>
+          <a:blip r:embed="rId2">
+            <a:extLst>
+              <a:ext uri="{28A0092B-C50C-407E-A947-70E740481C1C}">
+                <a14:useLocalDpi xmlns:a14="http://schemas.microsoft.com/office/drawing/2010/main" val="0"/>
+              </a:ext>
+            </a:extLst>
+          </a:blip>
+          <a:stretch>
+            <a:fillRect/>
+          </a:stretch>
+        </p:blipFill>
+        <p:spPr>
+          <a:xfrm>
+            <a:off x="2386477" y="1628285"/>
+            <a:ext cx="7419044" cy="1453730"/>
+          </a:xfrm>
+          <a:prstGeom prst="rect">
+            <a:avLst/>
+          </a:prstGeom>
+        </p:spPr>
+      </p:pic>
+    </p:spTree>
+    <p:extLst>
+      <p:ext uri="{BB962C8B-B14F-4D97-AF65-F5344CB8AC3E}">
+        <p14:creationId xmlns:p14="http://schemas.microsoft.com/office/powerpoint/2010/main" val="195856313"/>
+      </p:ext>
+    </p:extLst>
+  </p:cSld>
+  <p:clrMapOvr>
+    <a:masterClrMapping/>
+  </p:clrMapOvr>
+</p:sld>
+</file>
+
+<file path=ppt/slides/slide37.xml><?xml version="1.0" encoding="utf-8"?>
+<p:sld xmlns:a="http://schemas.openxmlformats.org/drawingml/2006/main" xmlns:r="http://schemas.openxmlformats.org/officeDocument/2006/relationships" xmlns:p="http://schemas.openxmlformats.org/presentationml/2006/main">
+  <p:cSld>
+    <p:spTree>
+      <p:nvGrpSpPr>
+        <p:cNvPr id="1" name=""/>
+        <p:cNvGrpSpPr/>
+        <p:nvPr/>
+      </p:nvGrpSpPr>
+      <p:grpSpPr>
+        <a:xfrm>
+          <a:off x="0" y="0"/>
+          <a:ext cx="0" cy="0"/>
+          <a:chOff x="0" y="0"/>
+          <a:chExt cx="0" cy="0"/>
+        </a:xfrm>
+      </p:grpSpPr>
+      <p:sp>
+        <p:nvSpPr>
+          <p:cNvPr id="2" name="Titre 1">
+            <a:extLst>
+              <a:ext uri="{FF2B5EF4-FFF2-40B4-BE49-F238E27FC236}">
+                <a16:creationId xmlns:a16="http://schemas.microsoft.com/office/drawing/2014/main" id="{17729D1A-2D56-4936-A5A5-83D991F6D19D}"/>
+              </a:ext>
+            </a:extLst>
+          </p:cNvPr>
+          <p:cNvSpPr>
+            <a:spLocks noGrp="1"/>
+          </p:cNvSpPr>
+          <p:nvPr>
+            <p:ph type="title"/>
+          </p:nvPr>
+        </p:nvSpPr>
+        <p:spPr/>
+        <p:txBody>
+          <a:bodyPr/>
+          <a:lstStyle/>
+          <a:p>
+            <a:r>
+              <a:rPr lang="fr-FR" dirty="0"/>
+              <a:t>Boucles – For</a:t>
+            </a:r>
+          </a:p>
+        </p:txBody>
+      </p:sp>
+      <p:sp>
+        <p:nvSpPr>
+          <p:cNvPr id="3" name="Espace réservé du contenu 2">
+            <a:extLst>
+              <a:ext uri="{FF2B5EF4-FFF2-40B4-BE49-F238E27FC236}">
+                <a16:creationId xmlns:a16="http://schemas.microsoft.com/office/drawing/2014/main" id="{359BA226-CF4E-476A-A055-4C54D5BC6BBD}"/>
+              </a:ext>
+            </a:extLst>
+          </p:cNvPr>
+          <p:cNvSpPr>
+            <a:spLocks noGrp="1"/>
+          </p:cNvSpPr>
+          <p:nvPr>
+            <p:ph idx="1"/>
+          </p:nvPr>
+        </p:nvSpPr>
+        <p:spPr/>
+        <p:txBody>
+          <a:bodyPr/>
+          <a:lstStyle/>
+          <a:p>
+            <a:pPr rtl="0" eaLnBrk="1" latinLnBrk="0" hangingPunct="1"/>
+            <a:r>
+              <a:rPr lang="fr-FR" sz="1800" kern="1200" dirty="0">
+                <a:solidFill>
+                  <a:schemeClr val="tx1"/>
+                </a:solidFill>
+                <a:effectLst/>
+                <a:latin typeface="+mn-lt"/>
+                <a:ea typeface="+mn-ea"/>
+                <a:cs typeface="+mn-cs"/>
+              </a:rPr>
+              <a:t>La boucle For est constituée de 3 composants :</a:t>
+            </a:r>
+            <a:endParaRPr lang="fr-FR" sz="1800" dirty="0">
+              <a:effectLst/>
+            </a:endParaRPr>
+          </a:p>
+          <a:p>
+            <a:pPr lvl="1" rtl="0" eaLnBrk="1" latinLnBrk="0" hangingPunct="1"/>
+            <a:r>
+              <a:rPr lang="fr-FR" sz="1600" kern="1200" dirty="0">
+                <a:solidFill>
+                  <a:schemeClr val="tx1"/>
+                </a:solidFill>
+                <a:effectLst/>
+                <a:latin typeface="+mn-lt"/>
+                <a:ea typeface="+mn-ea"/>
+                <a:cs typeface="+mn-cs"/>
+              </a:rPr>
+              <a:t>L’instruction d’initialisation exécutée une fois au démarrage de la boucle</a:t>
+            </a:r>
+            <a:endParaRPr lang="fr-FR" dirty="0">
+              <a:effectLst/>
+            </a:endParaRPr>
+          </a:p>
+          <a:p>
+            <a:pPr lvl="1" rtl="0" eaLnBrk="1" latinLnBrk="0" hangingPunct="1"/>
+            <a:r>
+              <a:rPr lang="fr-FR" sz="1600" kern="1200" dirty="0">
+                <a:solidFill>
+                  <a:schemeClr val="tx1"/>
+                </a:solidFill>
+                <a:effectLst/>
+                <a:latin typeface="+mn-lt"/>
+                <a:ea typeface="+mn-ea"/>
+                <a:cs typeface="+mn-cs"/>
+              </a:rPr>
+              <a:t>Une condition booléenne testée au préalable de chaque itération</a:t>
+            </a:r>
+            <a:endParaRPr lang="fr-FR" dirty="0">
+              <a:effectLst/>
+            </a:endParaRPr>
+          </a:p>
+          <a:p>
+            <a:pPr lvl="1" rtl="0" eaLnBrk="1" latinLnBrk="0" hangingPunct="1"/>
+            <a:r>
+              <a:rPr lang="fr-FR" sz="1600" kern="1200" dirty="0">
+                <a:solidFill>
+                  <a:schemeClr val="tx1"/>
+                </a:solidFill>
+                <a:effectLst/>
+                <a:latin typeface="+mn-lt"/>
+                <a:ea typeface="+mn-ea"/>
+                <a:cs typeface="+mn-cs"/>
+              </a:rPr>
+              <a:t>Une clause exécutée après chaque itération</a:t>
+            </a:r>
+            <a:endParaRPr lang="fr-FR" dirty="0">
+              <a:effectLst/>
+            </a:endParaRPr>
+          </a:p>
+        </p:txBody>
+      </p:sp>
+      <p:sp>
+        <p:nvSpPr>
+          <p:cNvPr id="4" name="Espace réservé du numéro de diapositive 3">
+            <a:extLst>
+              <a:ext uri="{FF2B5EF4-FFF2-40B4-BE49-F238E27FC236}">
+                <a16:creationId xmlns:a16="http://schemas.microsoft.com/office/drawing/2014/main" id="{9CCD4340-F602-4430-A106-C35A97B94258}"/>
+              </a:ext>
+            </a:extLst>
+          </p:cNvPr>
+          <p:cNvSpPr>
+            <a:spLocks noGrp="1"/>
+          </p:cNvSpPr>
+          <p:nvPr>
+            <p:ph type="sldNum" sz="quarter" idx="12"/>
+          </p:nvPr>
+        </p:nvSpPr>
+        <p:spPr/>
+        <p:txBody>
+          <a:bodyPr/>
+          <a:lstStyle/>
+          <a:p>
+            <a:fld id="{C4488D40-6A2B-42CD-9565-99D41B29C2DA}" type="slidenum">
+              <a:rPr lang="fr-FR" smtClean="0"/>
+              <a:t>37</a:t>
+            </a:fld>
+            <a:endParaRPr lang="fr-FR"/>
+          </a:p>
+        </p:txBody>
+      </p:sp>
+      <p:pic>
+        <p:nvPicPr>
+          <p:cNvPr id="5" name="Image 4">
+            <a:extLst>
+              <a:ext uri="{FF2B5EF4-FFF2-40B4-BE49-F238E27FC236}">
+                <a16:creationId xmlns:a16="http://schemas.microsoft.com/office/drawing/2014/main" id="{CE661BAE-F80B-4DB3-BAFF-FC792557FBBD}"/>
+              </a:ext>
+            </a:extLst>
+          </p:cNvPr>
+          <p:cNvPicPr>
+            <a:picLocks noChangeAspect="1"/>
+          </p:cNvPicPr>
+          <p:nvPr/>
+        </p:nvPicPr>
+        <p:blipFill>
+          <a:blip r:embed="rId2"/>
+          <a:stretch>
+            <a:fillRect/>
+          </a:stretch>
+        </p:blipFill>
+        <p:spPr>
+          <a:xfrm>
+            <a:off x="2999961" y="2509730"/>
+            <a:ext cx="6895119" cy="1235785"/>
+          </a:xfrm>
+          <a:prstGeom prst="rect">
+            <a:avLst/>
+          </a:prstGeom>
+        </p:spPr>
+      </p:pic>
+      <p:pic>
+        <p:nvPicPr>
+          <p:cNvPr id="6" name="Image 5">
+            <a:extLst>
+              <a:ext uri="{FF2B5EF4-FFF2-40B4-BE49-F238E27FC236}">
+                <a16:creationId xmlns:a16="http://schemas.microsoft.com/office/drawing/2014/main" id="{6F49EFC9-99FC-40F3-8058-DA3C41FD7784}"/>
+              </a:ext>
+            </a:extLst>
+          </p:cNvPr>
+          <p:cNvPicPr>
+            <a:picLocks noChangeAspect="1"/>
+          </p:cNvPicPr>
+          <p:nvPr/>
+        </p:nvPicPr>
+        <p:blipFill>
+          <a:blip r:embed="rId3"/>
+          <a:stretch>
+            <a:fillRect/>
+          </a:stretch>
+        </p:blipFill>
+        <p:spPr>
+          <a:xfrm>
+            <a:off x="3364105" y="3875503"/>
+            <a:ext cx="6166829" cy="2753049"/>
+          </a:xfrm>
+          <a:prstGeom prst="rect">
+            <a:avLst/>
+          </a:prstGeom>
+        </p:spPr>
+      </p:pic>
+      <p:sp>
+        <p:nvSpPr>
+          <p:cNvPr id="7" name="Rectangle 6">
+            <a:extLst>
+              <a:ext uri="{FF2B5EF4-FFF2-40B4-BE49-F238E27FC236}">
+                <a16:creationId xmlns:a16="http://schemas.microsoft.com/office/drawing/2014/main" id="{C5F816E4-6CB7-4EBC-9607-18CE83ED794F}"/>
+              </a:ext>
+            </a:extLst>
+          </p:cNvPr>
+          <p:cNvSpPr/>
+          <p:nvPr/>
+        </p:nvSpPr>
+        <p:spPr>
+          <a:xfrm>
+            <a:off x="3804438" y="5433006"/>
+            <a:ext cx="1174704" cy="213582"/>
+          </a:xfrm>
+          <a:prstGeom prst="rect">
+            <a:avLst/>
+          </a:prstGeom>
+        </p:spPr>
+        <p:style>
+          <a:lnRef idx="2">
+            <a:schemeClr val="accent1">
+              <a:shade val="50000"/>
+            </a:schemeClr>
+          </a:lnRef>
+          <a:fillRef idx="1">
+            <a:schemeClr val="accent1"/>
+          </a:fillRef>
+          <a:effectRef idx="0">
+            <a:schemeClr val="accent1"/>
+          </a:effectRef>
+          <a:fontRef idx="minor">
+            <a:schemeClr val="lt1"/>
+          </a:fontRef>
+        </p:style>
+        <p:txBody>
+          <a:bodyPr rtlCol="0" anchor="ctr"/>
+          <a:lstStyle/>
+          <a:p>
+            <a:pPr algn="ctr"/>
+            <a:endParaRPr lang="fr-FR"/>
+          </a:p>
+        </p:txBody>
+      </p:sp>
+      <p:sp>
+        <p:nvSpPr>
+          <p:cNvPr id="8" name="Rectangle 7">
+            <a:extLst>
+              <a:ext uri="{FF2B5EF4-FFF2-40B4-BE49-F238E27FC236}">
+                <a16:creationId xmlns:a16="http://schemas.microsoft.com/office/drawing/2014/main" id="{751DC68C-C99B-4252-80BF-B22ECC95BD89}"/>
+              </a:ext>
+            </a:extLst>
+          </p:cNvPr>
+          <p:cNvSpPr/>
+          <p:nvPr/>
+        </p:nvSpPr>
+        <p:spPr>
+          <a:xfrm>
+            <a:off x="5058123" y="5433006"/>
+            <a:ext cx="3091384" cy="213582"/>
+          </a:xfrm>
+          <a:prstGeom prst="rect">
+            <a:avLst/>
+          </a:prstGeom>
+        </p:spPr>
+        <p:style>
+          <a:lnRef idx="2">
+            <a:schemeClr val="accent1">
+              <a:shade val="50000"/>
+            </a:schemeClr>
+          </a:lnRef>
+          <a:fillRef idx="1">
+            <a:schemeClr val="accent1"/>
+          </a:fillRef>
+          <a:effectRef idx="0">
+            <a:schemeClr val="accent1"/>
+          </a:effectRef>
+          <a:fontRef idx="minor">
+            <a:schemeClr val="lt1"/>
+          </a:fontRef>
+        </p:style>
+        <p:txBody>
+          <a:bodyPr rtlCol="0" anchor="ctr"/>
+          <a:lstStyle/>
+          <a:p>
+            <a:pPr algn="ctr"/>
+            <a:endParaRPr lang="fr-FR"/>
+          </a:p>
+        </p:txBody>
+      </p:sp>
+      <p:sp>
+        <p:nvSpPr>
+          <p:cNvPr id="9" name="Rectangle 8">
+            <a:extLst>
+              <a:ext uri="{FF2B5EF4-FFF2-40B4-BE49-F238E27FC236}">
+                <a16:creationId xmlns:a16="http://schemas.microsoft.com/office/drawing/2014/main" id="{30DCBF22-5337-45DF-BCEC-988FE76E42A7}"/>
+              </a:ext>
+            </a:extLst>
+          </p:cNvPr>
+          <p:cNvSpPr/>
+          <p:nvPr/>
+        </p:nvSpPr>
+        <p:spPr>
+          <a:xfrm>
+            <a:off x="8228488" y="5433006"/>
+            <a:ext cx="1062350" cy="213582"/>
+          </a:xfrm>
+          <a:prstGeom prst="rect">
+            <a:avLst/>
+          </a:prstGeom>
+        </p:spPr>
+        <p:style>
+          <a:lnRef idx="2">
+            <a:schemeClr val="accent1">
+              <a:shade val="50000"/>
+            </a:schemeClr>
+          </a:lnRef>
+          <a:fillRef idx="1">
+            <a:schemeClr val="accent1"/>
+          </a:fillRef>
+          <a:effectRef idx="0">
+            <a:schemeClr val="accent1"/>
+          </a:effectRef>
+          <a:fontRef idx="minor">
+            <a:schemeClr val="lt1"/>
+          </a:fontRef>
+        </p:style>
+        <p:txBody>
+          <a:bodyPr rtlCol="0" anchor="ctr"/>
+          <a:lstStyle/>
+          <a:p>
+            <a:pPr algn="ctr"/>
+            <a:endParaRPr lang="fr-FR"/>
+          </a:p>
+        </p:txBody>
+      </p:sp>
+      <p:sp>
+        <p:nvSpPr>
+          <p:cNvPr id="10" name="Rectangle 9">
+            <a:extLst>
+              <a:ext uri="{FF2B5EF4-FFF2-40B4-BE49-F238E27FC236}">
+                <a16:creationId xmlns:a16="http://schemas.microsoft.com/office/drawing/2014/main" id="{63D6F67D-7274-4311-A914-82B0A857E3DF}"/>
+              </a:ext>
+            </a:extLst>
+          </p:cNvPr>
+          <p:cNvSpPr/>
+          <p:nvPr/>
+        </p:nvSpPr>
+        <p:spPr>
+          <a:xfrm>
+            <a:off x="6582477" y="5872407"/>
+            <a:ext cx="2541500" cy="213582"/>
+          </a:xfrm>
+          <a:prstGeom prst="rect">
+            <a:avLst/>
+          </a:prstGeom>
+        </p:spPr>
+        <p:style>
+          <a:lnRef idx="2">
+            <a:schemeClr val="accent1">
+              <a:shade val="50000"/>
+            </a:schemeClr>
+          </a:lnRef>
+          <a:fillRef idx="1">
+            <a:schemeClr val="accent1"/>
+          </a:fillRef>
+          <a:effectRef idx="0">
+            <a:schemeClr val="accent1"/>
+          </a:effectRef>
+          <a:fontRef idx="minor">
+            <a:schemeClr val="lt1"/>
+          </a:fontRef>
+        </p:style>
+        <p:txBody>
+          <a:bodyPr rtlCol="0" anchor="ctr"/>
+          <a:lstStyle/>
+          <a:p>
+            <a:pPr algn="ctr"/>
+            <a:endParaRPr lang="fr-FR"/>
+          </a:p>
+        </p:txBody>
+      </p:sp>
+    </p:spTree>
+    <p:extLst>
+      <p:ext uri="{BB962C8B-B14F-4D97-AF65-F5344CB8AC3E}">
+        <p14:creationId xmlns:p14="http://schemas.microsoft.com/office/powerpoint/2010/main" val="4272261366"/>
+      </p:ext>
+    </p:extLst>
+  </p:cSld>
+  <p:clrMapOvr>
+    <a:masterClrMapping/>
+  </p:clrMapOvr>
+  <p:timing>
+    <p:tnLst>
+      <p:par>
+        <p:cTn id="1" dur="indefinite" restart="never" nodeType="tmRoot">
+          <p:childTnLst>
+            <p:seq concurrent="1" nextAc="seek">
+              <p:cTn id="2" dur="indefinite" nodeType="mainSeq">
+                <p:childTnLst>
+                  <p:par>
+                    <p:cTn id="3" fill="hold">
+                      <p:stCondLst>
+                        <p:cond delay="indefinite"/>
+                      </p:stCondLst>
+                      <p:childTnLst>
+                        <p:par>
+                          <p:cTn id="4" fill="hold">
+                            <p:stCondLst>
+                              <p:cond delay="0"/>
+                            </p:stCondLst>
+                            <p:childTnLst>
+                              <p:par>
+                                <p:cTn id="5" presetID="1" presetClass="exit" presetSubtype="0" fill="hold" grpId="0" nodeType="clickEffect">
+                                  <p:stCondLst>
+                                    <p:cond delay="0"/>
+                                  </p:stCondLst>
+                                  <p:childTnLst>
+                                    <p:set>
+                                      <p:cBhvr>
+                                        <p:cTn id="6" dur="1" fill="hold">
+                                          <p:stCondLst>
+                                            <p:cond delay="0"/>
+                                          </p:stCondLst>
+                                        </p:cTn>
+                                        <p:tgtEl>
+                                          <p:spTgt spid="7"/>
+                                        </p:tgtEl>
+                                        <p:attrNameLst>
+                                          <p:attrName>style.visibility</p:attrName>
+                                        </p:attrNameLst>
+                                      </p:cBhvr>
+                                      <p:to>
+                                        <p:strVal val="hidden"/>
+                                      </p:to>
+                                    </p:set>
+                                  </p:childTnLst>
+                                </p:cTn>
+                              </p:par>
+                            </p:childTnLst>
+                          </p:cTn>
+                        </p:par>
+                      </p:childTnLst>
+                    </p:cTn>
+                  </p:par>
+                  <p:par>
+                    <p:cTn id="7" fill="hold">
+                      <p:stCondLst>
+                        <p:cond delay="indefinite"/>
+                      </p:stCondLst>
+                      <p:childTnLst>
+                        <p:par>
+                          <p:cTn id="8" fill="hold">
+                            <p:stCondLst>
+                              <p:cond delay="0"/>
+                            </p:stCondLst>
+                            <p:childTnLst>
+                              <p:par>
+                                <p:cTn id="9" presetID="1" presetClass="exit" presetSubtype="0" fill="hold" grpId="0" nodeType="clickEffect">
+                                  <p:stCondLst>
+                                    <p:cond delay="0"/>
+                                  </p:stCondLst>
+                                  <p:childTnLst>
+                                    <p:set>
+                                      <p:cBhvr>
+                                        <p:cTn id="10" dur="1" fill="hold">
+                                          <p:stCondLst>
+                                            <p:cond delay="0"/>
+                                          </p:stCondLst>
+                                        </p:cTn>
+                                        <p:tgtEl>
+                                          <p:spTgt spid="8"/>
+                                        </p:tgtEl>
+                                        <p:attrNameLst>
+                                          <p:attrName>style.visibility</p:attrName>
+                                        </p:attrNameLst>
+                                      </p:cBhvr>
+                                      <p:to>
+                                        <p:strVal val="hidden"/>
+                                      </p:to>
+                                    </p:set>
+                                  </p:childTnLst>
+                                </p:cTn>
+                              </p:par>
+                            </p:childTnLst>
+                          </p:cTn>
+                        </p:par>
+                      </p:childTnLst>
+                    </p:cTn>
+                  </p:par>
+                  <p:par>
+                    <p:cTn id="11" fill="hold">
+                      <p:stCondLst>
+                        <p:cond delay="indefinite"/>
+                      </p:stCondLst>
+                      <p:childTnLst>
+                        <p:par>
+                          <p:cTn id="12" fill="hold">
+                            <p:stCondLst>
+                              <p:cond delay="0"/>
+                            </p:stCondLst>
+                            <p:childTnLst>
+                              <p:par>
+                                <p:cTn id="13" presetID="1" presetClass="exit" presetSubtype="0" fill="hold" grpId="0" nodeType="clickEffect">
+                                  <p:stCondLst>
+                                    <p:cond delay="0"/>
+                                  </p:stCondLst>
+                                  <p:childTnLst>
+                                    <p:set>
+                                      <p:cBhvr>
+                                        <p:cTn id="14" dur="1" fill="hold">
+                                          <p:stCondLst>
+                                            <p:cond delay="0"/>
+                                          </p:stCondLst>
+                                        </p:cTn>
+                                        <p:tgtEl>
+                                          <p:spTgt spid="9"/>
+                                        </p:tgtEl>
+                                        <p:attrNameLst>
+                                          <p:attrName>style.visibility</p:attrName>
+                                        </p:attrNameLst>
+                                      </p:cBhvr>
+                                      <p:to>
+                                        <p:strVal val="hidden"/>
+                                      </p:to>
+                                    </p:set>
+                                  </p:childTnLst>
+                                </p:cTn>
+                              </p:par>
+                            </p:childTnLst>
+                          </p:cTn>
+                        </p:par>
+                      </p:childTnLst>
+                    </p:cTn>
+                  </p:par>
+                  <p:par>
+                    <p:cTn id="15" fill="hold">
+                      <p:stCondLst>
+                        <p:cond delay="indefinite"/>
+                      </p:stCondLst>
+                      <p:childTnLst>
+                        <p:par>
+                          <p:cTn id="16" fill="hold">
+                            <p:stCondLst>
+                              <p:cond delay="0"/>
+                            </p:stCondLst>
+                            <p:childTnLst>
+                              <p:par>
+                                <p:cTn id="17" presetID="1" presetClass="exit" presetSubtype="0" fill="hold" grpId="0" nodeType="clickEffect">
+                                  <p:stCondLst>
+                                    <p:cond delay="0"/>
+                                  </p:stCondLst>
+                                  <p:childTnLst>
+                                    <p:set>
+                                      <p:cBhvr>
+                                        <p:cTn id="18" dur="1" fill="hold">
+                                          <p:stCondLst>
+                                            <p:cond delay="0"/>
+                                          </p:stCondLst>
+                                        </p:cTn>
+                                        <p:tgtEl>
+                                          <p:spTgt spid="10"/>
+                                        </p:tgtEl>
+                                        <p:attrNameLst>
+                                          <p:attrName>style.visibility</p:attrName>
+                                        </p:attrNameLst>
+                                      </p:cBhvr>
+                                      <p:to>
+                                        <p:strVal val="hidden"/>
+                                      </p:to>
+                                    </p:set>
+                                  </p:childTnLst>
+                                </p:cTn>
+                              </p:par>
+                            </p:childTnLst>
+                          </p:cTn>
+                        </p:par>
+                      </p:childTnLst>
+                    </p:cTn>
+                  </p:par>
+                </p:childTnLst>
+              </p:cTn>
+              <p:prevCondLst>
+                <p:cond evt="onPrev" delay="0">
+                  <p:tgtEl>
+                    <p:sldTgt/>
+                  </p:tgtEl>
+                </p:cond>
+              </p:prevCondLst>
+              <p:nextCondLst>
+                <p:cond evt="onNext" delay="0">
+                  <p:tgtEl>
+                    <p:sldTgt/>
+                  </p:tgtEl>
+                </p:cond>
+              </p:nextCondLst>
+            </p:seq>
+          </p:childTnLst>
+        </p:cTn>
+      </p:par>
+    </p:tnLst>
+    <p:bldLst>
+      <p:bldP spid="7" grpId="0" animBg="1"/>
+      <p:bldP spid="8" grpId="0" animBg="1"/>
+      <p:bldP spid="9" grpId="0" animBg="1"/>
+      <p:bldP spid="10" grpId="0" animBg="1"/>
+    </p:bldLst>
+  </p:timing>
+</p:sld>
+</file>
+
+<file path=ppt/slides/slide38.xml><?xml version="1.0" encoding="utf-8"?>
+<p:sld xmlns:a="http://schemas.openxmlformats.org/drawingml/2006/main" xmlns:r="http://schemas.openxmlformats.org/officeDocument/2006/relationships" xmlns:p="http://schemas.openxmlformats.org/presentationml/2006/main">
+  <p:cSld>
+    <p:spTree>
+      <p:nvGrpSpPr>
+        <p:cNvPr id="1" name=""/>
+        <p:cNvGrpSpPr/>
+        <p:nvPr/>
+      </p:nvGrpSpPr>
+      <p:grpSpPr>
+        <a:xfrm>
+          <a:off x="0" y="0"/>
+          <a:ext cx="0" cy="0"/>
+          <a:chOff x="0" y="0"/>
+          <a:chExt cx="0" cy="0"/>
+        </a:xfrm>
+      </p:grpSpPr>
+      <p:sp>
+        <p:nvSpPr>
+          <p:cNvPr id="2" name="Titre 1">
+            <a:extLst>
+              <a:ext uri="{FF2B5EF4-FFF2-40B4-BE49-F238E27FC236}">
+                <a16:creationId xmlns:a16="http://schemas.microsoft.com/office/drawing/2014/main" id="{898671D5-DF5E-4843-8E05-E4752201AECB}"/>
+              </a:ext>
+            </a:extLst>
+          </p:cNvPr>
+          <p:cNvSpPr>
+            <a:spLocks noGrp="1"/>
+          </p:cNvSpPr>
+          <p:nvPr>
+            <p:ph type="title"/>
+          </p:nvPr>
+        </p:nvSpPr>
+        <p:spPr/>
+        <p:txBody>
+          <a:bodyPr/>
+          <a:lstStyle/>
+          <a:p>
+            <a:r>
+              <a:rPr lang="fr-FR" sz="4000" b="1" kern="1200" dirty="0">
+                <a:solidFill>
+                  <a:srgbClr val="FEFEFE"/>
+                </a:solidFill>
+                <a:effectLst/>
+                <a:latin typeface="+mj-lt"/>
+                <a:ea typeface="+mj-ea"/>
+                <a:cs typeface="+mj-cs"/>
+              </a:rPr>
+              <a:t>Boucles – </a:t>
+            </a:r>
+            <a:r>
+              <a:rPr lang="fr-FR" sz="4000" b="1" kern="1200" dirty="0" err="1">
+                <a:solidFill>
+                  <a:srgbClr val="FEFEFE"/>
+                </a:solidFill>
+                <a:effectLst/>
+                <a:latin typeface="+mj-lt"/>
+                <a:ea typeface="+mj-ea"/>
+                <a:cs typeface="+mj-cs"/>
+              </a:rPr>
+              <a:t>Foreach</a:t>
+            </a:r>
+            <a:endParaRPr lang="fr-FR" dirty="0"/>
+          </a:p>
+        </p:txBody>
+      </p:sp>
+      <p:sp>
+        <p:nvSpPr>
+          <p:cNvPr id="3" name="Espace réservé du contenu 2">
+            <a:extLst>
+              <a:ext uri="{FF2B5EF4-FFF2-40B4-BE49-F238E27FC236}">
+                <a16:creationId xmlns:a16="http://schemas.microsoft.com/office/drawing/2014/main" id="{E8F7640A-E48D-4731-B5BB-E2D8E88E67C5}"/>
+              </a:ext>
+            </a:extLst>
+          </p:cNvPr>
+          <p:cNvSpPr>
+            <a:spLocks noGrp="1"/>
+          </p:cNvSpPr>
+          <p:nvPr>
+            <p:ph idx="1"/>
+          </p:nvPr>
+        </p:nvSpPr>
+        <p:spPr/>
+        <p:txBody>
+          <a:bodyPr/>
+          <a:lstStyle/>
+          <a:p>
+            <a:pPr marL="342900" marR="0" lvl="0" indent="-342900" algn="l" defTabSz="457200" rtl="0" eaLnBrk="1" fontAlgn="auto" latinLnBrk="0" hangingPunct="1">
+              <a:lnSpc>
+                <a:spcPct val="100000"/>
+              </a:lnSpc>
+              <a:spcBef>
+                <a:spcPct val="20000"/>
+              </a:spcBef>
+              <a:spcAft>
+                <a:spcPts val="600"/>
+              </a:spcAft>
+              <a:buClr>
+                <a:schemeClr val="accent1"/>
+              </a:buClr>
+              <a:buSzTx/>
+              <a:buFont typeface="Wingdings 2" charset="2"/>
+              <a:buChar char=""/>
+              <a:tabLst/>
+              <a:defRPr/>
+            </a:pPr>
+            <a:r>
+              <a:rPr lang="fr-FR" sz="1800" kern="1200" dirty="0">
+                <a:solidFill>
+                  <a:schemeClr val="tx1"/>
+                </a:solidFill>
+                <a:effectLst/>
+                <a:latin typeface="+mn-lt"/>
+                <a:ea typeface="+mn-ea"/>
+                <a:cs typeface="+mn-cs"/>
+              </a:rPr>
+              <a:t>A préférer</a:t>
+            </a:r>
+            <a:r>
+              <a:rPr lang="fr-FR" sz="1800" kern="1200" baseline="0" dirty="0">
+                <a:solidFill>
+                  <a:schemeClr val="tx1"/>
+                </a:solidFill>
+                <a:effectLst/>
+                <a:latin typeface="+mn-lt"/>
+                <a:ea typeface="+mn-ea"/>
+                <a:cs typeface="+mn-cs"/>
+              </a:rPr>
+              <a:t> à l’usage d’une boucle « For »</a:t>
+            </a:r>
+            <a:endParaRPr lang="fr-FR" sz="1800" dirty="0">
+              <a:effectLst/>
+            </a:endParaRPr>
+          </a:p>
+          <a:p>
+            <a:r>
+              <a:rPr lang="fr-FR" sz="1800" kern="1200" baseline="0" dirty="0">
+                <a:solidFill>
+                  <a:schemeClr val="tx1"/>
+                </a:solidFill>
+                <a:effectLst/>
+                <a:latin typeface="+mn-lt"/>
+                <a:ea typeface="+mn-ea"/>
+                <a:cs typeface="+mn-cs"/>
+              </a:rPr>
+              <a:t>Fonctionne uniformément sur tous les </a:t>
+            </a:r>
+            <a:r>
+              <a:rPr lang="fr-FR" sz="1800" kern="1200" baseline="0" dirty="0" err="1">
+                <a:solidFill>
+                  <a:schemeClr val="tx1"/>
+                </a:solidFill>
+                <a:effectLst/>
+                <a:latin typeface="+mn-lt"/>
+                <a:ea typeface="+mn-ea"/>
+                <a:cs typeface="+mn-cs"/>
+              </a:rPr>
+              <a:t>IEnumerable</a:t>
+            </a:r>
+            <a:r>
+              <a:rPr lang="fr-FR" sz="1800" kern="1200" baseline="0" dirty="0">
+                <a:solidFill>
+                  <a:schemeClr val="tx1"/>
+                </a:solidFill>
+                <a:effectLst/>
+                <a:latin typeface="+mn-lt"/>
+                <a:ea typeface="+mn-ea"/>
+                <a:cs typeface="+mn-cs"/>
+              </a:rPr>
+              <a:t> (liste, tableau, etc.)</a:t>
+            </a:r>
+          </a:p>
+        </p:txBody>
+      </p:sp>
+      <p:sp>
+        <p:nvSpPr>
+          <p:cNvPr id="4" name="Espace réservé du numéro de diapositive 3">
+            <a:extLst>
+              <a:ext uri="{FF2B5EF4-FFF2-40B4-BE49-F238E27FC236}">
+                <a16:creationId xmlns:a16="http://schemas.microsoft.com/office/drawing/2014/main" id="{DC463BE1-2EFD-4C52-94D2-A7ECBCA1B033}"/>
+              </a:ext>
+            </a:extLst>
+          </p:cNvPr>
+          <p:cNvSpPr>
+            <a:spLocks noGrp="1"/>
+          </p:cNvSpPr>
+          <p:nvPr>
+            <p:ph type="sldNum" sz="quarter" idx="12"/>
+          </p:nvPr>
+        </p:nvSpPr>
+        <p:spPr/>
+        <p:txBody>
+          <a:bodyPr/>
+          <a:lstStyle/>
+          <a:p>
+            <a:fld id="{C4488D40-6A2B-42CD-9565-99D41B29C2DA}" type="slidenum">
+              <a:rPr lang="fr-FR" smtClean="0"/>
+              <a:t>38</a:t>
+            </a:fld>
+            <a:endParaRPr lang="fr-FR"/>
+          </a:p>
+        </p:txBody>
+      </p:sp>
+      <p:pic>
+        <p:nvPicPr>
+          <p:cNvPr id="5" name="Image 4">
+            <a:extLst>
+              <a:ext uri="{FF2B5EF4-FFF2-40B4-BE49-F238E27FC236}">
+                <a16:creationId xmlns:a16="http://schemas.microsoft.com/office/drawing/2014/main" id="{F306E803-C9CD-493D-9816-25D623DB8D8B}"/>
+              </a:ext>
+            </a:extLst>
+          </p:cNvPr>
+          <p:cNvPicPr>
+            <a:picLocks noChangeAspect="1"/>
+          </p:cNvPicPr>
+          <p:nvPr/>
+        </p:nvPicPr>
+        <p:blipFill>
+          <a:blip r:embed="rId2"/>
+          <a:stretch>
+            <a:fillRect/>
+          </a:stretch>
+        </p:blipFill>
+        <p:spPr>
+          <a:xfrm>
+            <a:off x="2721596" y="2013105"/>
+            <a:ext cx="6748806" cy="2532698"/>
+          </a:xfrm>
+          <a:prstGeom prst="rect">
+            <a:avLst/>
+          </a:prstGeom>
+        </p:spPr>
+      </p:pic>
+    </p:spTree>
+    <p:extLst>
+      <p:ext uri="{BB962C8B-B14F-4D97-AF65-F5344CB8AC3E}">
+        <p14:creationId xmlns:p14="http://schemas.microsoft.com/office/powerpoint/2010/main" val="4241401529"/>
+      </p:ext>
+    </p:extLst>
+  </p:cSld>
+  <p:clrMapOvr>
+    <a:masterClrMapping/>
+  </p:clrMapOvr>
+</p:sld>
+</file>
+
+<file path=ppt/slides/slide39.xml><?xml version="1.0" encoding="utf-8"?>
+<p:sld xmlns:a="http://schemas.openxmlformats.org/drawingml/2006/main" xmlns:r="http://schemas.openxmlformats.org/officeDocument/2006/relationships" xmlns:p="http://schemas.openxmlformats.org/presentationml/2006/main">
+  <p:cSld>
+    <p:spTree>
+      <p:nvGrpSpPr>
+        <p:cNvPr id="1" name=""/>
+        <p:cNvGrpSpPr/>
+        <p:nvPr/>
+      </p:nvGrpSpPr>
+      <p:grpSpPr>
+        <a:xfrm>
+          <a:off x="0" y="0"/>
+          <a:ext cx="0" cy="0"/>
+          <a:chOff x="0" y="0"/>
+          <a:chExt cx="0" cy="0"/>
+        </a:xfrm>
+      </p:grpSpPr>
+      <p:sp>
+        <p:nvSpPr>
+          <p:cNvPr id="2" name="Titre 1">
+            <a:extLst>
+              <a:ext uri="{FF2B5EF4-FFF2-40B4-BE49-F238E27FC236}">
+                <a16:creationId xmlns:a16="http://schemas.microsoft.com/office/drawing/2014/main" id="{DC38036A-22FF-47B7-9756-CE7B36F507E3}"/>
+              </a:ext>
+            </a:extLst>
+          </p:cNvPr>
+          <p:cNvSpPr>
+            <a:spLocks noGrp="1"/>
+          </p:cNvSpPr>
+          <p:nvPr>
+            <p:ph type="title"/>
+          </p:nvPr>
+        </p:nvSpPr>
+        <p:spPr/>
+        <p:txBody>
+          <a:bodyPr/>
+          <a:lstStyle/>
+          <a:p>
+            <a:r>
+              <a:rPr lang="fr-FR" dirty="0"/>
+              <a:t>Exercices</a:t>
+            </a:r>
+          </a:p>
+        </p:txBody>
+      </p:sp>
+      <p:sp>
+        <p:nvSpPr>
+          <p:cNvPr id="3" name="Espace réservé du contenu 2">
+            <a:extLst>
+              <a:ext uri="{FF2B5EF4-FFF2-40B4-BE49-F238E27FC236}">
+                <a16:creationId xmlns:a16="http://schemas.microsoft.com/office/drawing/2014/main" id="{5F93FA82-4EAE-4028-B58E-5270B684FE86}"/>
+              </a:ext>
+            </a:extLst>
+          </p:cNvPr>
+          <p:cNvSpPr>
+            <a:spLocks noGrp="1"/>
+          </p:cNvSpPr>
+          <p:nvPr>
+            <p:ph idx="1"/>
+          </p:nvPr>
+        </p:nvSpPr>
+        <p:spPr/>
+        <p:txBody>
+          <a:bodyPr/>
+          <a:lstStyle/>
+          <a:p>
+            <a:endParaRPr lang="fr-FR"/>
+          </a:p>
+        </p:txBody>
+      </p:sp>
+      <p:sp>
+        <p:nvSpPr>
+          <p:cNvPr id="4" name="Espace réservé du numéro de diapositive 3">
+            <a:extLst>
+              <a:ext uri="{FF2B5EF4-FFF2-40B4-BE49-F238E27FC236}">
+                <a16:creationId xmlns:a16="http://schemas.microsoft.com/office/drawing/2014/main" id="{4FB07A91-F167-4BB5-BCB8-C5AC4B2F9764}"/>
+              </a:ext>
+            </a:extLst>
+          </p:cNvPr>
+          <p:cNvSpPr>
+            <a:spLocks noGrp="1"/>
+          </p:cNvSpPr>
+          <p:nvPr>
+            <p:ph type="sldNum" sz="quarter" idx="12"/>
+          </p:nvPr>
+        </p:nvSpPr>
+        <p:spPr/>
+        <p:txBody>
+          <a:bodyPr/>
+          <a:lstStyle/>
+          <a:p>
+            <a:fld id="{C4488D40-6A2B-42CD-9565-99D41B29C2DA}" type="slidenum">
+              <a:rPr lang="fr-FR" smtClean="0"/>
+              <a:t>39</a:t>
+            </a:fld>
+            <a:endParaRPr lang="fr-FR"/>
+          </a:p>
+        </p:txBody>
+      </p:sp>
+    </p:spTree>
+    <p:extLst>
+      <p:ext uri="{BB962C8B-B14F-4D97-AF65-F5344CB8AC3E}">
+        <p14:creationId xmlns:p14="http://schemas.microsoft.com/office/powerpoint/2010/main" val="4152196743"/>
       </p:ext>
     </p:extLst>
   </p:cSld>
@@ -19244,6 +21343,229 @@
           <p:cNvPr id="2" name="Titre 1">
             <a:extLst>
               <a:ext uri="{FF2B5EF4-FFF2-40B4-BE49-F238E27FC236}">
+                <a16:creationId xmlns:a16="http://schemas.microsoft.com/office/drawing/2014/main" id="{5408CC2E-05CC-47DB-B0AF-C7EBF83E6F71}"/>
+              </a:ext>
+            </a:extLst>
+          </p:cNvPr>
+          <p:cNvSpPr>
+            <a:spLocks noGrp="1"/>
+          </p:cNvSpPr>
+          <p:nvPr>
+            <p:ph type="title"/>
+          </p:nvPr>
+        </p:nvSpPr>
+        <p:spPr/>
+        <p:txBody>
+          <a:bodyPr/>
+          <a:lstStyle/>
+          <a:p>
+            <a:r>
+              <a:rPr lang="fr-FR" dirty="0"/>
+              <a:t>Exercices</a:t>
+            </a:r>
+          </a:p>
+        </p:txBody>
+      </p:sp>
+      <p:sp>
+        <p:nvSpPr>
+          <p:cNvPr id="3" name="Espace réservé du contenu 2">
+            <a:extLst>
+              <a:ext uri="{FF2B5EF4-FFF2-40B4-BE49-F238E27FC236}">
+                <a16:creationId xmlns:a16="http://schemas.microsoft.com/office/drawing/2014/main" id="{B5C6AB65-106B-43D9-8BEE-C48623BA38B0}"/>
+              </a:ext>
+            </a:extLst>
+          </p:cNvPr>
+          <p:cNvSpPr>
+            <a:spLocks noGrp="1"/>
+          </p:cNvSpPr>
+          <p:nvPr>
+            <p:ph idx="1"/>
+          </p:nvPr>
+        </p:nvSpPr>
+        <p:spPr/>
+        <p:txBody>
+          <a:bodyPr/>
+          <a:lstStyle/>
+          <a:p>
+            <a:pPr marL="0" indent="0">
+              <a:buNone/>
+            </a:pPr>
+            <a:r>
+              <a:rPr lang="fr-FR" dirty="0"/>
+              <a:t>3 sujets :</a:t>
+            </a:r>
+          </a:p>
+          <a:p>
+            <a:pPr>
+              <a:buFontTx/>
+              <a:buChar char="-"/>
+            </a:pPr>
+            <a:r>
+              <a:rPr lang="fr-FR" dirty="0"/>
+              <a:t>Logiciel de dessin</a:t>
+            </a:r>
+          </a:p>
+          <a:p>
+            <a:pPr lvl="1">
+              <a:buFontTx/>
+              <a:buChar char="-"/>
+            </a:pPr>
+            <a:r>
+              <a:rPr lang="fr-FR" dirty="0"/>
+              <a:t>Plusieurs formes à dessiner : Rectangle, Carré, Cercle, Triangle</a:t>
+            </a:r>
+          </a:p>
+          <a:p>
+            <a:pPr lvl="1">
+              <a:buFontTx/>
+              <a:buChar char="-"/>
+            </a:pPr>
+            <a:r>
+              <a:rPr lang="fr-FR" dirty="0"/>
+              <a:t>On souhaite pouvoir les déplacer, ainsi que changer leur échelle</a:t>
+            </a:r>
+          </a:p>
+          <a:p>
+            <a:pPr>
+              <a:buFontTx/>
+              <a:buChar char="-"/>
+            </a:pPr>
+            <a:r>
+              <a:rPr lang="fr-FR" dirty="0"/>
+              <a:t>Jeu de Tic Tac </a:t>
+            </a:r>
+            <a:r>
+              <a:rPr lang="fr-FR" dirty="0" err="1"/>
+              <a:t>Toe</a:t>
+            </a:r>
+            <a:endParaRPr lang="fr-FR" dirty="0"/>
+          </a:p>
+          <a:p>
+            <a:pPr lvl="1">
+              <a:buFontTx/>
+              <a:buChar char="-"/>
+            </a:pPr>
+            <a:r>
+              <a:rPr lang="fr-FR" dirty="0"/>
+              <a:t>Pour le moment, on considère chaque case indépendamment (pas de tableau/liste)</a:t>
+            </a:r>
+          </a:p>
+          <a:p>
+            <a:pPr>
+              <a:buFontTx/>
+              <a:buChar char="-"/>
+            </a:pPr>
+            <a:r>
+              <a:rPr lang="fr-FR" dirty="0"/>
+              <a:t>Calculatrice</a:t>
+            </a:r>
+          </a:p>
+          <a:p>
+            <a:pPr lvl="1">
+              <a:buFontTx/>
+              <a:buChar char="-"/>
+            </a:pPr>
+            <a:r>
+              <a:rPr lang="fr-FR" dirty="0"/>
+              <a:t>Plusieurs opérations : addition, soustraction, multiplication, division, mise à la puissance</a:t>
+            </a:r>
+          </a:p>
+          <a:p>
+            <a:pPr marL="0" indent="0">
+              <a:buNone/>
+            </a:pPr>
+            <a:endParaRPr lang="fr-FR" dirty="0"/>
+          </a:p>
+          <a:p>
+            <a:pPr marL="0" indent="0">
+              <a:buNone/>
+            </a:pPr>
+            <a:r>
+              <a:rPr lang="fr-FR" dirty="0"/>
+              <a:t>1</a:t>
+            </a:r>
+            <a:r>
+              <a:rPr lang="fr-FR" baseline="30000" dirty="0"/>
+              <a:t>er</a:t>
+            </a:r>
+            <a:r>
+              <a:rPr lang="fr-FR" dirty="0"/>
+              <a:t> exercice : déterminer les classes principales que nous aurons à développer, leur composition, et les opérations que l’on souhaitera leur appliquer.</a:t>
+            </a:r>
+          </a:p>
+          <a:p>
+            <a:pPr>
+              <a:buFontTx/>
+              <a:buChar char="-"/>
+            </a:pPr>
+            <a:endParaRPr lang="fr-FR" dirty="0"/>
+          </a:p>
+        </p:txBody>
+      </p:sp>
+      <p:sp>
+        <p:nvSpPr>
+          <p:cNvPr id="4" name="Espace réservé du numéro de diapositive 3">
+            <a:extLst>
+              <a:ext uri="{FF2B5EF4-FFF2-40B4-BE49-F238E27FC236}">
+                <a16:creationId xmlns:a16="http://schemas.microsoft.com/office/drawing/2014/main" id="{2AD4CA56-B99F-442F-8031-564223C2B80C}"/>
+              </a:ext>
+            </a:extLst>
+          </p:cNvPr>
+          <p:cNvSpPr>
+            <a:spLocks noGrp="1"/>
+          </p:cNvSpPr>
+          <p:nvPr>
+            <p:ph type="sldNum" sz="quarter" idx="12"/>
+          </p:nvPr>
+        </p:nvSpPr>
+        <p:spPr/>
+        <p:txBody>
+          <a:bodyPr/>
+          <a:lstStyle/>
+          <a:p>
+            <a:fld id="{C4488D40-6A2B-42CD-9565-99D41B29C2DA}" type="slidenum">
+              <a:rPr lang="fr-FR" smtClean="0"/>
+              <a:t>7</a:t>
+            </a:fld>
+            <a:endParaRPr lang="fr-FR"/>
+          </a:p>
+        </p:txBody>
+      </p:sp>
+    </p:spTree>
+    <p:extLst>
+      <p:ext uri="{BB962C8B-B14F-4D97-AF65-F5344CB8AC3E}">
+        <p14:creationId xmlns:p14="http://schemas.microsoft.com/office/powerpoint/2010/main" val="2434868292"/>
+      </p:ext>
+    </p:extLst>
+  </p:cSld>
+  <p:clrMapOvr>
+    <a:masterClrMapping/>
+  </p:clrMapOvr>
+</p:sld>
+</file>
+
+<file path=ppt/slides/slide8.xml><?xml version="1.0" encoding="utf-8"?>
+<p:sld xmlns:a="http://schemas.openxmlformats.org/drawingml/2006/main" xmlns:r="http://schemas.openxmlformats.org/officeDocument/2006/relationships" xmlns:p="http://schemas.openxmlformats.org/presentationml/2006/main">
+  <p:cSld>
+    <p:spTree>
+      <p:nvGrpSpPr>
+        <p:cNvPr id="1" name=""/>
+        <p:cNvGrpSpPr/>
+        <p:nvPr/>
+      </p:nvGrpSpPr>
+      <p:grpSpPr>
+        <a:xfrm>
+          <a:off x="0" y="0"/>
+          <a:ext cx="0" cy="0"/>
+          <a:chOff x="0" y="0"/>
+          <a:chExt cx="0" cy="0"/>
+        </a:xfrm>
+      </p:grpSpPr>
+      <p:sp>
+        <p:nvSpPr>
+          <p:cNvPr id="2" name="Titre 1">
+            <a:extLst>
+              <a:ext uri="{FF2B5EF4-FFF2-40B4-BE49-F238E27FC236}">
                 <a16:creationId xmlns:a16="http://schemas.microsoft.com/office/drawing/2014/main" id="{46C93183-F3C6-4219-B688-4EF2979C49E3}"/>
               </a:ext>
             </a:extLst>
@@ -20066,7 +22388,7 @@
           <a:p>
             <a:fld id="{C4488D40-6A2B-42CD-9565-99D41B29C2DA}" type="slidenum">
               <a:rPr lang="fr-FR" smtClean="0"/>
-              <a:t>7</a:t>
+              <a:t>8</a:t>
             </a:fld>
             <a:endParaRPr lang="fr-FR"/>
           </a:p>
@@ -20085,7 +22407,7 @@
 </p:sld>
 </file>
 
-<file path=ppt/slides/slide8.xml><?xml version="1.0" encoding="utf-8"?>
+<file path=ppt/slides/slide9.xml><?xml version="1.0" encoding="utf-8"?>
 <p:sld xmlns:a="http://schemas.openxmlformats.org/drawingml/2006/main" xmlns:r="http://schemas.openxmlformats.org/officeDocument/2006/relationships" xmlns:p="http://schemas.openxmlformats.org/presentationml/2006/main">
   <p:cSld>
     <p:spTree>
@@ -20235,7 +22557,7 @@
                 </a:uFill>
                 <a:latin typeface="Century Gothic"/>
               </a:rPr>
-              <a:t>8</a:t>
+              <a:t>9</a:t>
             </a:fld>
             <a:endParaRPr lang="en-US" sz="2000" b="0" strike="noStrike" spc="-1">
               <a:solidFill>
@@ -20593,147 +22915,6 @@
       </p:par>
     </p:tnLst>
   </p:timing>
-</p:sld>
-</file>
-
-<file path=ppt/slides/slide9.xml><?xml version="1.0" encoding="utf-8"?>
-<p:sld xmlns:a="http://schemas.openxmlformats.org/drawingml/2006/main" xmlns:r="http://schemas.openxmlformats.org/officeDocument/2006/relationships" xmlns:p="http://schemas.openxmlformats.org/presentationml/2006/main">
-  <p:cSld>
-    <p:spTree>
-      <p:nvGrpSpPr>
-        <p:cNvPr id="1" name=""/>
-        <p:cNvGrpSpPr/>
-        <p:nvPr/>
-      </p:nvGrpSpPr>
-      <p:grpSpPr>
-        <a:xfrm>
-          <a:off x="0" y="0"/>
-          <a:ext cx="0" cy="0"/>
-          <a:chOff x="0" y="0"/>
-          <a:chExt cx="0" cy="0"/>
-        </a:xfrm>
-      </p:grpSpPr>
-      <p:sp>
-        <p:nvSpPr>
-          <p:cNvPr id="2" name="Titre 1">
-            <a:extLst>
-              <a:ext uri="{FF2B5EF4-FFF2-40B4-BE49-F238E27FC236}">
-                <a16:creationId xmlns:a16="http://schemas.microsoft.com/office/drawing/2014/main" id="{A3D18DA1-A27C-4892-BBDE-ABA880DC17CD}"/>
-              </a:ext>
-            </a:extLst>
-          </p:cNvPr>
-          <p:cNvSpPr>
-            <a:spLocks noGrp="1"/>
-          </p:cNvSpPr>
-          <p:nvPr>
-            <p:ph type="title"/>
-          </p:nvPr>
-        </p:nvSpPr>
-        <p:spPr/>
-        <p:txBody>
-          <a:bodyPr/>
-          <a:lstStyle/>
-          <a:p>
-            <a:r>
-              <a:rPr lang="fr-FR" dirty="0"/>
-              <a:t>Les instances en C#</a:t>
-            </a:r>
-          </a:p>
-        </p:txBody>
-      </p:sp>
-      <p:sp>
-        <p:nvSpPr>
-          <p:cNvPr id="3" name="Espace réservé du contenu 2">
-            <a:extLst>
-              <a:ext uri="{FF2B5EF4-FFF2-40B4-BE49-F238E27FC236}">
-                <a16:creationId xmlns:a16="http://schemas.microsoft.com/office/drawing/2014/main" id="{580FB6D7-E6CC-4FA8-84EE-AE20AAECF772}"/>
-              </a:ext>
-            </a:extLst>
-          </p:cNvPr>
-          <p:cNvSpPr>
-            <a:spLocks noGrp="1"/>
-          </p:cNvSpPr>
-          <p:nvPr>
-            <p:ph idx="1"/>
-          </p:nvPr>
-        </p:nvSpPr>
-        <p:spPr/>
-        <p:txBody>
-          <a:bodyPr/>
-          <a:lstStyle/>
-          <a:p>
-            <a:endParaRPr lang="fr-FR" dirty="0"/>
-          </a:p>
-        </p:txBody>
-      </p:sp>
-      <p:sp>
-        <p:nvSpPr>
-          <p:cNvPr id="4" name="Espace réservé du numéro de diapositive 3">
-            <a:extLst>
-              <a:ext uri="{FF2B5EF4-FFF2-40B4-BE49-F238E27FC236}">
-                <a16:creationId xmlns:a16="http://schemas.microsoft.com/office/drawing/2014/main" id="{A77574B6-3C40-4C3C-8C8E-7DC3F401FD1E}"/>
-              </a:ext>
-            </a:extLst>
-          </p:cNvPr>
-          <p:cNvSpPr>
-            <a:spLocks noGrp="1"/>
-          </p:cNvSpPr>
-          <p:nvPr>
-            <p:ph type="sldNum" sz="quarter" idx="12"/>
-          </p:nvPr>
-        </p:nvSpPr>
-        <p:spPr/>
-        <p:txBody>
-          <a:bodyPr/>
-          <a:lstStyle/>
-          <a:p>
-            <a:fld id="{C4488D40-6A2B-42CD-9565-99D41B29C2DA}" type="slidenum">
-              <a:rPr lang="fr-FR" smtClean="0"/>
-              <a:t>9</a:t>
-            </a:fld>
-            <a:endParaRPr lang="fr-FR"/>
-          </a:p>
-        </p:txBody>
-      </p:sp>
-      <p:pic>
-        <p:nvPicPr>
-          <p:cNvPr id="5" name="Image 4">
-            <a:extLst>
-              <a:ext uri="{FF2B5EF4-FFF2-40B4-BE49-F238E27FC236}">
-                <a16:creationId xmlns:a16="http://schemas.microsoft.com/office/drawing/2014/main" id="{6B4E6436-0DED-4897-9219-7B7D36B8AB1B}"/>
-              </a:ext>
-            </a:extLst>
-          </p:cNvPr>
-          <p:cNvPicPr/>
-          <p:nvPr/>
-        </p:nvPicPr>
-        <p:blipFill>
-          <a:blip r:embed="rId2"/>
-          <a:stretch/>
-        </p:blipFill>
-        <p:spPr>
-          <a:xfrm>
-            <a:off x="1071720" y="1910520"/>
-            <a:ext cx="9554040" cy="3137760"/>
-          </a:xfrm>
-          <a:prstGeom prst="rect">
-            <a:avLst/>
-          </a:prstGeom>
-          <a:ln>
-            <a:noFill/>
-          </a:ln>
-        </p:spPr>
-      </p:pic>
-    </p:spTree>
-    <p:extLst>
-      <p:ext uri="{BB962C8B-B14F-4D97-AF65-F5344CB8AC3E}">
-        <p14:creationId xmlns:p14="http://schemas.microsoft.com/office/powerpoint/2010/main" val="4132875239"/>
-      </p:ext>
-    </p:extLst>
-  </p:cSld>
-  <p:clrMapOvr>
-    <a:masterClrMapping/>
-  </p:clrMapOvr>
 </p:sld>
 </file>
 
